--- a/Changing Tides.pptx
+++ b/Changing Tides.pptx
@@ -2,12 +2,17 @@
 <file path=ppt/presentation.xml><?xml version="1.0" encoding="utf-8"?>
 <p:presentation xmlns:a="http://schemas.openxmlformats.org/drawingml/2006/main" xmlns:r="http://schemas.openxmlformats.org/officeDocument/2006/relationships" xmlns:p="http://schemas.openxmlformats.org/presentationml/2006/main" saveSubsetFonts="1">
   <p:sldMasterIdLst>
-    <p:sldMasterId id="2147483648" r:id="rId1"/>
+    <p:sldMasterId id="2147483660" r:id="rId1"/>
   </p:sldMasterIdLst>
   <p:sldIdLst>
     <p:sldId id="256" r:id="rId2"/>
     <p:sldId id="257" r:id="rId3"/>
     <p:sldId id="258" r:id="rId4"/>
+    <p:sldId id="259" r:id="rId5"/>
+    <p:sldId id="262" r:id="rId6"/>
+    <p:sldId id="265" r:id="rId7"/>
+    <p:sldId id="263" r:id="rId8"/>
+    <p:sldId id="264" r:id="rId9"/>
   </p:sldIdLst>
   <p:sldSz cx="12192000" cy="6858000"/>
   <p:notesSz cx="6858000" cy="9144000"/>
@@ -15,7 +20,7 @@
     <a:defPPr>
       <a:defRPr lang="en-US"/>
     </a:defPPr>
-    <a:lvl1pPr marL="0" algn="l" defTabSz="914400" rtl="0" eaLnBrk="1" latinLnBrk="0" hangingPunct="1">
+    <a:lvl1pPr marL="0" algn="l" defTabSz="457200" rtl="0" eaLnBrk="1" latinLnBrk="0" hangingPunct="1">
       <a:defRPr sz="1800" kern="1200">
         <a:solidFill>
           <a:schemeClr val="tx1"/>
@@ -25,7 +30,7 @@
         <a:cs typeface="+mn-cs"/>
       </a:defRPr>
     </a:lvl1pPr>
-    <a:lvl2pPr marL="457200" algn="l" defTabSz="914400" rtl="0" eaLnBrk="1" latinLnBrk="0" hangingPunct="1">
+    <a:lvl2pPr marL="457200" algn="l" defTabSz="457200" rtl="0" eaLnBrk="1" latinLnBrk="0" hangingPunct="1">
       <a:defRPr sz="1800" kern="1200">
         <a:solidFill>
           <a:schemeClr val="tx1"/>
@@ -35,7 +40,7 @@
         <a:cs typeface="+mn-cs"/>
       </a:defRPr>
     </a:lvl2pPr>
-    <a:lvl3pPr marL="914400" algn="l" defTabSz="914400" rtl="0" eaLnBrk="1" latinLnBrk="0" hangingPunct="1">
+    <a:lvl3pPr marL="914400" algn="l" defTabSz="457200" rtl="0" eaLnBrk="1" latinLnBrk="0" hangingPunct="1">
       <a:defRPr sz="1800" kern="1200">
         <a:solidFill>
           <a:schemeClr val="tx1"/>
@@ -45,7 +50,7 @@
         <a:cs typeface="+mn-cs"/>
       </a:defRPr>
     </a:lvl3pPr>
-    <a:lvl4pPr marL="1371600" algn="l" defTabSz="914400" rtl="0" eaLnBrk="1" latinLnBrk="0" hangingPunct="1">
+    <a:lvl4pPr marL="1371600" algn="l" defTabSz="457200" rtl="0" eaLnBrk="1" latinLnBrk="0" hangingPunct="1">
       <a:defRPr sz="1800" kern="1200">
         <a:solidFill>
           <a:schemeClr val="tx1"/>
@@ -55,7 +60,7 @@
         <a:cs typeface="+mn-cs"/>
       </a:defRPr>
     </a:lvl4pPr>
-    <a:lvl5pPr marL="1828800" algn="l" defTabSz="914400" rtl="0" eaLnBrk="1" latinLnBrk="0" hangingPunct="1">
+    <a:lvl5pPr marL="1828800" algn="l" defTabSz="457200" rtl="0" eaLnBrk="1" latinLnBrk="0" hangingPunct="1">
       <a:defRPr sz="1800" kern="1200">
         <a:solidFill>
           <a:schemeClr val="tx1"/>
@@ -65,7 +70,7 @@
         <a:cs typeface="+mn-cs"/>
       </a:defRPr>
     </a:lvl5pPr>
-    <a:lvl6pPr marL="2286000" algn="l" defTabSz="914400" rtl="0" eaLnBrk="1" latinLnBrk="0" hangingPunct="1">
+    <a:lvl6pPr marL="2286000" algn="l" defTabSz="457200" rtl="0" eaLnBrk="1" latinLnBrk="0" hangingPunct="1">
       <a:defRPr sz="1800" kern="1200">
         <a:solidFill>
           <a:schemeClr val="tx1"/>
@@ -75,7 +80,7 @@
         <a:cs typeface="+mn-cs"/>
       </a:defRPr>
     </a:lvl6pPr>
-    <a:lvl7pPr marL="2743200" algn="l" defTabSz="914400" rtl="0" eaLnBrk="1" latinLnBrk="0" hangingPunct="1">
+    <a:lvl7pPr marL="2743200" algn="l" defTabSz="457200" rtl="0" eaLnBrk="1" latinLnBrk="0" hangingPunct="1">
       <a:defRPr sz="1800" kern="1200">
         <a:solidFill>
           <a:schemeClr val="tx1"/>
@@ -85,7 +90,7 @@
         <a:cs typeface="+mn-cs"/>
       </a:defRPr>
     </a:lvl7pPr>
-    <a:lvl8pPr marL="3200400" algn="l" defTabSz="914400" rtl="0" eaLnBrk="1" latinLnBrk="0" hangingPunct="1">
+    <a:lvl8pPr marL="3200400" algn="l" defTabSz="457200" rtl="0" eaLnBrk="1" latinLnBrk="0" hangingPunct="1">
       <a:defRPr sz="1800" kern="1200">
         <a:solidFill>
           <a:schemeClr val="tx1"/>
@@ -95,7 +100,7 @@
         <a:cs typeface="+mn-cs"/>
       </a:defRPr>
     </a:lvl8pPr>
-    <a:lvl9pPr marL="3657600" algn="l" defTabSz="914400" rtl="0" eaLnBrk="1" latinLnBrk="0" hangingPunct="1">
+    <a:lvl9pPr marL="3657600" algn="l" defTabSz="457200" rtl="0" eaLnBrk="1" latinLnBrk="0" hangingPunct="1">
       <a:defRPr sz="1800" kern="1200">
         <a:solidFill>
           <a:schemeClr val="tx1"/>
@@ -106,11 +111,16 @@
       </a:defRPr>
     </a:lvl9pPr>
   </p:defaultTextStyle>
+  <p:extLst>
+    <p:ext uri="{EFAFB233-063F-42B5-8137-9DF3F51BA10A}">
+      <p15:sldGuideLst xmlns:p15="http://schemas.microsoft.com/office/powerpoint/2012/main"/>
+    </p:ext>
+  </p:extLst>
 </p:presentation>
 </file>
 
 <file path=ppt/slideLayouts/slideLayout1.xml><?xml version="1.0" encoding="utf-8"?>
-<p:sldLayout xmlns:a="http://schemas.openxmlformats.org/drawingml/2006/main" xmlns:r="http://schemas.openxmlformats.org/officeDocument/2006/relationships" xmlns:p="http://schemas.openxmlformats.org/presentationml/2006/main" type="title" preserve="1">
+<p:sldLayout xmlns:a="http://schemas.openxmlformats.org/drawingml/2006/main" xmlns:r="http://schemas.openxmlformats.org/officeDocument/2006/relationships" xmlns:p="http://schemas.openxmlformats.org/presentationml/2006/main" showMasterSp="0" type="title" preserve="1">
   <p:cSld name="Title Slide">
     <p:spTree>
       <p:nvGrpSpPr>
@@ -126,15 +136,539 @@
           <a:chExt cx="0" cy="0"/>
         </a:xfrm>
       </p:grpSpPr>
-      <p:sp>
-        <p:nvSpPr>
-          <p:cNvPr id="2" name="Title 1">
-            <a:extLst>
-              <a:ext uri="{FF2B5EF4-FFF2-40B4-BE49-F238E27FC236}">
-                <a16:creationId xmlns:a16="http://schemas.microsoft.com/office/drawing/2014/main" id="{7A7CCBB6-0699-42DE-8A1F-E8F2356713C5}"/>
-              </a:ext>
-            </a:extLst>
-          </p:cNvPr>
+      <p:grpSp>
+        <p:nvGrpSpPr>
+          <p:cNvPr id="7" name="Group 6"/>
+          <p:cNvGrpSpPr/>
+          <p:nvPr/>
+        </p:nvGrpSpPr>
+        <p:grpSpPr>
+          <a:xfrm>
+            <a:off x="0" y="-8467"/>
+            <a:ext cx="12192000" cy="6866467"/>
+            <a:chOff x="0" y="-8467"/>
+            <a:chExt cx="12192000" cy="6866467"/>
+          </a:xfrm>
+        </p:grpSpPr>
+        <p:cxnSp>
+          <p:nvCxnSpPr>
+            <p:cNvPr id="32" name="Straight Connector 31"/>
+            <p:cNvCxnSpPr/>
+            <p:nvPr/>
+          </p:nvCxnSpPr>
+          <p:spPr>
+            <a:xfrm>
+              <a:off x="9371012" y="0"/>
+              <a:ext cx="1219200" cy="6858000"/>
+            </a:xfrm>
+            <a:prstGeom prst="line">
+              <a:avLst/>
+            </a:prstGeom>
+            <a:ln w="9525">
+              <a:solidFill>
+                <a:schemeClr val="bg1">
+                  <a:lumMod val="75000"/>
+                </a:schemeClr>
+              </a:solidFill>
+            </a:ln>
+          </p:spPr>
+          <p:style>
+            <a:lnRef idx="2">
+              <a:schemeClr val="accent1"/>
+            </a:lnRef>
+            <a:fillRef idx="0">
+              <a:schemeClr val="accent1"/>
+            </a:fillRef>
+            <a:effectRef idx="1">
+              <a:schemeClr val="accent1"/>
+            </a:effectRef>
+            <a:fontRef idx="minor">
+              <a:schemeClr val="tx1"/>
+            </a:fontRef>
+          </p:style>
+        </p:cxnSp>
+        <p:cxnSp>
+          <p:nvCxnSpPr>
+            <p:cNvPr id="21" name="Straight Connector 20"/>
+            <p:cNvCxnSpPr/>
+            <p:nvPr/>
+          </p:nvCxnSpPr>
+          <p:spPr>
+            <a:xfrm flipH="1">
+              <a:off x="7425267" y="3681413"/>
+              <a:ext cx="4763558" cy="3176587"/>
+            </a:xfrm>
+            <a:prstGeom prst="line">
+              <a:avLst/>
+            </a:prstGeom>
+            <a:ln w="9525">
+              <a:solidFill>
+                <a:schemeClr val="bg1">
+                  <a:lumMod val="85000"/>
+                </a:schemeClr>
+              </a:solidFill>
+            </a:ln>
+          </p:spPr>
+          <p:style>
+            <a:lnRef idx="2">
+              <a:schemeClr val="accent1"/>
+            </a:lnRef>
+            <a:fillRef idx="0">
+              <a:schemeClr val="accent1"/>
+            </a:fillRef>
+            <a:effectRef idx="1">
+              <a:schemeClr val="accent1"/>
+            </a:effectRef>
+            <a:fontRef idx="minor">
+              <a:schemeClr val="tx1"/>
+            </a:fontRef>
+          </p:style>
+        </p:cxnSp>
+        <p:sp>
+          <p:nvSpPr>
+            <p:cNvPr id="24" name="Rectangle 23"/>
+            <p:cNvSpPr/>
+            <p:nvPr/>
+          </p:nvSpPr>
+          <p:spPr>
+            <a:xfrm>
+              <a:off x="9181476" y="-8467"/>
+              <a:ext cx="3007349" cy="6866467"/>
+            </a:xfrm>
+            <a:custGeom>
+              <a:avLst/>
+              <a:gdLst/>
+              <a:ahLst/>
+              <a:cxnLst/>
+              <a:rect l="l" t="t" r="r" b="b"/>
+              <a:pathLst>
+                <a:path w="3007349" h="6866467">
+                  <a:moveTo>
+                    <a:pt x="2045532" y="0"/>
+                  </a:moveTo>
+                  <a:lnTo>
+                    <a:pt x="3007349" y="0"/>
+                  </a:lnTo>
+                  <a:lnTo>
+                    <a:pt x="3007349" y="6866467"/>
+                  </a:lnTo>
+                  <a:lnTo>
+                    <a:pt x="0" y="6866467"/>
+                  </a:lnTo>
+                  <a:lnTo>
+                    <a:pt x="2045532" y="0"/>
+                  </a:lnTo>
+                  <a:close/>
+                </a:path>
+              </a:pathLst>
+            </a:custGeom>
+            <a:solidFill>
+              <a:schemeClr val="accent1">
+                <a:alpha val="30000"/>
+              </a:schemeClr>
+            </a:solidFill>
+            <a:ln>
+              <a:noFill/>
+            </a:ln>
+            <a:effectLst/>
+          </p:spPr>
+          <p:style>
+            <a:lnRef idx="1">
+              <a:schemeClr val="accent1"/>
+            </a:lnRef>
+            <a:fillRef idx="3">
+              <a:schemeClr val="accent1"/>
+            </a:fillRef>
+            <a:effectRef idx="2">
+              <a:schemeClr val="accent1"/>
+            </a:effectRef>
+            <a:fontRef idx="minor">
+              <a:schemeClr val="lt1"/>
+            </a:fontRef>
+          </p:style>
+        </p:sp>
+        <p:sp>
+          <p:nvSpPr>
+            <p:cNvPr id="26" name="Rectangle 25"/>
+            <p:cNvSpPr/>
+            <p:nvPr/>
+          </p:nvSpPr>
+          <p:spPr>
+            <a:xfrm>
+              <a:off x="9603442" y="-8467"/>
+              <a:ext cx="2588558" cy="6866467"/>
+            </a:xfrm>
+            <a:custGeom>
+              <a:avLst/>
+              <a:gdLst/>
+              <a:ahLst/>
+              <a:cxnLst/>
+              <a:rect l="l" t="t" r="r" b="b"/>
+              <a:pathLst>
+                <a:path w="2573311" h="6866467">
+                  <a:moveTo>
+                    <a:pt x="0" y="0"/>
+                  </a:moveTo>
+                  <a:lnTo>
+                    <a:pt x="2573311" y="0"/>
+                  </a:lnTo>
+                  <a:lnTo>
+                    <a:pt x="2573311" y="6866467"/>
+                  </a:lnTo>
+                  <a:lnTo>
+                    <a:pt x="1202336" y="6866467"/>
+                  </a:lnTo>
+                  <a:lnTo>
+                    <a:pt x="0" y="0"/>
+                  </a:lnTo>
+                  <a:close/>
+                </a:path>
+              </a:pathLst>
+            </a:custGeom>
+            <a:solidFill>
+              <a:schemeClr val="accent1">
+                <a:alpha val="20000"/>
+              </a:schemeClr>
+            </a:solidFill>
+            <a:ln>
+              <a:noFill/>
+            </a:ln>
+            <a:effectLst/>
+          </p:spPr>
+          <p:style>
+            <a:lnRef idx="1">
+              <a:schemeClr val="accent1"/>
+            </a:lnRef>
+            <a:fillRef idx="3">
+              <a:schemeClr val="accent1"/>
+            </a:fillRef>
+            <a:effectRef idx="2">
+              <a:schemeClr val="accent1"/>
+            </a:effectRef>
+            <a:fontRef idx="minor">
+              <a:schemeClr val="lt1"/>
+            </a:fontRef>
+          </p:style>
+        </p:sp>
+        <p:sp>
+          <p:nvSpPr>
+            <p:cNvPr id="27" name="Isosceles Triangle 26"/>
+            <p:cNvSpPr/>
+            <p:nvPr/>
+          </p:nvSpPr>
+          <p:spPr>
+            <a:xfrm>
+              <a:off x="8932333" y="3048000"/>
+              <a:ext cx="3259667" cy="3810000"/>
+            </a:xfrm>
+            <a:prstGeom prst="triangle">
+              <a:avLst>
+                <a:gd name="adj" fmla="val 100000"/>
+              </a:avLst>
+            </a:prstGeom>
+            <a:solidFill>
+              <a:schemeClr val="accent2">
+                <a:alpha val="72000"/>
+              </a:schemeClr>
+            </a:solidFill>
+            <a:ln>
+              <a:noFill/>
+            </a:ln>
+            <a:effectLst/>
+          </p:spPr>
+          <p:style>
+            <a:lnRef idx="1">
+              <a:schemeClr val="accent1"/>
+            </a:lnRef>
+            <a:fillRef idx="3">
+              <a:schemeClr val="accent1"/>
+            </a:fillRef>
+            <a:effectRef idx="2">
+              <a:schemeClr val="accent1"/>
+            </a:effectRef>
+            <a:fontRef idx="minor">
+              <a:schemeClr val="lt1"/>
+            </a:fontRef>
+          </p:style>
+        </p:sp>
+        <p:sp>
+          <p:nvSpPr>
+            <p:cNvPr id="28" name="Rectangle 27"/>
+            <p:cNvSpPr/>
+            <p:nvPr/>
+          </p:nvSpPr>
+          <p:spPr>
+            <a:xfrm>
+              <a:off x="9334500" y="-8467"/>
+              <a:ext cx="2854326" cy="6866467"/>
+            </a:xfrm>
+            <a:custGeom>
+              <a:avLst/>
+              <a:gdLst/>
+              <a:ahLst/>
+              <a:cxnLst/>
+              <a:rect l="l" t="t" r="r" b="b"/>
+              <a:pathLst>
+                <a:path w="2858013" h="6866467">
+                  <a:moveTo>
+                    <a:pt x="0" y="0"/>
+                  </a:moveTo>
+                  <a:lnTo>
+                    <a:pt x="2858013" y="0"/>
+                  </a:lnTo>
+                  <a:lnTo>
+                    <a:pt x="2858013" y="6866467"/>
+                  </a:lnTo>
+                  <a:lnTo>
+                    <a:pt x="2473942" y="6866467"/>
+                  </a:lnTo>
+                  <a:lnTo>
+                    <a:pt x="0" y="0"/>
+                  </a:lnTo>
+                  <a:close/>
+                </a:path>
+              </a:pathLst>
+            </a:custGeom>
+            <a:solidFill>
+              <a:schemeClr val="accent2">
+                <a:lumMod val="75000"/>
+                <a:alpha val="70000"/>
+              </a:schemeClr>
+            </a:solidFill>
+            <a:ln>
+              <a:noFill/>
+            </a:ln>
+            <a:effectLst/>
+          </p:spPr>
+          <p:style>
+            <a:lnRef idx="1">
+              <a:schemeClr val="accent1"/>
+            </a:lnRef>
+            <a:fillRef idx="3">
+              <a:schemeClr val="accent1"/>
+            </a:fillRef>
+            <a:effectRef idx="2">
+              <a:schemeClr val="accent1"/>
+            </a:effectRef>
+            <a:fontRef idx="minor">
+              <a:schemeClr val="lt1"/>
+            </a:fontRef>
+          </p:style>
+        </p:sp>
+        <p:sp>
+          <p:nvSpPr>
+            <p:cNvPr id="29" name="Rectangle 28"/>
+            <p:cNvSpPr/>
+            <p:nvPr/>
+          </p:nvSpPr>
+          <p:spPr>
+            <a:xfrm>
+              <a:off x="10898730" y="-8467"/>
+              <a:ext cx="1290094" cy="6866467"/>
+            </a:xfrm>
+            <a:custGeom>
+              <a:avLst/>
+              <a:gdLst/>
+              <a:ahLst/>
+              <a:cxnLst/>
+              <a:rect l="l" t="t" r="r" b="b"/>
+              <a:pathLst>
+                <a:path w="1290094" h="6858000">
+                  <a:moveTo>
+                    <a:pt x="1019735" y="0"/>
+                  </a:moveTo>
+                  <a:lnTo>
+                    <a:pt x="1290094" y="0"/>
+                  </a:lnTo>
+                  <a:lnTo>
+                    <a:pt x="1290094" y="6858000"/>
+                  </a:lnTo>
+                  <a:lnTo>
+                    <a:pt x="0" y="6858000"/>
+                  </a:lnTo>
+                  <a:lnTo>
+                    <a:pt x="1019735" y="0"/>
+                  </a:lnTo>
+                  <a:close/>
+                </a:path>
+              </a:pathLst>
+            </a:custGeom>
+            <a:solidFill>
+              <a:schemeClr val="accent1">
+                <a:lumMod val="60000"/>
+                <a:lumOff val="40000"/>
+                <a:alpha val="70000"/>
+              </a:schemeClr>
+            </a:solidFill>
+            <a:ln>
+              <a:noFill/>
+            </a:ln>
+            <a:effectLst/>
+          </p:spPr>
+          <p:style>
+            <a:lnRef idx="1">
+              <a:schemeClr val="accent1"/>
+            </a:lnRef>
+            <a:fillRef idx="3">
+              <a:schemeClr val="accent1"/>
+            </a:fillRef>
+            <a:effectRef idx="2">
+              <a:schemeClr val="accent1"/>
+            </a:effectRef>
+            <a:fontRef idx="minor">
+              <a:schemeClr val="lt1"/>
+            </a:fontRef>
+          </p:style>
+        </p:sp>
+        <p:sp>
+          <p:nvSpPr>
+            <p:cNvPr id="30" name="Rectangle 29"/>
+            <p:cNvSpPr/>
+            <p:nvPr/>
+          </p:nvSpPr>
+          <p:spPr>
+            <a:xfrm>
+              <a:off x="10938999" y="-8467"/>
+              <a:ext cx="1249825" cy="6866467"/>
+            </a:xfrm>
+            <a:custGeom>
+              <a:avLst/>
+              <a:gdLst/>
+              <a:ahLst/>
+              <a:cxnLst/>
+              <a:rect l="l" t="t" r="r" b="b"/>
+              <a:pathLst>
+                <a:path w="1249825" h="6858000">
+                  <a:moveTo>
+                    <a:pt x="0" y="0"/>
+                  </a:moveTo>
+                  <a:lnTo>
+                    <a:pt x="1249825" y="0"/>
+                  </a:lnTo>
+                  <a:lnTo>
+                    <a:pt x="1249825" y="6858000"/>
+                  </a:lnTo>
+                  <a:lnTo>
+                    <a:pt x="1109382" y="6858000"/>
+                  </a:lnTo>
+                  <a:lnTo>
+                    <a:pt x="0" y="0"/>
+                  </a:lnTo>
+                  <a:close/>
+                </a:path>
+              </a:pathLst>
+            </a:custGeom>
+            <a:solidFill>
+              <a:schemeClr val="accent1">
+                <a:alpha val="65000"/>
+              </a:schemeClr>
+            </a:solidFill>
+            <a:ln>
+              <a:noFill/>
+            </a:ln>
+            <a:effectLst/>
+          </p:spPr>
+          <p:style>
+            <a:lnRef idx="1">
+              <a:schemeClr val="accent1"/>
+            </a:lnRef>
+            <a:fillRef idx="3">
+              <a:schemeClr val="accent1"/>
+            </a:fillRef>
+            <a:effectRef idx="2">
+              <a:schemeClr val="accent1"/>
+            </a:effectRef>
+            <a:fontRef idx="minor">
+              <a:schemeClr val="lt1"/>
+            </a:fontRef>
+          </p:style>
+        </p:sp>
+        <p:sp>
+          <p:nvSpPr>
+            <p:cNvPr id="31" name="Isosceles Triangle 30"/>
+            <p:cNvSpPr/>
+            <p:nvPr/>
+          </p:nvSpPr>
+          <p:spPr>
+            <a:xfrm>
+              <a:off x="10371666" y="3589867"/>
+              <a:ext cx="1817159" cy="3268133"/>
+            </a:xfrm>
+            <a:prstGeom prst="triangle">
+              <a:avLst>
+                <a:gd name="adj" fmla="val 100000"/>
+              </a:avLst>
+            </a:prstGeom>
+            <a:solidFill>
+              <a:schemeClr val="accent1">
+                <a:alpha val="80000"/>
+              </a:schemeClr>
+            </a:solidFill>
+            <a:ln>
+              <a:noFill/>
+            </a:ln>
+            <a:effectLst/>
+          </p:spPr>
+          <p:style>
+            <a:lnRef idx="1">
+              <a:schemeClr val="accent1"/>
+            </a:lnRef>
+            <a:fillRef idx="3">
+              <a:schemeClr val="accent1"/>
+            </a:fillRef>
+            <a:effectRef idx="2">
+              <a:schemeClr val="accent1"/>
+            </a:effectRef>
+            <a:fontRef idx="minor">
+              <a:schemeClr val="lt1"/>
+            </a:fontRef>
+          </p:style>
+        </p:sp>
+        <p:sp>
+          <p:nvSpPr>
+            <p:cNvPr id="19" name="Isosceles Triangle 18"/>
+            <p:cNvSpPr/>
+            <p:nvPr/>
+          </p:nvSpPr>
+          <p:spPr>
+            <a:xfrm rot="10800000">
+              <a:off x="0" y="0"/>
+              <a:ext cx="842596" cy="5666154"/>
+            </a:xfrm>
+            <a:prstGeom prst="triangle">
+              <a:avLst>
+                <a:gd name="adj" fmla="val 100000"/>
+              </a:avLst>
+            </a:prstGeom>
+            <a:solidFill>
+              <a:schemeClr val="accent1">
+                <a:alpha val="85000"/>
+              </a:schemeClr>
+            </a:solidFill>
+            <a:ln>
+              <a:noFill/>
+            </a:ln>
+            <a:effectLst/>
+          </p:spPr>
+          <p:style>
+            <a:lnRef idx="1">
+              <a:schemeClr val="accent1"/>
+            </a:lnRef>
+            <a:fillRef idx="3">
+              <a:schemeClr val="accent1"/>
+            </a:fillRef>
+            <a:effectRef idx="2">
+              <a:schemeClr val="accent1"/>
+            </a:effectRef>
+            <a:fontRef idx="minor">
+              <a:schemeClr val="lt1"/>
+            </a:fontRef>
+          </p:style>
+        </p:sp>
+      </p:grpSp>
+      <p:sp>
+        <p:nvSpPr>
+          <p:cNvPr id="2" name="Title 1"/>
           <p:cNvSpPr>
             <a:spLocks noGrp="1"/>
           </p:cNvSpPr>
@@ -144,15 +678,21 @@
         </p:nvSpPr>
         <p:spPr>
           <a:xfrm>
-            <a:off x="1524000" y="1122363"/>
-            <a:ext cx="9144000" cy="2387600"/>
+            <a:off x="1507067" y="2404534"/>
+            <a:ext cx="7766936" cy="1646302"/>
           </a:xfrm>
         </p:spPr>
         <p:txBody>
-          <a:bodyPr anchor="b"/>
+          <a:bodyPr anchor="b">
+            <a:noAutofit/>
+          </a:bodyPr>
           <a:lstStyle>
-            <a:lvl1pPr algn="ctr">
-              <a:defRPr sz="6000"/>
+            <a:lvl1pPr algn="r">
+              <a:defRPr sz="5400">
+                <a:solidFill>
+                  <a:schemeClr val="accent1"/>
+                </a:solidFill>
+              </a:defRPr>
             </a:lvl1pPr>
           </a:lstStyle>
           <a:p>
@@ -160,18 +700,13 @@
               <a:rPr lang="en-US"/>
               <a:t>Click to edit Master title style</a:t>
             </a:r>
-          </a:p>
-        </p:txBody>
-      </p:sp>
-      <p:sp>
-        <p:nvSpPr>
-          <p:cNvPr id="3" name="Subtitle 2">
-            <a:extLst>
-              <a:ext uri="{FF2B5EF4-FFF2-40B4-BE49-F238E27FC236}">
-                <a16:creationId xmlns:a16="http://schemas.microsoft.com/office/drawing/2014/main" id="{D5B5820C-D601-4787-962B-E18F88F1D481}"/>
-              </a:ext>
-            </a:extLst>
-          </p:cNvPr>
+            <a:endParaRPr lang="en-US" dirty="0"/>
+          </a:p>
+        </p:txBody>
+      </p:sp>
+      <p:sp>
+        <p:nvSpPr>
+          <p:cNvPr id="3" name="Subtitle 2"/>
           <p:cNvSpPr>
             <a:spLocks noGrp="1"/>
           </p:cNvSpPr>
@@ -181,48 +716,103 @@
         </p:nvSpPr>
         <p:spPr>
           <a:xfrm>
-            <a:off x="1524000" y="3602038"/>
-            <a:ext cx="9144000" cy="1655762"/>
+            <a:off x="1507067" y="4050833"/>
+            <a:ext cx="7766936" cy="1096899"/>
           </a:xfrm>
         </p:spPr>
         <p:txBody>
-          <a:bodyPr/>
+          <a:bodyPr anchor="t"/>
           <a:lstStyle>
-            <a:lvl1pPr marL="0" indent="0" algn="ctr">
-              <a:buNone/>
-              <a:defRPr sz="2400"/>
+            <a:lvl1pPr marL="0" indent="0" algn="r">
+              <a:buNone/>
+              <a:defRPr>
+                <a:solidFill>
+                  <a:schemeClr val="tx1">
+                    <a:lumMod val="50000"/>
+                    <a:lumOff val="50000"/>
+                  </a:schemeClr>
+                </a:solidFill>
+              </a:defRPr>
             </a:lvl1pPr>
             <a:lvl2pPr marL="457200" indent="0" algn="ctr">
               <a:buNone/>
-              <a:defRPr sz="2000"/>
+              <a:defRPr>
+                <a:solidFill>
+                  <a:schemeClr val="tx1">
+                    <a:tint val="75000"/>
+                  </a:schemeClr>
+                </a:solidFill>
+              </a:defRPr>
             </a:lvl2pPr>
             <a:lvl3pPr marL="914400" indent="0" algn="ctr">
               <a:buNone/>
-              <a:defRPr sz="1800"/>
+              <a:defRPr>
+                <a:solidFill>
+                  <a:schemeClr val="tx1">
+                    <a:tint val="75000"/>
+                  </a:schemeClr>
+                </a:solidFill>
+              </a:defRPr>
             </a:lvl3pPr>
             <a:lvl4pPr marL="1371600" indent="0" algn="ctr">
               <a:buNone/>
-              <a:defRPr sz="1600"/>
+              <a:defRPr>
+                <a:solidFill>
+                  <a:schemeClr val="tx1">
+                    <a:tint val="75000"/>
+                  </a:schemeClr>
+                </a:solidFill>
+              </a:defRPr>
             </a:lvl4pPr>
             <a:lvl5pPr marL="1828800" indent="0" algn="ctr">
               <a:buNone/>
-              <a:defRPr sz="1600"/>
+              <a:defRPr>
+                <a:solidFill>
+                  <a:schemeClr val="tx1">
+                    <a:tint val="75000"/>
+                  </a:schemeClr>
+                </a:solidFill>
+              </a:defRPr>
             </a:lvl5pPr>
             <a:lvl6pPr marL="2286000" indent="0" algn="ctr">
               <a:buNone/>
-              <a:defRPr sz="1600"/>
+              <a:defRPr>
+                <a:solidFill>
+                  <a:schemeClr val="tx1">
+                    <a:tint val="75000"/>
+                  </a:schemeClr>
+                </a:solidFill>
+              </a:defRPr>
             </a:lvl6pPr>
             <a:lvl7pPr marL="2743200" indent="0" algn="ctr">
               <a:buNone/>
-              <a:defRPr sz="1600"/>
+              <a:defRPr>
+                <a:solidFill>
+                  <a:schemeClr val="tx1">
+                    <a:tint val="75000"/>
+                  </a:schemeClr>
+                </a:solidFill>
+              </a:defRPr>
             </a:lvl7pPr>
             <a:lvl8pPr marL="3200400" indent="0" algn="ctr">
               <a:buNone/>
-              <a:defRPr sz="1600"/>
+              <a:defRPr>
+                <a:solidFill>
+                  <a:schemeClr val="tx1">
+                    <a:tint val="75000"/>
+                  </a:schemeClr>
+                </a:solidFill>
+              </a:defRPr>
             </a:lvl8pPr>
             <a:lvl9pPr marL="3657600" indent="0" algn="ctr">
               <a:buNone/>
-              <a:defRPr sz="1600"/>
+              <a:defRPr>
+                <a:solidFill>
+                  <a:schemeClr val="tx1">
+                    <a:tint val="75000"/>
+                  </a:schemeClr>
+                </a:solidFill>
+              </a:defRPr>
             </a:lvl9pPr>
           </a:lstStyle>
           <a:p>
@@ -230,18 +820,13 @@
               <a:rPr lang="en-US"/>
               <a:t>Click to edit Master subtitle style</a:t>
             </a:r>
-          </a:p>
-        </p:txBody>
-      </p:sp>
-      <p:sp>
-        <p:nvSpPr>
-          <p:cNvPr id="4" name="Date Placeholder 3">
-            <a:extLst>
-              <a:ext uri="{FF2B5EF4-FFF2-40B4-BE49-F238E27FC236}">
-                <a16:creationId xmlns:a16="http://schemas.microsoft.com/office/drawing/2014/main" id="{F0E30AA3-2A86-4C00-A8A2-52CC7A169593}"/>
-              </a:ext>
-            </a:extLst>
-          </p:cNvPr>
+            <a:endParaRPr lang="en-US" dirty="0"/>
+          </a:p>
+        </p:txBody>
+      </p:sp>
+      <p:sp>
+        <p:nvSpPr>
+          <p:cNvPr id="4" name="Date Placeholder 3"/>
           <p:cNvSpPr>
             <a:spLocks noGrp="1"/>
           </p:cNvSpPr>
@@ -264,13 +849,7 @@
       </p:sp>
       <p:sp>
         <p:nvSpPr>
-          <p:cNvPr id="5" name="Footer Placeholder 4">
-            <a:extLst>
-              <a:ext uri="{FF2B5EF4-FFF2-40B4-BE49-F238E27FC236}">
-                <a16:creationId xmlns:a16="http://schemas.microsoft.com/office/drawing/2014/main" id="{4AC7EB68-11F6-4457-89C7-E0AC57E3C06E}"/>
-              </a:ext>
-            </a:extLst>
-          </p:cNvPr>
+          <p:cNvPr id="5" name="Footer Placeholder 4"/>
           <p:cNvSpPr>
             <a:spLocks noGrp="1"/>
           </p:cNvSpPr>
@@ -289,13 +868,7 @@
       </p:sp>
       <p:sp>
         <p:nvSpPr>
-          <p:cNvPr id="6" name="Slide Number Placeholder 5">
-            <a:extLst>
-              <a:ext uri="{FF2B5EF4-FFF2-40B4-BE49-F238E27FC236}">
-                <a16:creationId xmlns:a16="http://schemas.microsoft.com/office/drawing/2014/main" id="{12E99308-2824-4581-BC7B-50B3B72E9C34}"/>
-              </a:ext>
-            </a:extLst>
-          </p:cNvPr>
+          <p:cNvPr id="6" name="Slide Number Placeholder 5"/>
           <p:cNvSpPr>
             <a:spLocks noGrp="1"/>
           </p:cNvSpPr>
@@ -319,7 +892,7 @@
     </p:spTree>
     <p:extLst>
       <p:ext uri="{BB962C8B-B14F-4D97-AF65-F5344CB8AC3E}">
-        <p14:creationId xmlns:p14="http://schemas.microsoft.com/office/powerpoint/2010/main" val="1267118307"/>
+        <p14:creationId xmlns:p14="http://schemas.microsoft.com/office/powerpoint/2010/main" val="1789403189"/>
       </p:ext>
     </p:extLst>
   </p:cSld>
@@ -330,6 +903,1619 @@
 </file>
 
 <file path=ppt/slideLayouts/slideLayout10.xml><?xml version="1.0" encoding="utf-8"?>
+<p:sldLayout xmlns:a="http://schemas.openxmlformats.org/drawingml/2006/main" xmlns:r="http://schemas.openxmlformats.org/officeDocument/2006/relationships" xmlns:p="http://schemas.openxmlformats.org/presentationml/2006/main" preserve="1">
+  <p:cSld name="Title and Caption">
+    <p:spTree>
+      <p:nvGrpSpPr>
+        <p:cNvPr id="1" name=""/>
+        <p:cNvGrpSpPr/>
+        <p:nvPr/>
+      </p:nvGrpSpPr>
+      <p:grpSpPr>
+        <a:xfrm>
+          <a:off x="0" y="0"/>
+          <a:ext cx="0" cy="0"/>
+          <a:chOff x="0" y="0"/>
+          <a:chExt cx="0" cy="0"/>
+        </a:xfrm>
+      </p:grpSpPr>
+      <p:sp>
+        <p:nvSpPr>
+          <p:cNvPr id="2" name="Title 1"/>
+          <p:cNvSpPr>
+            <a:spLocks noGrp="1"/>
+          </p:cNvSpPr>
+          <p:nvPr>
+            <p:ph type="title"/>
+          </p:nvPr>
+        </p:nvSpPr>
+        <p:spPr>
+          <a:xfrm>
+            <a:off x="677335" y="609600"/>
+            <a:ext cx="8596668" cy="3403600"/>
+          </a:xfrm>
+        </p:spPr>
+        <p:txBody>
+          <a:bodyPr anchor="ctr">
+            <a:normAutofit/>
+          </a:bodyPr>
+          <a:lstStyle>
+            <a:lvl1pPr algn="l">
+              <a:defRPr sz="4400" b="0" cap="none"/>
+            </a:lvl1pPr>
+          </a:lstStyle>
+          <a:p>
+            <a:r>
+              <a:rPr lang="en-US"/>
+              <a:t>Click to edit Master title style</a:t>
+            </a:r>
+            <a:endParaRPr lang="en-US" dirty="0"/>
+          </a:p>
+        </p:txBody>
+      </p:sp>
+      <p:sp>
+        <p:nvSpPr>
+          <p:cNvPr id="3" name="Text Placeholder 2"/>
+          <p:cNvSpPr>
+            <a:spLocks noGrp="1"/>
+          </p:cNvSpPr>
+          <p:nvPr>
+            <p:ph type="body" idx="1"/>
+          </p:nvPr>
+        </p:nvSpPr>
+        <p:spPr>
+          <a:xfrm>
+            <a:off x="677335" y="4470400"/>
+            <a:ext cx="8596668" cy="1570962"/>
+          </a:xfrm>
+        </p:spPr>
+        <p:txBody>
+          <a:bodyPr anchor="ctr">
+            <a:normAutofit/>
+          </a:bodyPr>
+          <a:lstStyle>
+            <a:lvl1pPr marL="0" indent="0" algn="l">
+              <a:buNone/>
+              <a:defRPr sz="1800">
+                <a:solidFill>
+                  <a:schemeClr val="tx1">
+                    <a:lumMod val="75000"/>
+                    <a:lumOff val="25000"/>
+                  </a:schemeClr>
+                </a:solidFill>
+              </a:defRPr>
+            </a:lvl1pPr>
+            <a:lvl2pPr marL="457200" indent="0">
+              <a:buNone/>
+              <a:defRPr sz="1800">
+                <a:solidFill>
+                  <a:schemeClr val="tx1">
+                    <a:tint val="75000"/>
+                  </a:schemeClr>
+                </a:solidFill>
+              </a:defRPr>
+            </a:lvl2pPr>
+            <a:lvl3pPr marL="914400" indent="0">
+              <a:buNone/>
+              <a:defRPr sz="1600">
+                <a:solidFill>
+                  <a:schemeClr val="tx1">
+                    <a:tint val="75000"/>
+                  </a:schemeClr>
+                </a:solidFill>
+              </a:defRPr>
+            </a:lvl3pPr>
+            <a:lvl4pPr marL="1371600" indent="0">
+              <a:buNone/>
+              <a:defRPr sz="1400">
+                <a:solidFill>
+                  <a:schemeClr val="tx1">
+                    <a:tint val="75000"/>
+                  </a:schemeClr>
+                </a:solidFill>
+              </a:defRPr>
+            </a:lvl4pPr>
+            <a:lvl5pPr marL="1828800" indent="0">
+              <a:buNone/>
+              <a:defRPr sz="1400">
+                <a:solidFill>
+                  <a:schemeClr val="tx1">
+                    <a:tint val="75000"/>
+                  </a:schemeClr>
+                </a:solidFill>
+              </a:defRPr>
+            </a:lvl5pPr>
+            <a:lvl6pPr marL="2286000" indent="0">
+              <a:buNone/>
+              <a:defRPr sz="1400">
+                <a:solidFill>
+                  <a:schemeClr val="tx1">
+                    <a:tint val="75000"/>
+                  </a:schemeClr>
+                </a:solidFill>
+              </a:defRPr>
+            </a:lvl6pPr>
+            <a:lvl7pPr marL="2743200" indent="0">
+              <a:buNone/>
+              <a:defRPr sz="1400">
+                <a:solidFill>
+                  <a:schemeClr val="tx1">
+                    <a:tint val="75000"/>
+                  </a:schemeClr>
+                </a:solidFill>
+              </a:defRPr>
+            </a:lvl7pPr>
+            <a:lvl8pPr marL="3200400" indent="0">
+              <a:buNone/>
+              <a:defRPr sz="1400">
+                <a:solidFill>
+                  <a:schemeClr val="tx1">
+                    <a:tint val="75000"/>
+                  </a:schemeClr>
+                </a:solidFill>
+              </a:defRPr>
+            </a:lvl8pPr>
+            <a:lvl9pPr marL="3657600" indent="0">
+              <a:buNone/>
+              <a:defRPr sz="1400">
+                <a:solidFill>
+                  <a:schemeClr val="tx1">
+                    <a:tint val="75000"/>
+                  </a:schemeClr>
+                </a:solidFill>
+              </a:defRPr>
+            </a:lvl9pPr>
+          </a:lstStyle>
+          <a:p>
+            <a:pPr lvl="0"/>
+            <a:r>
+              <a:rPr lang="en-US"/>
+              <a:t>Click to edit Master text styles</a:t>
+            </a:r>
+          </a:p>
+        </p:txBody>
+      </p:sp>
+      <p:sp>
+        <p:nvSpPr>
+          <p:cNvPr id="4" name="Date Placeholder 3"/>
+          <p:cNvSpPr>
+            <a:spLocks noGrp="1"/>
+          </p:cNvSpPr>
+          <p:nvPr>
+            <p:ph type="dt" sz="half" idx="10"/>
+          </p:nvPr>
+        </p:nvSpPr>
+        <p:spPr/>
+        <p:txBody>
+          <a:bodyPr/>
+          <a:lstStyle/>
+          <a:p>
+            <a:fld id="{08676F02-EBD5-4804-B0F7-CEF8D31ECC36}" type="datetimeFigureOut">
+              <a:rPr lang="en-US" smtClean="0"/>
+              <a:t>03/17/2019</a:t>
+            </a:fld>
+            <a:endParaRPr lang="en-US"/>
+          </a:p>
+        </p:txBody>
+      </p:sp>
+      <p:sp>
+        <p:nvSpPr>
+          <p:cNvPr id="5" name="Footer Placeholder 4"/>
+          <p:cNvSpPr>
+            <a:spLocks noGrp="1"/>
+          </p:cNvSpPr>
+          <p:nvPr>
+            <p:ph type="ftr" sz="quarter" idx="11"/>
+          </p:nvPr>
+        </p:nvSpPr>
+        <p:spPr/>
+        <p:txBody>
+          <a:bodyPr/>
+          <a:lstStyle/>
+          <a:p>
+            <a:endParaRPr lang="en-US"/>
+          </a:p>
+        </p:txBody>
+      </p:sp>
+      <p:sp>
+        <p:nvSpPr>
+          <p:cNvPr id="6" name="Slide Number Placeholder 5"/>
+          <p:cNvSpPr>
+            <a:spLocks noGrp="1"/>
+          </p:cNvSpPr>
+          <p:nvPr>
+            <p:ph type="sldNum" sz="quarter" idx="12"/>
+          </p:nvPr>
+        </p:nvSpPr>
+        <p:spPr/>
+        <p:txBody>
+          <a:bodyPr/>
+          <a:lstStyle/>
+          <a:p>
+            <a:fld id="{C9ADF87B-17F6-491A-ACCA-B6562E4C2994}" type="slidenum">
+              <a:rPr lang="en-US" smtClean="0"/>
+              <a:t>‹#›</a:t>
+            </a:fld>
+            <a:endParaRPr lang="en-US"/>
+          </a:p>
+        </p:txBody>
+      </p:sp>
+    </p:spTree>
+    <p:extLst>
+      <p:ext uri="{BB962C8B-B14F-4D97-AF65-F5344CB8AC3E}">
+        <p14:creationId xmlns:p14="http://schemas.microsoft.com/office/powerpoint/2010/main" val="4160480057"/>
+      </p:ext>
+    </p:extLst>
+  </p:cSld>
+  <p:clrMapOvr>
+    <a:masterClrMapping/>
+  </p:clrMapOvr>
+</p:sldLayout>
+</file>
+
+<file path=ppt/slideLayouts/slideLayout11.xml><?xml version="1.0" encoding="utf-8"?>
+<p:sldLayout xmlns:a="http://schemas.openxmlformats.org/drawingml/2006/main" xmlns:r="http://schemas.openxmlformats.org/officeDocument/2006/relationships" xmlns:p="http://schemas.openxmlformats.org/presentationml/2006/main" preserve="1">
+  <p:cSld name="Quote with Caption">
+    <p:spTree>
+      <p:nvGrpSpPr>
+        <p:cNvPr id="1" name=""/>
+        <p:cNvGrpSpPr/>
+        <p:nvPr/>
+      </p:nvGrpSpPr>
+      <p:grpSpPr>
+        <a:xfrm>
+          <a:off x="0" y="0"/>
+          <a:ext cx="0" cy="0"/>
+          <a:chOff x="0" y="0"/>
+          <a:chExt cx="0" cy="0"/>
+        </a:xfrm>
+      </p:grpSpPr>
+      <p:sp>
+        <p:nvSpPr>
+          <p:cNvPr id="2" name="Title 1"/>
+          <p:cNvSpPr>
+            <a:spLocks noGrp="1"/>
+          </p:cNvSpPr>
+          <p:nvPr>
+            <p:ph type="title"/>
+          </p:nvPr>
+        </p:nvSpPr>
+        <p:spPr>
+          <a:xfrm>
+            <a:off x="931334" y="609600"/>
+            <a:ext cx="8094134" cy="3022600"/>
+          </a:xfrm>
+        </p:spPr>
+        <p:txBody>
+          <a:bodyPr anchor="ctr">
+            <a:normAutofit/>
+          </a:bodyPr>
+          <a:lstStyle>
+            <a:lvl1pPr algn="l">
+              <a:defRPr sz="4400" b="0" cap="none"/>
+            </a:lvl1pPr>
+          </a:lstStyle>
+          <a:p>
+            <a:r>
+              <a:rPr lang="en-US"/>
+              <a:t>Click to edit Master title style</a:t>
+            </a:r>
+            <a:endParaRPr lang="en-US" dirty="0"/>
+          </a:p>
+        </p:txBody>
+      </p:sp>
+      <p:sp>
+        <p:nvSpPr>
+          <p:cNvPr id="23" name="Text Placeholder 9"/>
+          <p:cNvSpPr>
+            <a:spLocks noGrp="1"/>
+          </p:cNvSpPr>
+          <p:nvPr>
+            <p:ph type="body" sz="quarter" idx="13"/>
+          </p:nvPr>
+        </p:nvSpPr>
+        <p:spPr>
+          <a:xfrm>
+            <a:off x="1366139" y="3632200"/>
+            <a:ext cx="7224524" cy="381000"/>
+          </a:xfrm>
+        </p:spPr>
+        <p:txBody>
+          <a:bodyPr anchor="ctr">
+            <a:noAutofit/>
+          </a:bodyPr>
+          <a:lstStyle>
+            <a:lvl1pPr marL="0" indent="0">
+              <a:buFontTx/>
+              <a:buNone/>
+              <a:defRPr sz="1600">
+                <a:solidFill>
+                  <a:schemeClr val="tx1">
+                    <a:lumMod val="50000"/>
+                    <a:lumOff val="50000"/>
+                  </a:schemeClr>
+                </a:solidFill>
+              </a:defRPr>
+            </a:lvl1pPr>
+            <a:lvl2pPr marL="457200" indent="0">
+              <a:buFontTx/>
+              <a:buNone/>
+              <a:defRPr/>
+            </a:lvl2pPr>
+            <a:lvl3pPr marL="914400" indent="0">
+              <a:buFontTx/>
+              <a:buNone/>
+              <a:defRPr/>
+            </a:lvl3pPr>
+            <a:lvl4pPr marL="1371600" indent="0">
+              <a:buFontTx/>
+              <a:buNone/>
+              <a:defRPr/>
+            </a:lvl4pPr>
+            <a:lvl5pPr marL="1828800" indent="0">
+              <a:buFontTx/>
+              <a:buNone/>
+              <a:defRPr/>
+            </a:lvl5pPr>
+          </a:lstStyle>
+          <a:p>
+            <a:pPr lvl="0"/>
+            <a:r>
+              <a:rPr lang="en-US"/>
+              <a:t>Click to edit Master text styles</a:t>
+            </a:r>
+          </a:p>
+        </p:txBody>
+      </p:sp>
+      <p:sp>
+        <p:nvSpPr>
+          <p:cNvPr id="3" name="Text Placeholder 2"/>
+          <p:cNvSpPr>
+            <a:spLocks noGrp="1"/>
+          </p:cNvSpPr>
+          <p:nvPr>
+            <p:ph type="body" idx="1"/>
+          </p:nvPr>
+        </p:nvSpPr>
+        <p:spPr>
+          <a:xfrm>
+            <a:off x="677335" y="4470400"/>
+            <a:ext cx="8596668" cy="1570962"/>
+          </a:xfrm>
+        </p:spPr>
+        <p:txBody>
+          <a:bodyPr anchor="ctr">
+            <a:normAutofit/>
+          </a:bodyPr>
+          <a:lstStyle>
+            <a:lvl1pPr marL="0" indent="0" algn="l">
+              <a:buNone/>
+              <a:defRPr sz="1800">
+                <a:solidFill>
+                  <a:schemeClr val="tx1">
+                    <a:lumMod val="75000"/>
+                    <a:lumOff val="25000"/>
+                  </a:schemeClr>
+                </a:solidFill>
+              </a:defRPr>
+            </a:lvl1pPr>
+            <a:lvl2pPr marL="457200" indent="0">
+              <a:buNone/>
+              <a:defRPr sz="1800">
+                <a:solidFill>
+                  <a:schemeClr val="tx1">
+                    <a:tint val="75000"/>
+                  </a:schemeClr>
+                </a:solidFill>
+              </a:defRPr>
+            </a:lvl2pPr>
+            <a:lvl3pPr marL="914400" indent="0">
+              <a:buNone/>
+              <a:defRPr sz="1600">
+                <a:solidFill>
+                  <a:schemeClr val="tx1">
+                    <a:tint val="75000"/>
+                  </a:schemeClr>
+                </a:solidFill>
+              </a:defRPr>
+            </a:lvl3pPr>
+            <a:lvl4pPr marL="1371600" indent="0">
+              <a:buNone/>
+              <a:defRPr sz="1400">
+                <a:solidFill>
+                  <a:schemeClr val="tx1">
+                    <a:tint val="75000"/>
+                  </a:schemeClr>
+                </a:solidFill>
+              </a:defRPr>
+            </a:lvl4pPr>
+            <a:lvl5pPr marL="1828800" indent="0">
+              <a:buNone/>
+              <a:defRPr sz="1400">
+                <a:solidFill>
+                  <a:schemeClr val="tx1">
+                    <a:tint val="75000"/>
+                  </a:schemeClr>
+                </a:solidFill>
+              </a:defRPr>
+            </a:lvl5pPr>
+            <a:lvl6pPr marL="2286000" indent="0">
+              <a:buNone/>
+              <a:defRPr sz="1400">
+                <a:solidFill>
+                  <a:schemeClr val="tx1">
+                    <a:tint val="75000"/>
+                  </a:schemeClr>
+                </a:solidFill>
+              </a:defRPr>
+            </a:lvl6pPr>
+            <a:lvl7pPr marL="2743200" indent="0">
+              <a:buNone/>
+              <a:defRPr sz="1400">
+                <a:solidFill>
+                  <a:schemeClr val="tx1">
+                    <a:tint val="75000"/>
+                  </a:schemeClr>
+                </a:solidFill>
+              </a:defRPr>
+            </a:lvl7pPr>
+            <a:lvl8pPr marL="3200400" indent="0">
+              <a:buNone/>
+              <a:defRPr sz="1400">
+                <a:solidFill>
+                  <a:schemeClr val="tx1">
+                    <a:tint val="75000"/>
+                  </a:schemeClr>
+                </a:solidFill>
+              </a:defRPr>
+            </a:lvl8pPr>
+            <a:lvl9pPr marL="3657600" indent="0">
+              <a:buNone/>
+              <a:defRPr sz="1400">
+                <a:solidFill>
+                  <a:schemeClr val="tx1">
+                    <a:tint val="75000"/>
+                  </a:schemeClr>
+                </a:solidFill>
+              </a:defRPr>
+            </a:lvl9pPr>
+          </a:lstStyle>
+          <a:p>
+            <a:pPr lvl="0"/>
+            <a:r>
+              <a:rPr lang="en-US"/>
+              <a:t>Click to edit Master text styles</a:t>
+            </a:r>
+          </a:p>
+        </p:txBody>
+      </p:sp>
+      <p:sp>
+        <p:nvSpPr>
+          <p:cNvPr id="4" name="Date Placeholder 3"/>
+          <p:cNvSpPr>
+            <a:spLocks noGrp="1"/>
+          </p:cNvSpPr>
+          <p:nvPr>
+            <p:ph type="dt" sz="half" idx="10"/>
+          </p:nvPr>
+        </p:nvSpPr>
+        <p:spPr/>
+        <p:txBody>
+          <a:bodyPr/>
+          <a:lstStyle/>
+          <a:p>
+            <a:fld id="{08676F02-EBD5-4804-B0F7-CEF8D31ECC36}" type="datetimeFigureOut">
+              <a:rPr lang="en-US" smtClean="0"/>
+              <a:t>03/17/2019</a:t>
+            </a:fld>
+            <a:endParaRPr lang="en-US"/>
+          </a:p>
+        </p:txBody>
+      </p:sp>
+      <p:sp>
+        <p:nvSpPr>
+          <p:cNvPr id="5" name="Footer Placeholder 4"/>
+          <p:cNvSpPr>
+            <a:spLocks noGrp="1"/>
+          </p:cNvSpPr>
+          <p:nvPr>
+            <p:ph type="ftr" sz="quarter" idx="11"/>
+          </p:nvPr>
+        </p:nvSpPr>
+        <p:spPr/>
+        <p:txBody>
+          <a:bodyPr/>
+          <a:lstStyle/>
+          <a:p>
+            <a:endParaRPr lang="en-US"/>
+          </a:p>
+        </p:txBody>
+      </p:sp>
+      <p:sp>
+        <p:nvSpPr>
+          <p:cNvPr id="6" name="Slide Number Placeholder 5"/>
+          <p:cNvSpPr>
+            <a:spLocks noGrp="1"/>
+          </p:cNvSpPr>
+          <p:nvPr>
+            <p:ph type="sldNum" sz="quarter" idx="12"/>
+          </p:nvPr>
+        </p:nvSpPr>
+        <p:spPr/>
+        <p:txBody>
+          <a:bodyPr/>
+          <a:lstStyle/>
+          <a:p>
+            <a:fld id="{C9ADF87B-17F6-491A-ACCA-B6562E4C2994}" type="slidenum">
+              <a:rPr lang="en-US" smtClean="0"/>
+              <a:t>‹#›</a:t>
+            </a:fld>
+            <a:endParaRPr lang="en-US"/>
+          </a:p>
+        </p:txBody>
+      </p:sp>
+      <p:sp>
+        <p:nvSpPr>
+          <p:cNvPr id="20" name="TextBox 19"/>
+          <p:cNvSpPr txBox="1"/>
+          <p:nvPr/>
+        </p:nvSpPr>
+        <p:spPr>
+          <a:xfrm>
+            <a:off x="541870" y="790378"/>
+            <a:ext cx="609600" cy="584776"/>
+          </a:xfrm>
+          <a:prstGeom prst="rect">
+            <a:avLst/>
+          </a:prstGeom>
+        </p:spPr>
+        <p:txBody>
+          <a:bodyPr vert="horz" lIns="91440" tIns="45720" rIns="91440" bIns="45720" rtlCol="0" anchor="ctr">
+            <a:noAutofit/>
+          </a:bodyPr>
+          <a:lstStyle/>
+          <a:p>
+            <a:pPr lvl="0"/>
+            <a:r>
+              <a:rPr lang="en-US" sz="8000" baseline="0" dirty="0">
+                <a:ln w="3175" cmpd="sng">
+                  <a:noFill/>
+                </a:ln>
+                <a:solidFill>
+                  <a:schemeClr val="accent1">
+                    <a:lumMod val="60000"/>
+                    <a:lumOff val="40000"/>
+                  </a:schemeClr>
+                </a:solidFill>
+                <a:effectLst/>
+                <a:latin typeface="Arial"/>
+              </a:rPr>
+              <a:t>“</a:t>
+            </a:r>
+          </a:p>
+        </p:txBody>
+      </p:sp>
+      <p:sp>
+        <p:nvSpPr>
+          <p:cNvPr id="22" name="TextBox 21"/>
+          <p:cNvSpPr txBox="1"/>
+          <p:nvPr/>
+        </p:nvSpPr>
+        <p:spPr>
+          <a:xfrm>
+            <a:off x="8893011" y="2886556"/>
+            <a:ext cx="609600" cy="584776"/>
+          </a:xfrm>
+          <a:prstGeom prst="rect">
+            <a:avLst/>
+          </a:prstGeom>
+        </p:spPr>
+        <p:txBody>
+          <a:bodyPr vert="horz" lIns="91440" tIns="45720" rIns="91440" bIns="45720" rtlCol="0" anchor="ctr">
+            <a:noAutofit/>
+          </a:bodyPr>
+          <a:lstStyle/>
+          <a:p>
+            <a:pPr lvl="0"/>
+            <a:r>
+              <a:rPr lang="en-US" sz="8000" baseline="0" dirty="0">
+                <a:ln w="3175" cmpd="sng">
+                  <a:noFill/>
+                </a:ln>
+                <a:solidFill>
+                  <a:schemeClr val="accent1">
+                    <a:lumMod val="60000"/>
+                    <a:lumOff val="40000"/>
+                  </a:schemeClr>
+                </a:solidFill>
+                <a:latin typeface="Arial"/>
+              </a:rPr>
+              <a:t>”</a:t>
+            </a:r>
+            <a:endParaRPr lang="en-US" dirty="0">
+              <a:solidFill>
+                <a:schemeClr val="accent1">
+                  <a:lumMod val="60000"/>
+                  <a:lumOff val="40000"/>
+                </a:schemeClr>
+              </a:solidFill>
+              <a:latin typeface="Arial"/>
+            </a:endParaRPr>
+          </a:p>
+        </p:txBody>
+      </p:sp>
+    </p:spTree>
+    <p:extLst>
+      <p:ext uri="{BB962C8B-B14F-4D97-AF65-F5344CB8AC3E}">
+        <p14:creationId xmlns:p14="http://schemas.microsoft.com/office/powerpoint/2010/main" val="2205320466"/>
+      </p:ext>
+    </p:extLst>
+  </p:cSld>
+  <p:clrMapOvr>
+    <a:masterClrMapping/>
+  </p:clrMapOvr>
+</p:sldLayout>
+</file>
+
+<file path=ppt/slideLayouts/slideLayout12.xml><?xml version="1.0" encoding="utf-8"?>
+<p:sldLayout xmlns:a="http://schemas.openxmlformats.org/drawingml/2006/main" xmlns:r="http://schemas.openxmlformats.org/officeDocument/2006/relationships" xmlns:p="http://schemas.openxmlformats.org/presentationml/2006/main" preserve="1">
+  <p:cSld name="Name Card">
+    <p:spTree>
+      <p:nvGrpSpPr>
+        <p:cNvPr id="1" name=""/>
+        <p:cNvGrpSpPr/>
+        <p:nvPr/>
+      </p:nvGrpSpPr>
+      <p:grpSpPr>
+        <a:xfrm>
+          <a:off x="0" y="0"/>
+          <a:ext cx="0" cy="0"/>
+          <a:chOff x="0" y="0"/>
+          <a:chExt cx="0" cy="0"/>
+        </a:xfrm>
+      </p:grpSpPr>
+      <p:sp>
+        <p:nvSpPr>
+          <p:cNvPr id="2" name="Title 1"/>
+          <p:cNvSpPr>
+            <a:spLocks noGrp="1"/>
+          </p:cNvSpPr>
+          <p:nvPr>
+            <p:ph type="title"/>
+          </p:nvPr>
+        </p:nvSpPr>
+        <p:spPr>
+          <a:xfrm>
+            <a:off x="677335" y="1931988"/>
+            <a:ext cx="8596668" cy="2595460"/>
+          </a:xfrm>
+        </p:spPr>
+        <p:txBody>
+          <a:bodyPr anchor="b">
+            <a:normAutofit/>
+          </a:bodyPr>
+          <a:lstStyle>
+            <a:lvl1pPr algn="l">
+              <a:defRPr sz="4400" b="0" cap="none"/>
+            </a:lvl1pPr>
+          </a:lstStyle>
+          <a:p>
+            <a:r>
+              <a:rPr lang="en-US"/>
+              <a:t>Click to edit Master title style</a:t>
+            </a:r>
+            <a:endParaRPr lang="en-US" dirty="0"/>
+          </a:p>
+        </p:txBody>
+      </p:sp>
+      <p:sp>
+        <p:nvSpPr>
+          <p:cNvPr id="3" name="Text Placeholder 2"/>
+          <p:cNvSpPr>
+            <a:spLocks noGrp="1"/>
+          </p:cNvSpPr>
+          <p:nvPr>
+            <p:ph type="body" idx="1"/>
+          </p:nvPr>
+        </p:nvSpPr>
+        <p:spPr>
+          <a:xfrm>
+            <a:off x="677335" y="4527448"/>
+            <a:ext cx="8596668" cy="1513914"/>
+          </a:xfrm>
+        </p:spPr>
+        <p:txBody>
+          <a:bodyPr anchor="t">
+            <a:normAutofit/>
+          </a:bodyPr>
+          <a:lstStyle>
+            <a:lvl1pPr marL="0" indent="0" algn="l">
+              <a:buNone/>
+              <a:defRPr sz="1800">
+                <a:solidFill>
+                  <a:schemeClr val="tx1">
+                    <a:lumMod val="75000"/>
+                    <a:lumOff val="25000"/>
+                  </a:schemeClr>
+                </a:solidFill>
+              </a:defRPr>
+            </a:lvl1pPr>
+            <a:lvl2pPr marL="457200" indent="0">
+              <a:buNone/>
+              <a:defRPr sz="1800">
+                <a:solidFill>
+                  <a:schemeClr val="tx1">
+                    <a:tint val="75000"/>
+                  </a:schemeClr>
+                </a:solidFill>
+              </a:defRPr>
+            </a:lvl2pPr>
+            <a:lvl3pPr marL="914400" indent="0">
+              <a:buNone/>
+              <a:defRPr sz="1600">
+                <a:solidFill>
+                  <a:schemeClr val="tx1">
+                    <a:tint val="75000"/>
+                  </a:schemeClr>
+                </a:solidFill>
+              </a:defRPr>
+            </a:lvl3pPr>
+            <a:lvl4pPr marL="1371600" indent="0">
+              <a:buNone/>
+              <a:defRPr sz="1400">
+                <a:solidFill>
+                  <a:schemeClr val="tx1">
+                    <a:tint val="75000"/>
+                  </a:schemeClr>
+                </a:solidFill>
+              </a:defRPr>
+            </a:lvl4pPr>
+            <a:lvl5pPr marL="1828800" indent="0">
+              <a:buNone/>
+              <a:defRPr sz="1400">
+                <a:solidFill>
+                  <a:schemeClr val="tx1">
+                    <a:tint val="75000"/>
+                  </a:schemeClr>
+                </a:solidFill>
+              </a:defRPr>
+            </a:lvl5pPr>
+            <a:lvl6pPr marL="2286000" indent="0">
+              <a:buNone/>
+              <a:defRPr sz="1400">
+                <a:solidFill>
+                  <a:schemeClr val="tx1">
+                    <a:tint val="75000"/>
+                  </a:schemeClr>
+                </a:solidFill>
+              </a:defRPr>
+            </a:lvl6pPr>
+            <a:lvl7pPr marL="2743200" indent="0">
+              <a:buNone/>
+              <a:defRPr sz="1400">
+                <a:solidFill>
+                  <a:schemeClr val="tx1">
+                    <a:tint val="75000"/>
+                  </a:schemeClr>
+                </a:solidFill>
+              </a:defRPr>
+            </a:lvl7pPr>
+            <a:lvl8pPr marL="3200400" indent="0">
+              <a:buNone/>
+              <a:defRPr sz="1400">
+                <a:solidFill>
+                  <a:schemeClr val="tx1">
+                    <a:tint val="75000"/>
+                  </a:schemeClr>
+                </a:solidFill>
+              </a:defRPr>
+            </a:lvl8pPr>
+            <a:lvl9pPr marL="3657600" indent="0">
+              <a:buNone/>
+              <a:defRPr sz="1400">
+                <a:solidFill>
+                  <a:schemeClr val="tx1">
+                    <a:tint val="75000"/>
+                  </a:schemeClr>
+                </a:solidFill>
+              </a:defRPr>
+            </a:lvl9pPr>
+          </a:lstStyle>
+          <a:p>
+            <a:pPr lvl="0"/>
+            <a:r>
+              <a:rPr lang="en-US"/>
+              <a:t>Click to edit Master text styles</a:t>
+            </a:r>
+          </a:p>
+        </p:txBody>
+      </p:sp>
+      <p:sp>
+        <p:nvSpPr>
+          <p:cNvPr id="4" name="Date Placeholder 3"/>
+          <p:cNvSpPr>
+            <a:spLocks noGrp="1"/>
+          </p:cNvSpPr>
+          <p:nvPr>
+            <p:ph type="dt" sz="half" idx="10"/>
+          </p:nvPr>
+        </p:nvSpPr>
+        <p:spPr/>
+        <p:txBody>
+          <a:bodyPr/>
+          <a:lstStyle/>
+          <a:p>
+            <a:fld id="{08676F02-EBD5-4804-B0F7-CEF8D31ECC36}" type="datetimeFigureOut">
+              <a:rPr lang="en-US" smtClean="0"/>
+              <a:t>03/17/2019</a:t>
+            </a:fld>
+            <a:endParaRPr lang="en-US"/>
+          </a:p>
+        </p:txBody>
+      </p:sp>
+      <p:sp>
+        <p:nvSpPr>
+          <p:cNvPr id="5" name="Footer Placeholder 4"/>
+          <p:cNvSpPr>
+            <a:spLocks noGrp="1"/>
+          </p:cNvSpPr>
+          <p:nvPr>
+            <p:ph type="ftr" sz="quarter" idx="11"/>
+          </p:nvPr>
+        </p:nvSpPr>
+        <p:spPr/>
+        <p:txBody>
+          <a:bodyPr/>
+          <a:lstStyle/>
+          <a:p>
+            <a:endParaRPr lang="en-US"/>
+          </a:p>
+        </p:txBody>
+      </p:sp>
+      <p:sp>
+        <p:nvSpPr>
+          <p:cNvPr id="6" name="Slide Number Placeholder 5"/>
+          <p:cNvSpPr>
+            <a:spLocks noGrp="1"/>
+          </p:cNvSpPr>
+          <p:nvPr>
+            <p:ph type="sldNum" sz="quarter" idx="12"/>
+          </p:nvPr>
+        </p:nvSpPr>
+        <p:spPr/>
+        <p:txBody>
+          <a:bodyPr/>
+          <a:lstStyle/>
+          <a:p>
+            <a:fld id="{C9ADF87B-17F6-491A-ACCA-B6562E4C2994}" type="slidenum">
+              <a:rPr lang="en-US" smtClean="0"/>
+              <a:t>‹#›</a:t>
+            </a:fld>
+            <a:endParaRPr lang="en-US"/>
+          </a:p>
+        </p:txBody>
+      </p:sp>
+    </p:spTree>
+    <p:extLst>
+      <p:ext uri="{BB962C8B-B14F-4D97-AF65-F5344CB8AC3E}">
+        <p14:creationId xmlns:p14="http://schemas.microsoft.com/office/powerpoint/2010/main" val="2391396904"/>
+      </p:ext>
+    </p:extLst>
+  </p:cSld>
+  <p:clrMapOvr>
+    <a:masterClrMapping/>
+  </p:clrMapOvr>
+</p:sldLayout>
+</file>
+
+<file path=ppt/slideLayouts/slideLayout13.xml><?xml version="1.0" encoding="utf-8"?>
+<p:sldLayout xmlns:a="http://schemas.openxmlformats.org/drawingml/2006/main" xmlns:r="http://schemas.openxmlformats.org/officeDocument/2006/relationships" xmlns:p="http://schemas.openxmlformats.org/presentationml/2006/main" preserve="1">
+  <p:cSld name="Quote Name Card">
+    <p:spTree>
+      <p:nvGrpSpPr>
+        <p:cNvPr id="1" name=""/>
+        <p:cNvGrpSpPr/>
+        <p:nvPr/>
+      </p:nvGrpSpPr>
+      <p:grpSpPr>
+        <a:xfrm>
+          <a:off x="0" y="0"/>
+          <a:ext cx="0" cy="0"/>
+          <a:chOff x="0" y="0"/>
+          <a:chExt cx="0" cy="0"/>
+        </a:xfrm>
+      </p:grpSpPr>
+      <p:sp>
+        <p:nvSpPr>
+          <p:cNvPr id="2" name="Title 1"/>
+          <p:cNvSpPr>
+            <a:spLocks noGrp="1"/>
+          </p:cNvSpPr>
+          <p:nvPr>
+            <p:ph type="title"/>
+          </p:nvPr>
+        </p:nvSpPr>
+        <p:spPr>
+          <a:xfrm>
+            <a:off x="931334" y="609600"/>
+            <a:ext cx="8094134" cy="3022600"/>
+          </a:xfrm>
+        </p:spPr>
+        <p:txBody>
+          <a:bodyPr anchor="ctr">
+            <a:normAutofit/>
+          </a:bodyPr>
+          <a:lstStyle>
+            <a:lvl1pPr algn="l">
+              <a:defRPr sz="4400" b="0" cap="none"/>
+            </a:lvl1pPr>
+          </a:lstStyle>
+          <a:p>
+            <a:r>
+              <a:rPr lang="en-US"/>
+              <a:t>Click to edit Master title style</a:t>
+            </a:r>
+            <a:endParaRPr lang="en-US" dirty="0"/>
+          </a:p>
+        </p:txBody>
+      </p:sp>
+      <p:sp>
+        <p:nvSpPr>
+          <p:cNvPr id="23" name="Text Placeholder 9"/>
+          <p:cNvSpPr>
+            <a:spLocks noGrp="1"/>
+          </p:cNvSpPr>
+          <p:nvPr>
+            <p:ph type="body" sz="quarter" idx="13"/>
+          </p:nvPr>
+        </p:nvSpPr>
+        <p:spPr>
+          <a:xfrm>
+            <a:off x="677332" y="4013200"/>
+            <a:ext cx="8596669" cy="514248"/>
+          </a:xfrm>
+        </p:spPr>
+        <p:txBody>
+          <a:bodyPr anchor="b">
+            <a:noAutofit/>
+          </a:bodyPr>
+          <a:lstStyle>
+            <a:lvl1pPr marL="0" indent="0">
+              <a:buFontTx/>
+              <a:buNone/>
+              <a:defRPr sz="2400">
+                <a:solidFill>
+                  <a:schemeClr val="tx1">
+                    <a:lumMod val="75000"/>
+                    <a:lumOff val="25000"/>
+                  </a:schemeClr>
+                </a:solidFill>
+              </a:defRPr>
+            </a:lvl1pPr>
+            <a:lvl2pPr marL="457200" indent="0">
+              <a:buFontTx/>
+              <a:buNone/>
+              <a:defRPr/>
+            </a:lvl2pPr>
+            <a:lvl3pPr marL="914400" indent="0">
+              <a:buFontTx/>
+              <a:buNone/>
+              <a:defRPr/>
+            </a:lvl3pPr>
+            <a:lvl4pPr marL="1371600" indent="0">
+              <a:buFontTx/>
+              <a:buNone/>
+              <a:defRPr/>
+            </a:lvl4pPr>
+            <a:lvl5pPr marL="1828800" indent="0">
+              <a:buFontTx/>
+              <a:buNone/>
+              <a:defRPr/>
+            </a:lvl5pPr>
+          </a:lstStyle>
+          <a:p>
+            <a:pPr lvl="0"/>
+            <a:r>
+              <a:rPr lang="en-US"/>
+              <a:t>Click to edit Master text styles</a:t>
+            </a:r>
+          </a:p>
+        </p:txBody>
+      </p:sp>
+      <p:sp>
+        <p:nvSpPr>
+          <p:cNvPr id="3" name="Text Placeholder 2"/>
+          <p:cNvSpPr>
+            <a:spLocks noGrp="1"/>
+          </p:cNvSpPr>
+          <p:nvPr>
+            <p:ph type="body" idx="1"/>
+          </p:nvPr>
+        </p:nvSpPr>
+        <p:spPr>
+          <a:xfrm>
+            <a:off x="677335" y="4527448"/>
+            <a:ext cx="8596668" cy="1513914"/>
+          </a:xfrm>
+        </p:spPr>
+        <p:txBody>
+          <a:bodyPr anchor="t">
+            <a:normAutofit/>
+          </a:bodyPr>
+          <a:lstStyle>
+            <a:lvl1pPr marL="0" indent="0" algn="l">
+              <a:buNone/>
+              <a:defRPr sz="1800">
+                <a:solidFill>
+                  <a:schemeClr val="tx1">
+                    <a:lumMod val="50000"/>
+                    <a:lumOff val="50000"/>
+                  </a:schemeClr>
+                </a:solidFill>
+              </a:defRPr>
+            </a:lvl1pPr>
+            <a:lvl2pPr marL="457200" indent="0">
+              <a:buNone/>
+              <a:defRPr sz="1800">
+                <a:solidFill>
+                  <a:schemeClr val="tx1">
+                    <a:tint val="75000"/>
+                  </a:schemeClr>
+                </a:solidFill>
+              </a:defRPr>
+            </a:lvl2pPr>
+            <a:lvl3pPr marL="914400" indent="0">
+              <a:buNone/>
+              <a:defRPr sz="1600">
+                <a:solidFill>
+                  <a:schemeClr val="tx1">
+                    <a:tint val="75000"/>
+                  </a:schemeClr>
+                </a:solidFill>
+              </a:defRPr>
+            </a:lvl3pPr>
+            <a:lvl4pPr marL="1371600" indent="0">
+              <a:buNone/>
+              <a:defRPr sz="1400">
+                <a:solidFill>
+                  <a:schemeClr val="tx1">
+                    <a:tint val="75000"/>
+                  </a:schemeClr>
+                </a:solidFill>
+              </a:defRPr>
+            </a:lvl4pPr>
+            <a:lvl5pPr marL="1828800" indent="0">
+              <a:buNone/>
+              <a:defRPr sz="1400">
+                <a:solidFill>
+                  <a:schemeClr val="tx1">
+                    <a:tint val="75000"/>
+                  </a:schemeClr>
+                </a:solidFill>
+              </a:defRPr>
+            </a:lvl5pPr>
+            <a:lvl6pPr marL="2286000" indent="0">
+              <a:buNone/>
+              <a:defRPr sz="1400">
+                <a:solidFill>
+                  <a:schemeClr val="tx1">
+                    <a:tint val="75000"/>
+                  </a:schemeClr>
+                </a:solidFill>
+              </a:defRPr>
+            </a:lvl6pPr>
+            <a:lvl7pPr marL="2743200" indent="0">
+              <a:buNone/>
+              <a:defRPr sz="1400">
+                <a:solidFill>
+                  <a:schemeClr val="tx1">
+                    <a:tint val="75000"/>
+                  </a:schemeClr>
+                </a:solidFill>
+              </a:defRPr>
+            </a:lvl7pPr>
+            <a:lvl8pPr marL="3200400" indent="0">
+              <a:buNone/>
+              <a:defRPr sz="1400">
+                <a:solidFill>
+                  <a:schemeClr val="tx1">
+                    <a:tint val="75000"/>
+                  </a:schemeClr>
+                </a:solidFill>
+              </a:defRPr>
+            </a:lvl8pPr>
+            <a:lvl9pPr marL="3657600" indent="0">
+              <a:buNone/>
+              <a:defRPr sz="1400">
+                <a:solidFill>
+                  <a:schemeClr val="tx1">
+                    <a:tint val="75000"/>
+                  </a:schemeClr>
+                </a:solidFill>
+              </a:defRPr>
+            </a:lvl9pPr>
+          </a:lstStyle>
+          <a:p>
+            <a:pPr lvl="0"/>
+            <a:r>
+              <a:rPr lang="en-US"/>
+              <a:t>Click to edit Master text styles</a:t>
+            </a:r>
+          </a:p>
+        </p:txBody>
+      </p:sp>
+      <p:sp>
+        <p:nvSpPr>
+          <p:cNvPr id="4" name="Date Placeholder 3"/>
+          <p:cNvSpPr>
+            <a:spLocks noGrp="1"/>
+          </p:cNvSpPr>
+          <p:nvPr>
+            <p:ph type="dt" sz="half" idx="10"/>
+          </p:nvPr>
+        </p:nvSpPr>
+        <p:spPr/>
+        <p:txBody>
+          <a:bodyPr/>
+          <a:lstStyle/>
+          <a:p>
+            <a:fld id="{08676F02-EBD5-4804-B0F7-CEF8D31ECC36}" type="datetimeFigureOut">
+              <a:rPr lang="en-US" smtClean="0"/>
+              <a:t>03/17/2019</a:t>
+            </a:fld>
+            <a:endParaRPr lang="en-US"/>
+          </a:p>
+        </p:txBody>
+      </p:sp>
+      <p:sp>
+        <p:nvSpPr>
+          <p:cNvPr id="5" name="Footer Placeholder 4"/>
+          <p:cNvSpPr>
+            <a:spLocks noGrp="1"/>
+          </p:cNvSpPr>
+          <p:nvPr>
+            <p:ph type="ftr" sz="quarter" idx="11"/>
+          </p:nvPr>
+        </p:nvSpPr>
+        <p:spPr/>
+        <p:txBody>
+          <a:bodyPr/>
+          <a:lstStyle/>
+          <a:p>
+            <a:endParaRPr lang="en-US"/>
+          </a:p>
+        </p:txBody>
+      </p:sp>
+      <p:sp>
+        <p:nvSpPr>
+          <p:cNvPr id="6" name="Slide Number Placeholder 5"/>
+          <p:cNvSpPr>
+            <a:spLocks noGrp="1"/>
+          </p:cNvSpPr>
+          <p:nvPr>
+            <p:ph type="sldNum" sz="quarter" idx="12"/>
+          </p:nvPr>
+        </p:nvSpPr>
+        <p:spPr/>
+        <p:txBody>
+          <a:bodyPr/>
+          <a:lstStyle/>
+          <a:p>
+            <a:fld id="{C9ADF87B-17F6-491A-ACCA-B6562E4C2994}" type="slidenum">
+              <a:rPr lang="en-US" smtClean="0"/>
+              <a:t>‹#›</a:t>
+            </a:fld>
+            <a:endParaRPr lang="en-US"/>
+          </a:p>
+        </p:txBody>
+      </p:sp>
+      <p:sp>
+        <p:nvSpPr>
+          <p:cNvPr id="24" name="TextBox 23"/>
+          <p:cNvSpPr txBox="1"/>
+          <p:nvPr/>
+        </p:nvSpPr>
+        <p:spPr>
+          <a:xfrm>
+            <a:off x="541870" y="790378"/>
+            <a:ext cx="609600" cy="584776"/>
+          </a:xfrm>
+          <a:prstGeom prst="rect">
+            <a:avLst/>
+          </a:prstGeom>
+        </p:spPr>
+        <p:txBody>
+          <a:bodyPr vert="horz" lIns="91440" tIns="45720" rIns="91440" bIns="45720" rtlCol="0" anchor="ctr">
+            <a:noAutofit/>
+          </a:bodyPr>
+          <a:lstStyle/>
+          <a:p>
+            <a:pPr lvl="0"/>
+            <a:r>
+              <a:rPr lang="en-US" sz="8000" baseline="0" dirty="0">
+                <a:ln w="3175" cmpd="sng">
+                  <a:noFill/>
+                </a:ln>
+                <a:solidFill>
+                  <a:schemeClr val="accent1">
+                    <a:lumMod val="60000"/>
+                    <a:lumOff val="40000"/>
+                  </a:schemeClr>
+                </a:solidFill>
+                <a:effectLst/>
+                <a:latin typeface="Arial"/>
+              </a:rPr>
+              <a:t>“</a:t>
+            </a:r>
+          </a:p>
+        </p:txBody>
+      </p:sp>
+      <p:sp>
+        <p:nvSpPr>
+          <p:cNvPr id="25" name="TextBox 24"/>
+          <p:cNvSpPr txBox="1"/>
+          <p:nvPr/>
+        </p:nvSpPr>
+        <p:spPr>
+          <a:xfrm>
+            <a:off x="8893011" y="2886556"/>
+            <a:ext cx="609600" cy="584776"/>
+          </a:xfrm>
+          <a:prstGeom prst="rect">
+            <a:avLst/>
+          </a:prstGeom>
+        </p:spPr>
+        <p:txBody>
+          <a:bodyPr vert="horz" lIns="91440" tIns="45720" rIns="91440" bIns="45720" rtlCol="0" anchor="ctr">
+            <a:noAutofit/>
+          </a:bodyPr>
+          <a:lstStyle/>
+          <a:p>
+            <a:pPr lvl="0"/>
+            <a:r>
+              <a:rPr lang="en-US" sz="8000" baseline="0" dirty="0">
+                <a:ln w="3175" cmpd="sng">
+                  <a:noFill/>
+                </a:ln>
+                <a:solidFill>
+                  <a:schemeClr val="accent1">
+                    <a:lumMod val="60000"/>
+                    <a:lumOff val="40000"/>
+                  </a:schemeClr>
+                </a:solidFill>
+                <a:effectLst/>
+                <a:latin typeface="Arial"/>
+              </a:rPr>
+              <a:t>”</a:t>
+            </a:r>
+          </a:p>
+        </p:txBody>
+      </p:sp>
+    </p:spTree>
+    <p:extLst>
+      <p:ext uri="{BB962C8B-B14F-4D97-AF65-F5344CB8AC3E}">
+        <p14:creationId xmlns:p14="http://schemas.microsoft.com/office/powerpoint/2010/main" val="1621934337"/>
+      </p:ext>
+    </p:extLst>
+  </p:cSld>
+  <p:clrMapOvr>
+    <a:masterClrMapping/>
+  </p:clrMapOvr>
+</p:sldLayout>
+</file>
+
+<file path=ppt/slideLayouts/slideLayout14.xml><?xml version="1.0" encoding="utf-8"?>
+<p:sldLayout xmlns:a="http://schemas.openxmlformats.org/drawingml/2006/main" xmlns:r="http://schemas.openxmlformats.org/officeDocument/2006/relationships" xmlns:p="http://schemas.openxmlformats.org/presentationml/2006/main" preserve="1">
+  <p:cSld name="True or False">
+    <p:spTree>
+      <p:nvGrpSpPr>
+        <p:cNvPr id="1" name=""/>
+        <p:cNvGrpSpPr/>
+        <p:nvPr/>
+      </p:nvGrpSpPr>
+      <p:grpSpPr>
+        <a:xfrm>
+          <a:off x="0" y="0"/>
+          <a:ext cx="0" cy="0"/>
+          <a:chOff x="0" y="0"/>
+          <a:chExt cx="0" cy="0"/>
+        </a:xfrm>
+      </p:grpSpPr>
+      <p:sp>
+        <p:nvSpPr>
+          <p:cNvPr id="2" name="Title 1"/>
+          <p:cNvSpPr>
+            <a:spLocks noGrp="1"/>
+          </p:cNvSpPr>
+          <p:nvPr>
+            <p:ph type="title"/>
+          </p:nvPr>
+        </p:nvSpPr>
+        <p:spPr>
+          <a:xfrm>
+            <a:off x="685799" y="609600"/>
+            <a:ext cx="8588203" cy="3022600"/>
+          </a:xfrm>
+        </p:spPr>
+        <p:txBody>
+          <a:bodyPr anchor="ctr">
+            <a:normAutofit/>
+          </a:bodyPr>
+          <a:lstStyle>
+            <a:lvl1pPr algn="l">
+              <a:defRPr sz="4400" b="0" cap="none"/>
+            </a:lvl1pPr>
+          </a:lstStyle>
+          <a:p>
+            <a:r>
+              <a:rPr lang="en-US"/>
+              <a:t>Click to edit Master title style</a:t>
+            </a:r>
+            <a:endParaRPr lang="en-US" dirty="0"/>
+          </a:p>
+        </p:txBody>
+      </p:sp>
+      <p:sp>
+        <p:nvSpPr>
+          <p:cNvPr id="23" name="Text Placeholder 9"/>
+          <p:cNvSpPr>
+            <a:spLocks noGrp="1"/>
+          </p:cNvSpPr>
+          <p:nvPr>
+            <p:ph type="body" sz="quarter" idx="13"/>
+          </p:nvPr>
+        </p:nvSpPr>
+        <p:spPr>
+          <a:xfrm>
+            <a:off x="677332" y="4013200"/>
+            <a:ext cx="8596669" cy="514248"/>
+          </a:xfrm>
+        </p:spPr>
+        <p:txBody>
+          <a:bodyPr anchor="b">
+            <a:noAutofit/>
+          </a:bodyPr>
+          <a:lstStyle>
+            <a:lvl1pPr marL="0" indent="0">
+              <a:buFontTx/>
+              <a:buNone/>
+              <a:defRPr sz="2400">
+                <a:solidFill>
+                  <a:schemeClr val="accent1"/>
+                </a:solidFill>
+              </a:defRPr>
+            </a:lvl1pPr>
+            <a:lvl2pPr marL="457200" indent="0">
+              <a:buFontTx/>
+              <a:buNone/>
+              <a:defRPr/>
+            </a:lvl2pPr>
+            <a:lvl3pPr marL="914400" indent="0">
+              <a:buFontTx/>
+              <a:buNone/>
+              <a:defRPr/>
+            </a:lvl3pPr>
+            <a:lvl4pPr marL="1371600" indent="0">
+              <a:buFontTx/>
+              <a:buNone/>
+              <a:defRPr/>
+            </a:lvl4pPr>
+            <a:lvl5pPr marL="1828800" indent="0">
+              <a:buFontTx/>
+              <a:buNone/>
+              <a:defRPr/>
+            </a:lvl5pPr>
+          </a:lstStyle>
+          <a:p>
+            <a:pPr lvl="0"/>
+            <a:r>
+              <a:rPr lang="en-US"/>
+              <a:t>Click to edit Master text styles</a:t>
+            </a:r>
+          </a:p>
+        </p:txBody>
+      </p:sp>
+      <p:sp>
+        <p:nvSpPr>
+          <p:cNvPr id="3" name="Text Placeholder 2"/>
+          <p:cNvSpPr>
+            <a:spLocks noGrp="1"/>
+          </p:cNvSpPr>
+          <p:nvPr>
+            <p:ph type="body" idx="1"/>
+          </p:nvPr>
+        </p:nvSpPr>
+        <p:spPr>
+          <a:xfrm>
+            <a:off x="677335" y="4527448"/>
+            <a:ext cx="8596668" cy="1513914"/>
+          </a:xfrm>
+        </p:spPr>
+        <p:txBody>
+          <a:bodyPr anchor="t">
+            <a:normAutofit/>
+          </a:bodyPr>
+          <a:lstStyle>
+            <a:lvl1pPr marL="0" indent="0" algn="l">
+              <a:buNone/>
+              <a:defRPr sz="1800">
+                <a:solidFill>
+                  <a:schemeClr val="tx1">
+                    <a:lumMod val="50000"/>
+                    <a:lumOff val="50000"/>
+                  </a:schemeClr>
+                </a:solidFill>
+              </a:defRPr>
+            </a:lvl1pPr>
+            <a:lvl2pPr marL="457200" indent="0">
+              <a:buNone/>
+              <a:defRPr sz="1800">
+                <a:solidFill>
+                  <a:schemeClr val="tx1">
+                    <a:tint val="75000"/>
+                  </a:schemeClr>
+                </a:solidFill>
+              </a:defRPr>
+            </a:lvl2pPr>
+            <a:lvl3pPr marL="914400" indent="0">
+              <a:buNone/>
+              <a:defRPr sz="1600">
+                <a:solidFill>
+                  <a:schemeClr val="tx1">
+                    <a:tint val="75000"/>
+                  </a:schemeClr>
+                </a:solidFill>
+              </a:defRPr>
+            </a:lvl3pPr>
+            <a:lvl4pPr marL="1371600" indent="0">
+              <a:buNone/>
+              <a:defRPr sz="1400">
+                <a:solidFill>
+                  <a:schemeClr val="tx1">
+                    <a:tint val="75000"/>
+                  </a:schemeClr>
+                </a:solidFill>
+              </a:defRPr>
+            </a:lvl4pPr>
+            <a:lvl5pPr marL="1828800" indent="0">
+              <a:buNone/>
+              <a:defRPr sz="1400">
+                <a:solidFill>
+                  <a:schemeClr val="tx1">
+                    <a:tint val="75000"/>
+                  </a:schemeClr>
+                </a:solidFill>
+              </a:defRPr>
+            </a:lvl5pPr>
+            <a:lvl6pPr marL="2286000" indent="0">
+              <a:buNone/>
+              <a:defRPr sz="1400">
+                <a:solidFill>
+                  <a:schemeClr val="tx1">
+                    <a:tint val="75000"/>
+                  </a:schemeClr>
+                </a:solidFill>
+              </a:defRPr>
+            </a:lvl6pPr>
+            <a:lvl7pPr marL="2743200" indent="0">
+              <a:buNone/>
+              <a:defRPr sz="1400">
+                <a:solidFill>
+                  <a:schemeClr val="tx1">
+                    <a:tint val="75000"/>
+                  </a:schemeClr>
+                </a:solidFill>
+              </a:defRPr>
+            </a:lvl7pPr>
+            <a:lvl8pPr marL="3200400" indent="0">
+              <a:buNone/>
+              <a:defRPr sz="1400">
+                <a:solidFill>
+                  <a:schemeClr val="tx1">
+                    <a:tint val="75000"/>
+                  </a:schemeClr>
+                </a:solidFill>
+              </a:defRPr>
+            </a:lvl8pPr>
+            <a:lvl9pPr marL="3657600" indent="0">
+              <a:buNone/>
+              <a:defRPr sz="1400">
+                <a:solidFill>
+                  <a:schemeClr val="tx1">
+                    <a:tint val="75000"/>
+                  </a:schemeClr>
+                </a:solidFill>
+              </a:defRPr>
+            </a:lvl9pPr>
+          </a:lstStyle>
+          <a:p>
+            <a:pPr lvl="0"/>
+            <a:r>
+              <a:rPr lang="en-US"/>
+              <a:t>Click to edit Master text styles</a:t>
+            </a:r>
+          </a:p>
+        </p:txBody>
+      </p:sp>
+      <p:sp>
+        <p:nvSpPr>
+          <p:cNvPr id="4" name="Date Placeholder 3"/>
+          <p:cNvSpPr>
+            <a:spLocks noGrp="1"/>
+          </p:cNvSpPr>
+          <p:nvPr>
+            <p:ph type="dt" sz="half" idx="10"/>
+          </p:nvPr>
+        </p:nvSpPr>
+        <p:spPr/>
+        <p:txBody>
+          <a:bodyPr/>
+          <a:lstStyle/>
+          <a:p>
+            <a:fld id="{08676F02-EBD5-4804-B0F7-CEF8D31ECC36}" type="datetimeFigureOut">
+              <a:rPr lang="en-US" smtClean="0"/>
+              <a:t>03/17/2019</a:t>
+            </a:fld>
+            <a:endParaRPr lang="en-US"/>
+          </a:p>
+        </p:txBody>
+      </p:sp>
+      <p:sp>
+        <p:nvSpPr>
+          <p:cNvPr id="5" name="Footer Placeholder 4"/>
+          <p:cNvSpPr>
+            <a:spLocks noGrp="1"/>
+          </p:cNvSpPr>
+          <p:nvPr>
+            <p:ph type="ftr" sz="quarter" idx="11"/>
+          </p:nvPr>
+        </p:nvSpPr>
+        <p:spPr/>
+        <p:txBody>
+          <a:bodyPr/>
+          <a:lstStyle/>
+          <a:p>
+            <a:endParaRPr lang="en-US"/>
+          </a:p>
+        </p:txBody>
+      </p:sp>
+      <p:sp>
+        <p:nvSpPr>
+          <p:cNvPr id="6" name="Slide Number Placeholder 5"/>
+          <p:cNvSpPr>
+            <a:spLocks noGrp="1"/>
+          </p:cNvSpPr>
+          <p:nvPr>
+            <p:ph type="sldNum" sz="quarter" idx="12"/>
+          </p:nvPr>
+        </p:nvSpPr>
+        <p:spPr/>
+        <p:txBody>
+          <a:bodyPr/>
+          <a:lstStyle/>
+          <a:p>
+            <a:fld id="{C9ADF87B-17F6-491A-ACCA-B6562E4C2994}" type="slidenum">
+              <a:rPr lang="en-US" smtClean="0"/>
+              <a:t>‹#›</a:t>
+            </a:fld>
+            <a:endParaRPr lang="en-US"/>
+          </a:p>
+        </p:txBody>
+      </p:sp>
+    </p:spTree>
+    <p:extLst>
+      <p:ext uri="{BB962C8B-B14F-4D97-AF65-F5344CB8AC3E}">
+        <p14:creationId xmlns:p14="http://schemas.microsoft.com/office/powerpoint/2010/main" val="646654642"/>
+      </p:ext>
+    </p:extLst>
+  </p:cSld>
+  <p:clrMapOvr>
+    <a:masterClrMapping/>
+  </p:clrMapOvr>
+</p:sldLayout>
+</file>
+
+<file path=ppt/slideLayouts/slideLayout15.xml><?xml version="1.0" encoding="utf-8"?>
 <p:sldLayout xmlns:a="http://schemas.openxmlformats.org/drawingml/2006/main" xmlns:r="http://schemas.openxmlformats.org/officeDocument/2006/relationships" xmlns:p="http://schemas.openxmlformats.org/presentationml/2006/main" type="vertTx" preserve="1">
   <p:cSld name="Title and Vertical Text">
     <p:spTree>
@@ -348,13 +2534,7 @@
       </p:grpSpPr>
       <p:sp>
         <p:nvSpPr>
-          <p:cNvPr id="2" name="Title 1">
-            <a:extLst>
-              <a:ext uri="{FF2B5EF4-FFF2-40B4-BE49-F238E27FC236}">
-                <a16:creationId xmlns:a16="http://schemas.microsoft.com/office/drawing/2014/main" id="{245D7AA1-794B-434A-9472-2E10262145C6}"/>
-              </a:ext>
-            </a:extLst>
-          </p:cNvPr>
+          <p:cNvPr id="2" name="Title 1"/>
           <p:cNvSpPr>
             <a:spLocks noGrp="1"/>
           </p:cNvSpPr>
@@ -371,18 +2551,13 @@
               <a:rPr lang="en-US"/>
               <a:t>Click to edit Master title style</a:t>
             </a:r>
-          </a:p>
-        </p:txBody>
-      </p:sp>
-      <p:sp>
-        <p:nvSpPr>
-          <p:cNvPr id="3" name="Vertical Text Placeholder 2">
-            <a:extLst>
-              <a:ext uri="{FF2B5EF4-FFF2-40B4-BE49-F238E27FC236}">
-                <a16:creationId xmlns:a16="http://schemas.microsoft.com/office/drawing/2014/main" id="{9FCF4C5A-DC7F-40C9-A41D-4CDC7E1788C1}"/>
-              </a:ext>
-            </a:extLst>
-          </p:cNvPr>
+            <a:endParaRPr lang="en-US" dirty="0"/>
+          </a:p>
+        </p:txBody>
+      </p:sp>
+      <p:sp>
+        <p:nvSpPr>
+          <p:cNvPr id="3" name="Vertical Text Placeholder 2"/>
           <p:cNvSpPr>
             <a:spLocks noGrp="1"/>
           </p:cNvSpPr>
@@ -428,18 +2603,13 @@
               <a:rPr lang="en-US"/>
               <a:t>Fifth level</a:t>
             </a:r>
-          </a:p>
-        </p:txBody>
-      </p:sp>
-      <p:sp>
-        <p:nvSpPr>
-          <p:cNvPr id="4" name="Date Placeholder 3">
-            <a:extLst>
-              <a:ext uri="{FF2B5EF4-FFF2-40B4-BE49-F238E27FC236}">
-                <a16:creationId xmlns:a16="http://schemas.microsoft.com/office/drawing/2014/main" id="{1CC0B7B1-F347-42E2-8438-159F9787E476}"/>
-              </a:ext>
-            </a:extLst>
-          </p:cNvPr>
+            <a:endParaRPr lang="en-US" dirty="0"/>
+          </a:p>
+        </p:txBody>
+      </p:sp>
+      <p:sp>
+        <p:nvSpPr>
+          <p:cNvPr id="4" name="Date Placeholder 3"/>
           <p:cNvSpPr>
             <a:spLocks noGrp="1"/>
           </p:cNvSpPr>
@@ -462,13 +2632,7 @@
       </p:sp>
       <p:sp>
         <p:nvSpPr>
-          <p:cNvPr id="5" name="Footer Placeholder 4">
-            <a:extLst>
-              <a:ext uri="{FF2B5EF4-FFF2-40B4-BE49-F238E27FC236}">
-                <a16:creationId xmlns:a16="http://schemas.microsoft.com/office/drawing/2014/main" id="{74EA9D24-BFF6-4383-AEFE-A5D16E5855E3}"/>
-              </a:ext>
-            </a:extLst>
-          </p:cNvPr>
+          <p:cNvPr id="5" name="Footer Placeholder 4"/>
           <p:cNvSpPr>
             <a:spLocks noGrp="1"/>
           </p:cNvSpPr>
@@ -487,13 +2651,7 @@
       </p:sp>
       <p:sp>
         <p:nvSpPr>
-          <p:cNvPr id="6" name="Slide Number Placeholder 5">
-            <a:extLst>
-              <a:ext uri="{FF2B5EF4-FFF2-40B4-BE49-F238E27FC236}">
-                <a16:creationId xmlns:a16="http://schemas.microsoft.com/office/drawing/2014/main" id="{9B3E639E-4400-4CF3-9B32-6AACE4D8FE1A}"/>
-              </a:ext>
-            </a:extLst>
-          </p:cNvPr>
+          <p:cNvPr id="6" name="Slide Number Placeholder 5"/>
           <p:cNvSpPr>
             <a:spLocks noGrp="1"/>
           </p:cNvSpPr>
@@ -517,7 +2675,7 @@
     </p:spTree>
     <p:extLst>
       <p:ext uri="{BB962C8B-B14F-4D97-AF65-F5344CB8AC3E}">
-        <p14:creationId xmlns:p14="http://schemas.microsoft.com/office/powerpoint/2010/main" val="1822011762"/>
+        <p14:creationId xmlns:p14="http://schemas.microsoft.com/office/powerpoint/2010/main" val="1735615079"/>
       </p:ext>
     </p:extLst>
   </p:cSld>
@@ -527,7 +2685,7 @@
 </p:sldLayout>
 </file>
 
-<file path=ppt/slideLayouts/slideLayout11.xml><?xml version="1.0" encoding="utf-8"?>
+<file path=ppt/slideLayouts/slideLayout16.xml><?xml version="1.0" encoding="utf-8"?>
 <p:sldLayout xmlns:a="http://schemas.openxmlformats.org/drawingml/2006/main" xmlns:r="http://schemas.openxmlformats.org/officeDocument/2006/relationships" xmlns:p="http://schemas.openxmlformats.org/presentationml/2006/main" type="vertTitleAndTx" preserve="1">
   <p:cSld name="Vertical Title and Text">
     <p:spTree>
@@ -546,13 +2704,7 @@
       </p:grpSpPr>
       <p:sp>
         <p:nvSpPr>
-          <p:cNvPr id="2" name="Vertical Title 1">
-            <a:extLst>
-              <a:ext uri="{FF2B5EF4-FFF2-40B4-BE49-F238E27FC236}">
-                <a16:creationId xmlns:a16="http://schemas.microsoft.com/office/drawing/2014/main" id="{16D56EE1-7E17-4F04-9C6F-952EC62BA27D}"/>
-              </a:ext>
-            </a:extLst>
-          </p:cNvPr>
+          <p:cNvPr id="2" name="Vertical Title 1"/>
           <p:cNvSpPr>
             <a:spLocks noGrp="1"/>
           </p:cNvSpPr>
@@ -562,30 +2714,25 @@
         </p:nvSpPr>
         <p:spPr>
           <a:xfrm>
-            <a:off x="8724900" y="365125"/>
-            <a:ext cx="2628900" cy="5811838"/>
+            <a:off x="7967673" y="609599"/>
+            <a:ext cx="1304743" cy="5251451"/>
           </a:xfrm>
         </p:spPr>
         <p:txBody>
-          <a:bodyPr vert="eaVert"/>
+          <a:bodyPr vert="eaVert" anchor="ctr"/>
           <a:lstStyle/>
           <a:p>
             <a:r>
               <a:rPr lang="en-US"/>
               <a:t>Click to edit Master title style</a:t>
             </a:r>
-          </a:p>
-        </p:txBody>
-      </p:sp>
-      <p:sp>
-        <p:nvSpPr>
-          <p:cNvPr id="3" name="Vertical Text Placeholder 2">
-            <a:extLst>
-              <a:ext uri="{FF2B5EF4-FFF2-40B4-BE49-F238E27FC236}">
-                <a16:creationId xmlns:a16="http://schemas.microsoft.com/office/drawing/2014/main" id="{791E8371-0C13-4CD8-BA6A-98327AB3D23C}"/>
-              </a:ext>
-            </a:extLst>
-          </p:cNvPr>
+            <a:endParaRPr lang="en-US" dirty="0"/>
+          </a:p>
+        </p:txBody>
+      </p:sp>
+      <p:sp>
+        <p:nvSpPr>
+          <p:cNvPr id="3" name="Vertical Text Placeholder 2"/>
           <p:cNvSpPr>
             <a:spLocks noGrp="1"/>
           </p:cNvSpPr>
@@ -595,8 +2742,8 @@
         </p:nvSpPr>
         <p:spPr>
           <a:xfrm>
-            <a:off x="838200" y="365125"/>
-            <a:ext cx="7734300" cy="5811838"/>
+            <a:off x="677335" y="609600"/>
+            <a:ext cx="7060150" cy="5251450"/>
           </a:xfrm>
         </p:spPr>
         <p:txBody>
@@ -636,18 +2783,13 @@
               <a:rPr lang="en-US"/>
               <a:t>Fifth level</a:t>
             </a:r>
-          </a:p>
-        </p:txBody>
-      </p:sp>
-      <p:sp>
-        <p:nvSpPr>
-          <p:cNvPr id="4" name="Date Placeholder 3">
-            <a:extLst>
-              <a:ext uri="{FF2B5EF4-FFF2-40B4-BE49-F238E27FC236}">
-                <a16:creationId xmlns:a16="http://schemas.microsoft.com/office/drawing/2014/main" id="{7CDF6602-836C-4E12-B14E-829A58E29FC3}"/>
-              </a:ext>
-            </a:extLst>
-          </p:cNvPr>
+            <a:endParaRPr lang="en-US" dirty="0"/>
+          </a:p>
+        </p:txBody>
+      </p:sp>
+      <p:sp>
+        <p:nvSpPr>
+          <p:cNvPr id="4" name="Date Placeholder 3"/>
           <p:cNvSpPr>
             <a:spLocks noGrp="1"/>
           </p:cNvSpPr>
@@ -670,13 +2812,7 @@
       </p:sp>
       <p:sp>
         <p:nvSpPr>
-          <p:cNvPr id="5" name="Footer Placeholder 4">
-            <a:extLst>
-              <a:ext uri="{FF2B5EF4-FFF2-40B4-BE49-F238E27FC236}">
-                <a16:creationId xmlns:a16="http://schemas.microsoft.com/office/drawing/2014/main" id="{321FFC51-1B43-4017-AE6D-5FE0DACE245C}"/>
-              </a:ext>
-            </a:extLst>
-          </p:cNvPr>
+          <p:cNvPr id="5" name="Footer Placeholder 4"/>
           <p:cNvSpPr>
             <a:spLocks noGrp="1"/>
           </p:cNvSpPr>
@@ -695,13 +2831,7 @@
       </p:sp>
       <p:sp>
         <p:nvSpPr>
-          <p:cNvPr id="6" name="Slide Number Placeholder 5">
-            <a:extLst>
-              <a:ext uri="{FF2B5EF4-FFF2-40B4-BE49-F238E27FC236}">
-                <a16:creationId xmlns:a16="http://schemas.microsoft.com/office/drawing/2014/main" id="{8D42CA75-E668-4073-8007-01C185F35154}"/>
-              </a:ext>
-            </a:extLst>
-          </p:cNvPr>
+          <p:cNvPr id="6" name="Slide Number Placeholder 5"/>
           <p:cNvSpPr>
             <a:spLocks noGrp="1"/>
           </p:cNvSpPr>
@@ -725,7 +2855,7 @@
     </p:spTree>
     <p:extLst>
       <p:ext uri="{BB962C8B-B14F-4D97-AF65-F5344CB8AC3E}">
-        <p14:creationId xmlns:p14="http://schemas.microsoft.com/office/powerpoint/2010/main" val="2455750383"/>
+        <p14:creationId xmlns:p14="http://schemas.microsoft.com/office/powerpoint/2010/main" val="3398584178"/>
       </p:ext>
     </p:extLst>
   </p:cSld>
@@ -754,13 +2884,7 @@
       </p:grpSpPr>
       <p:sp>
         <p:nvSpPr>
-          <p:cNvPr id="2" name="Title 1">
-            <a:extLst>
-              <a:ext uri="{FF2B5EF4-FFF2-40B4-BE49-F238E27FC236}">
-                <a16:creationId xmlns:a16="http://schemas.microsoft.com/office/drawing/2014/main" id="{B8625E24-C676-488B-AF84-519451526A0F}"/>
-              </a:ext>
-            </a:extLst>
-          </p:cNvPr>
+          <p:cNvPr id="2" name="Title 1"/>
           <p:cNvSpPr>
             <a:spLocks noGrp="1"/>
           </p:cNvSpPr>
@@ -770,25 +2894,26 @@
         </p:nvSpPr>
         <p:spPr/>
         <p:txBody>
-          <a:bodyPr/>
-          <a:lstStyle/>
+          <a:bodyPr>
+            <a:normAutofit/>
+          </a:bodyPr>
+          <a:lstStyle>
+            <a:lvl1pPr>
+              <a:defRPr sz="3600"/>
+            </a:lvl1pPr>
+          </a:lstStyle>
           <a:p>
             <a:r>
               <a:rPr lang="en-US"/>
               <a:t>Click to edit Master title style</a:t>
             </a:r>
-          </a:p>
-        </p:txBody>
-      </p:sp>
-      <p:sp>
-        <p:nvSpPr>
-          <p:cNvPr id="3" name="Content Placeholder 2">
-            <a:extLst>
-              <a:ext uri="{FF2B5EF4-FFF2-40B4-BE49-F238E27FC236}">
-                <a16:creationId xmlns:a16="http://schemas.microsoft.com/office/drawing/2014/main" id="{B957CDBB-5073-41ED-BB54-0E0193C5FC12}"/>
-              </a:ext>
-            </a:extLst>
-          </p:cNvPr>
+            <a:endParaRPr lang="en-US" dirty="0"/>
+          </a:p>
+        </p:txBody>
+      </p:sp>
+      <p:sp>
+        <p:nvSpPr>
+          <p:cNvPr id="3" name="Content Placeholder 2"/>
           <p:cNvSpPr>
             <a:spLocks noGrp="1"/>
           </p:cNvSpPr>
@@ -834,18 +2959,13 @@
               <a:rPr lang="en-US"/>
               <a:t>Fifth level</a:t>
             </a:r>
-          </a:p>
-        </p:txBody>
-      </p:sp>
-      <p:sp>
-        <p:nvSpPr>
-          <p:cNvPr id="4" name="Date Placeholder 3">
-            <a:extLst>
-              <a:ext uri="{FF2B5EF4-FFF2-40B4-BE49-F238E27FC236}">
-                <a16:creationId xmlns:a16="http://schemas.microsoft.com/office/drawing/2014/main" id="{FCAF39D0-29F3-48AB-8CD0-3E487898728F}"/>
-              </a:ext>
-            </a:extLst>
-          </p:cNvPr>
+            <a:endParaRPr lang="en-US" dirty="0"/>
+          </a:p>
+        </p:txBody>
+      </p:sp>
+      <p:sp>
+        <p:nvSpPr>
+          <p:cNvPr id="4" name="Date Placeholder 3"/>
           <p:cNvSpPr>
             <a:spLocks noGrp="1"/>
           </p:cNvSpPr>
@@ -868,13 +2988,7 @@
       </p:sp>
       <p:sp>
         <p:nvSpPr>
-          <p:cNvPr id="5" name="Footer Placeholder 4">
-            <a:extLst>
-              <a:ext uri="{FF2B5EF4-FFF2-40B4-BE49-F238E27FC236}">
-                <a16:creationId xmlns:a16="http://schemas.microsoft.com/office/drawing/2014/main" id="{F5E9B797-AF59-4487-A70B-43D7132DF5D9}"/>
-              </a:ext>
-            </a:extLst>
-          </p:cNvPr>
+          <p:cNvPr id="5" name="Footer Placeholder 4"/>
           <p:cNvSpPr>
             <a:spLocks noGrp="1"/>
           </p:cNvSpPr>
@@ -893,13 +3007,7 @@
       </p:sp>
       <p:sp>
         <p:nvSpPr>
-          <p:cNvPr id="6" name="Slide Number Placeholder 5">
-            <a:extLst>
-              <a:ext uri="{FF2B5EF4-FFF2-40B4-BE49-F238E27FC236}">
-                <a16:creationId xmlns:a16="http://schemas.microsoft.com/office/drawing/2014/main" id="{6269DF92-24FC-4318-B090-A72B10717D7E}"/>
-              </a:ext>
-            </a:extLst>
-          </p:cNvPr>
+          <p:cNvPr id="6" name="Slide Number Placeholder 5"/>
           <p:cNvSpPr>
             <a:spLocks noGrp="1"/>
           </p:cNvSpPr>
@@ -923,7 +3031,7 @@
     </p:spTree>
     <p:extLst>
       <p:ext uri="{BB962C8B-B14F-4D97-AF65-F5344CB8AC3E}">
-        <p14:creationId xmlns:p14="http://schemas.microsoft.com/office/powerpoint/2010/main" val="983623046"/>
+        <p14:creationId xmlns:p14="http://schemas.microsoft.com/office/powerpoint/2010/main" val="1540944390"/>
       </p:ext>
     </p:extLst>
   </p:cSld>
@@ -952,13 +3060,7 @@
       </p:grpSpPr>
       <p:sp>
         <p:nvSpPr>
-          <p:cNvPr id="2" name="Title 1">
-            <a:extLst>
-              <a:ext uri="{FF2B5EF4-FFF2-40B4-BE49-F238E27FC236}">
-                <a16:creationId xmlns:a16="http://schemas.microsoft.com/office/drawing/2014/main" id="{D35DF82F-E3DF-4570-A586-DF5E3E154D56}"/>
-              </a:ext>
-            </a:extLst>
-          </p:cNvPr>
+          <p:cNvPr id="2" name="Title 1"/>
           <p:cNvSpPr>
             <a:spLocks noGrp="1"/>
           </p:cNvSpPr>
@@ -968,15 +3070,15 @@
         </p:nvSpPr>
         <p:spPr>
           <a:xfrm>
-            <a:off x="831850" y="1709738"/>
-            <a:ext cx="10515600" cy="2852737"/>
+            <a:off x="677335" y="2700867"/>
+            <a:ext cx="8596668" cy="1826581"/>
           </a:xfrm>
         </p:spPr>
         <p:txBody>
           <a:bodyPr anchor="b"/>
           <a:lstStyle>
-            <a:lvl1pPr>
-              <a:defRPr sz="6000"/>
+            <a:lvl1pPr algn="l">
+              <a:defRPr sz="4000" b="0" cap="none"/>
             </a:lvl1pPr>
           </a:lstStyle>
           <a:p>
@@ -984,18 +3086,13 @@
               <a:rPr lang="en-US"/>
               <a:t>Click to edit Master title style</a:t>
             </a:r>
-          </a:p>
-        </p:txBody>
-      </p:sp>
-      <p:sp>
-        <p:nvSpPr>
-          <p:cNvPr id="3" name="Text Placeholder 2">
-            <a:extLst>
-              <a:ext uri="{FF2B5EF4-FFF2-40B4-BE49-F238E27FC236}">
-                <a16:creationId xmlns:a16="http://schemas.microsoft.com/office/drawing/2014/main" id="{9DA0DAC5-C95D-406C-AD3C-85914D770D6B}"/>
-              </a:ext>
-            </a:extLst>
-          </p:cNvPr>
+            <a:endParaRPr lang="en-US" dirty="0"/>
+          </a:p>
+        </p:txBody>
+      </p:sp>
+      <p:sp>
+        <p:nvSpPr>
+          <p:cNvPr id="3" name="Text Placeholder 2"/>
           <p:cNvSpPr>
             <a:spLocks noGrp="1"/>
           </p:cNvSpPr>
@@ -1005,26 +3102,27 @@
         </p:nvSpPr>
         <p:spPr>
           <a:xfrm>
-            <a:off x="831850" y="4589463"/>
-            <a:ext cx="10515600" cy="1500187"/>
+            <a:off x="677335" y="4527448"/>
+            <a:ext cx="8596668" cy="860400"/>
           </a:xfrm>
         </p:spPr>
         <p:txBody>
-          <a:bodyPr/>
+          <a:bodyPr anchor="t"/>
           <a:lstStyle>
-            <a:lvl1pPr marL="0" indent="0">
-              <a:buNone/>
-              <a:defRPr sz="2400">
+            <a:lvl1pPr marL="0" indent="0" algn="l">
+              <a:buNone/>
+              <a:defRPr sz="2000">
                 <a:solidFill>
                   <a:schemeClr val="tx1">
-                    <a:tint val="75000"/>
+                    <a:lumMod val="50000"/>
+                    <a:lumOff val="50000"/>
                   </a:schemeClr>
                 </a:solidFill>
               </a:defRPr>
             </a:lvl1pPr>
             <a:lvl2pPr marL="457200" indent="0">
               <a:buNone/>
-              <a:defRPr sz="2000">
+              <a:defRPr sz="1800">
                 <a:solidFill>
                   <a:schemeClr val="tx1">
                     <a:tint val="75000"/>
@@ -1034,7 +3132,7 @@
             </a:lvl2pPr>
             <a:lvl3pPr marL="914400" indent="0">
               <a:buNone/>
-              <a:defRPr sz="1800">
+              <a:defRPr sz="1600">
                 <a:solidFill>
                   <a:schemeClr val="tx1">
                     <a:tint val="75000"/>
@@ -1044,7 +3142,7 @@
             </a:lvl3pPr>
             <a:lvl4pPr marL="1371600" indent="0">
               <a:buNone/>
-              <a:defRPr sz="1600">
+              <a:defRPr sz="1400">
                 <a:solidFill>
                   <a:schemeClr val="tx1">
                     <a:tint val="75000"/>
@@ -1054,7 +3152,7 @@
             </a:lvl4pPr>
             <a:lvl5pPr marL="1828800" indent="0">
               <a:buNone/>
-              <a:defRPr sz="1600">
+              <a:defRPr sz="1400">
                 <a:solidFill>
                   <a:schemeClr val="tx1">
                     <a:tint val="75000"/>
@@ -1064,7 +3162,7 @@
             </a:lvl5pPr>
             <a:lvl6pPr marL="2286000" indent="0">
               <a:buNone/>
-              <a:defRPr sz="1600">
+              <a:defRPr sz="1400">
                 <a:solidFill>
                   <a:schemeClr val="tx1">
                     <a:tint val="75000"/>
@@ -1074,7 +3172,7 @@
             </a:lvl6pPr>
             <a:lvl7pPr marL="2743200" indent="0">
               <a:buNone/>
-              <a:defRPr sz="1600">
+              <a:defRPr sz="1400">
                 <a:solidFill>
                   <a:schemeClr val="tx1">
                     <a:tint val="75000"/>
@@ -1084,7 +3182,7 @@
             </a:lvl7pPr>
             <a:lvl8pPr marL="3200400" indent="0">
               <a:buNone/>
-              <a:defRPr sz="1600">
+              <a:defRPr sz="1400">
                 <a:solidFill>
                   <a:schemeClr val="tx1">
                     <a:tint val="75000"/>
@@ -1094,7 +3192,7 @@
             </a:lvl8pPr>
             <a:lvl9pPr marL="3657600" indent="0">
               <a:buNone/>
-              <a:defRPr sz="1600">
+              <a:defRPr sz="1400">
                 <a:solidFill>
                   <a:schemeClr val="tx1">
                     <a:tint val="75000"/>
@@ -1114,13 +3212,7 @@
       </p:sp>
       <p:sp>
         <p:nvSpPr>
-          <p:cNvPr id="4" name="Date Placeholder 3">
-            <a:extLst>
-              <a:ext uri="{FF2B5EF4-FFF2-40B4-BE49-F238E27FC236}">
-                <a16:creationId xmlns:a16="http://schemas.microsoft.com/office/drawing/2014/main" id="{FF758C40-704D-4D19-B4BE-2414082E13DF}"/>
-              </a:ext>
-            </a:extLst>
-          </p:cNvPr>
+          <p:cNvPr id="4" name="Date Placeholder 3"/>
           <p:cNvSpPr>
             <a:spLocks noGrp="1"/>
           </p:cNvSpPr>
@@ -1143,13 +3235,7 @@
       </p:sp>
       <p:sp>
         <p:nvSpPr>
-          <p:cNvPr id="5" name="Footer Placeholder 4">
-            <a:extLst>
-              <a:ext uri="{FF2B5EF4-FFF2-40B4-BE49-F238E27FC236}">
-                <a16:creationId xmlns:a16="http://schemas.microsoft.com/office/drawing/2014/main" id="{A6485B2A-5AFE-4051-8315-81A9A36A9524}"/>
-              </a:ext>
-            </a:extLst>
-          </p:cNvPr>
+          <p:cNvPr id="5" name="Footer Placeholder 4"/>
           <p:cNvSpPr>
             <a:spLocks noGrp="1"/>
           </p:cNvSpPr>
@@ -1168,13 +3254,7 @@
       </p:sp>
       <p:sp>
         <p:nvSpPr>
-          <p:cNvPr id="6" name="Slide Number Placeholder 5">
-            <a:extLst>
-              <a:ext uri="{FF2B5EF4-FFF2-40B4-BE49-F238E27FC236}">
-                <a16:creationId xmlns:a16="http://schemas.microsoft.com/office/drawing/2014/main" id="{7A09A095-135C-4449-9CA3-0D7C7D306B64}"/>
-              </a:ext>
-            </a:extLst>
-          </p:cNvPr>
+          <p:cNvPr id="6" name="Slide Number Placeholder 5"/>
           <p:cNvSpPr>
             <a:spLocks noGrp="1"/>
           </p:cNvSpPr>
@@ -1198,7 +3278,7 @@
     </p:spTree>
     <p:extLst>
       <p:ext uri="{BB962C8B-B14F-4D97-AF65-F5344CB8AC3E}">
-        <p14:creationId xmlns:p14="http://schemas.microsoft.com/office/powerpoint/2010/main" val="782907370"/>
+        <p14:creationId xmlns:p14="http://schemas.microsoft.com/office/powerpoint/2010/main" val="2083068281"/>
       </p:ext>
     </p:extLst>
   </p:cSld>
@@ -1227,13 +3307,7 @@
       </p:grpSpPr>
       <p:sp>
         <p:nvSpPr>
-          <p:cNvPr id="2" name="Title 1">
-            <a:extLst>
-              <a:ext uri="{FF2B5EF4-FFF2-40B4-BE49-F238E27FC236}">
-                <a16:creationId xmlns:a16="http://schemas.microsoft.com/office/drawing/2014/main" id="{963CFE55-305B-464F-AB54-1D2C319B24A1}"/>
-              </a:ext>
-            </a:extLst>
-          </p:cNvPr>
+          <p:cNvPr id="2" name="Title 1"/>
           <p:cNvSpPr>
             <a:spLocks noGrp="1"/>
           </p:cNvSpPr>
@@ -1250,18 +3324,13 @@
               <a:rPr lang="en-US"/>
               <a:t>Click to edit Master title style</a:t>
             </a:r>
-          </a:p>
-        </p:txBody>
-      </p:sp>
-      <p:sp>
-        <p:nvSpPr>
-          <p:cNvPr id="3" name="Content Placeholder 2">
-            <a:extLst>
-              <a:ext uri="{FF2B5EF4-FFF2-40B4-BE49-F238E27FC236}">
-                <a16:creationId xmlns:a16="http://schemas.microsoft.com/office/drawing/2014/main" id="{CC8EA0DF-4A8F-4DFD-A5C6-D8C72A15E159}"/>
-              </a:ext>
-            </a:extLst>
-          </p:cNvPr>
+            <a:endParaRPr lang="en-US" dirty="0"/>
+          </a:p>
+        </p:txBody>
+      </p:sp>
+      <p:sp>
+        <p:nvSpPr>
+          <p:cNvPr id="3" name="Content Placeholder 2"/>
           <p:cNvSpPr>
             <a:spLocks noGrp="1"/>
           </p:cNvSpPr>
@@ -1271,8 +3340,8 @@
         </p:nvSpPr>
         <p:spPr>
           <a:xfrm>
-            <a:off x="838200" y="1825625"/>
-            <a:ext cx="5181600" cy="4351338"/>
+            <a:off x="677334" y="2160589"/>
+            <a:ext cx="4184035" cy="3880772"/>
           </a:xfrm>
         </p:spPr>
         <p:txBody>
@@ -1312,18 +3381,13 @@
               <a:rPr lang="en-US"/>
               <a:t>Fifth level</a:t>
             </a:r>
-          </a:p>
-        </p:txBody>
-      </p:sp>
-      <p:sp>
-        <p:nvSpPr>
-          <p:cNvPr id="4" name="Content Placeholder 3">
-            <a:extLst>
-              <a:ext uri="{FF2B5EF4-FFF2-40B4-BE49-F238E27FC236}">
-                <a16:creationId xmlns:a16="http://schemas.microsoft.com/office/drawing/2014/main" id="{AD60455D-3A1C-409C-A665-A31C599F7F0B}"/>
-              </a:ext>
-            </a:extLst>
-          </p:cNvPr>
+            <a:endParaRPr lang="en-US" dirty="0"/>
+          </a:p>
+        </p:txBody>
+      </p:sp>
+      <p:sp>
+        <p:nvSpPr>
+          <p:cNvPr id="4" name="Content Placeholder 3"/>
           <p:cNvSpPr>
             <a:spLocks noGrp="1"/>
           </p:cNvSpPr>
@@ -1333,8 +3397,8 @@
         </p:nvSpPr>
         <p:spPr>
           <a:xfrm>
-            <a:off x="6172200" y="1825625"/>
-            <a:ext cx="5181600" cy="4351338"/>
+            <a:off x="5089970" y="2160589"/>
+            <a:ext cx="4184034" cy="3880773"/>
           </a:xfrm>
         </p:spPr>
         <p:txBody>
@@ -1374,18 +3438,13 @@
               <a:rPr lang="en-US"/>
               <a:t>Fifth level</a:t>
             </a:r>
-          </a:p>
-        </p:txBody>
-      </p:sp>
-      <p:sp>
-        <p:nvSpPr>
-          <p:cNvPr id="5" name="Date Placeholder 4">
-            <a:extLst>
-              <a:ext uri="{FF2B5EF4-FFF2-40B4-BE49-F238E27FC236}">
-                <a16:creationId xmlns:a16="http://schemas.microsoft.com/office/drawing/2014/main" id="{382BF3E7-BFD2-4B2A-AFB5-67D73D9241C6}"/>
-              </a:ext>
-            </a:extLst>
-          </p:cNvPr>
+            <a:endParaRPr lang="en-US" dirty="0"/>
+          </a:p>
+        </p:txBody>
+      </p:sp>
+      <p:sp>
+        <p:nvSpPr>
+          <p:cNvPr id="5" name="Date Placeholder 4"/>
           <p:cNvSpPr>
             <a:spLocks noGrp="1"/>
           </p:cNvSpPr>
@@ -1408,13 +3467,7 @@
       </p:sp>
       <p:sp>
         <p:nvSpPr>
-          <p:cNvPr id="6" name="Footer Placeholder 5">
-            <a:extLst>
-              <a:ext uri="{FF2B5EF4-FFF2-40B4-BE49-F238E27FC236}">
-                <a16:creationId xmlns:a16="http://schemas.microsoft.com/office/drawing/2014/main" id="{13B01E9A-9FF9-46B7-AFC0-9D6599758ED1}"/>
-              </a:ext>
-            </a:extLst>
-          </p:cNvPr>
+          <p:cNvPr id="6" name="Footer Placeholder 5"/>
           <p:cNvSpPr>
             <a:spLocks noGrp="1"/>
           </p:cNvSpPr>
@@ -1433,13 +3486,7 @@
       </p:sp>
       <p:sp>
         <p:nvSpPr>
-          <p:cNvPr id="7" name="Slide Number Placeholder 6">
-            <a:extLst>
-              <a:ext uri="{FF2B5EF4-FFF2-40B4-BE49-F238E27FC236}">
-                <a16:creationId xmlns:a16="http://schemas.microsoft.com/office/drawing/2014/main" id="{4C7BDD61-0D1D-43F3-91F0-6FE8A2C0070C}"/>
-              </a:ext>
-            </a:extLst>
-          </p:cNvPr>
+          <p:cNvPr id="7" name="Slide Number Placeholder 6"/>
           <p:cNvSpPr>
             <a:spLocks noGrp="1"/>
           </p:cNvSpPr>
@@ -1463,7 +3510,7 @@
     </p:spTree>
     <p:extLst>
       <p:ext uri="{BB962C8B-B14F-4D97-AF65-F5344CB8AC3E}">
-        <p14:creationId xmlns:p14="http://schemas.microsoft.com/office/powerpoint/2010/main" val="906101012"/>
+        <p14:creationId xmlns:p14="http://schemas.microsoft.com/office/powerpoint/2010/main" val="2685907456"/>
       </p:ext>
     </p:extLst>
   </p:cSld>
@@ -1492,65 +3539,55 @@
       </p:grpSpPr>
       <p:sp>
         <p:nvSpPr>
-          <p:cNvPr id="2" name="Title 1">
-            <a:extLst>
-              <a:ext uri="{FF2B5EF4-FFF2-40B4-BE49-F238E27FC236}">
-                <a16:creationId xmlns:a16="http://schemas.microsoft.com/office/drawing/2014/main" id="{FEE0DB64-3429-4920-8B8C-20300E3B08E8}"/>
-              </a:ext>
-            </a:extLst>
-          </p:cNvPr>
+          <p:cNvPr id="2" name="Title 1"/>
           <p:cNvSpPr>
             <a:spLocks noGrp="1"/>
           </p:cNvSpPr>
           <p:nvPr>
             <p:ph type="title"/>
+          </p:nvPr>
+        </p:nvSpPr>
+        <p:spPr/>
+        <p:txBody>
+          <a:bodyPr/>
+          <a:lstStyle>
+            <a:lvl1pPr>
+              <a:defRPr/>
+            </a:lvl1pPr>
+          </a:lstStyle>
+          <a:p>
+            <a:r>
+              <a:rPr lang="en-US"/>
+              <a:t>Click to edit Master title style</a:t>
+            </a:r>
+            <a:endParaRPr lang="en-US" dirty="0"/>
+          </a:p>
+        </p:txBody>
+      </p:sp>
+      <p:sp>
+        <p:nvSpPr>
+          <p:cNvPr id="3" name="Text Placeholder 2"/>
+          <p:cNvSpPr>
+            <a:spLocks noGrp="1"/>
+          </p:cNvSpPr>
+          <p:nvPr>
+            <p:ph type="body" idx="1"/>
           </p:nvPr>
         </p:nvSpPr>
         <p:spPr>
           <a:xfrm>
-            <a:off x="839788" y="365125"/>
-            <a:ext cx="10515600" cy="1325563"/>
+            <a:off x="675745" y="2160983"/>
+            <a:ext cx="4185623" cy="576262"/>
           </a:xfrm>
         </p:spPr>
         <p:txBody>
-          <a:bodyPr/>
-          <a:lstStyle/>
-          <a:p>
-            <a:r>
-              <a:rPr lang="en-US"/>
-              <a:t>Click to edit Master title style</a:t>
-            </a:r>
-          </a:p>
-        </p:txBody>
-      </p:sp>
-      <p:sp>
-        <p:nvSpPr>
-          <p:cNvPr id="3" name="Text Placeholder 2">
-            <a:extLst>
-              <a:ext uri="{FF2B5EF4-FFF2-40B4-BE49-F238E27FC236}">
-                <a16:creationId xmlns:a16="http://schemas.microsoft.com/office/drawing/2014/main" id="{DDBE57E7-6506-4D4A-B352-BF986BDE7D8F}"/>
-              </a:ext>
-            </a:extLst>
-          </p:cNvPr>
-          <p:cNvSpPr>
-            <a:spLocks noGrp="1"/>
-          </p:cNvSpPr>
-          <p:nvPr>
-            <p:ph type="body" idx="1"/>
-          </p:nvPr>
-        </p:nvSpPr>
-        <p:spPr>
-          <a:xfrm>
-            <a:off x="839788" y="1681163"/>
-            <a:ext cx="5157787" cy="823912"/>
-          </a:xfrm>
-        </p:spPr>
-        <p:txBody>
-          <a:bodyPr anchor="b"/>
+          <a:bodyPr anchor="b">
+            <a:noAutofit/>
+          </a:bodyPr>
           <a:lstStyle>
             <a:lvl1pPr marL="0" indent="0">
               <a:buNone/>
-              <a:defRPr sz="2400" b="1"/>
+              <a:defRPr sz="2400" b="0"/>
             </a:lvl1pPr>
             <a:lvl2pPr marL="457200" indent="0">
               <a:buNone/>
@@ -1596,13 +3633,7 @@
       </p:sp>
       <p:sp>
         <p:nvSpPr>
-          <p:cNvPr id="4" name="Content Placeholder 3">
-            <a:extLst>
-              <a:ext uri="{FF2B5EF4-FFF2-40B4-BE49-F238E27FC236}">
-                <a16:creationId xmlns:a16="http://schemas.microsoft.com/office/drawing/2014/main" id="{37DA1A47-C861-4A35-A349-821642F0681E}"/>
-              </a:ext>
-            </a:extLst>
-          </p:cNvPr>
+          <p:cNvPr id="4" name="Content Placeholder 3"/>
           <p:cNvSpPr>
             <a:spLocks noGrp="1"/>
           </p:cNvSpPr>
@@ -1612,12 +3643,14 @@
         </p:nvSpPr>
         <p:spPr>
           <a:xfrm>
-            <a:off x="839788" y="2505075"/>
-            <a:ext cx="5157787" cy="3684588"/>
+            <a:off x="675745" y="2737245"/>
+            <a:ext cx="4185623" cy="3304117"/>
           </a:xfrm>
         </p:spPr>
         <p:txBody>
-          <a:bodyPr/>
+          <a:bodyPr>
+            <a:normAutofit/>
+          </a:bodyPr>
           <a:lstStyle/>
           <a:p>
             <a:pPr lvl="0"/>
@@ -1653,18 +3686,13 @@
               <a:rPr lang="en-US"/>
               <a:t>Fifth level</a:t>
             </a:r>
-          </a:p>
-        </p:txBody>
-      </p:sp>
-      <p:sp>
-        <p:nvSpPr>
-          <p:cNvPr id="5" name="Text Placeholder 4">
-            <a:extLst>
-              <a:ext uri="{FF2B5EF4-FFF2-40B4-BE49-F238E27FC236}">
-                <a16:creationId xmlns:a16="http://schemas.microsoft.com/office/drawing/2014/main" id="{DBD9D41D-D890-4603-87AB-98550E17272B}"/>
-              </a:ext>
-            </a:extLst>
-          </p:cNvPr>
+            <a:endParaRPr lang="en-US" dirty="0"/>
+          </a:p>
+        </p:txBody>
+      </p:sp>
+      <p:sp>
+        <p:nvSpPr>
+          <p:cNvPr id="5" name="Text Placeholder 4"/>
           <p:cNvSpPr>
             <a:spLocks noGrp="1"/>
           </p:cNvSpPr>
@@ -1674,16 +3702,18 @@
         </p:nvSpPr>
         <p:spPr>
           <a:xfrm>
-            <a:off x="6172200" y="1681163"/>
-            <a:ext cx="5183188" cy="823912"/>
+            <a:off x="5088383" y="2160983"/>
+            <a:ext cx="4185618" cy="576262"/>
           </a:xfrm>
         </p:spPr>
         <p:txBody>
-          <a:bodyPr anchor="b"/>
+          <a:bodyPr anchor="b">
+            <a:noAutofit/>
+          </a:bodyPr>
           <a:lstStyle>
             <a:lvl1pPr marL="0" indent="0">
               <a:buNone/>
-              <a:defRPr sz="2400" b="1"/>
+              <a:defRPr sz="2400" b="0"/>
             </a:lvl1pPr>
             <a:lvl2pPr marL="457200" indent="0">
               <a:buNone/>
@@ -1729,13 +3759,7 @@
       </p:sp>
       <p:sp>
         <p:nvSpPr>
-          <p:cNvPr id="6" name="Content Placeholder 5">
-            <a:extLst>
-              <a:ext uri="{FF2B5EF4-FFF2-40B4-BE49-F238E27FC236}">
-                <a16:creationId xmlns:a16="http://schemas.microsoft.com/office/drawing/2014/main" id="{984EC4C6-CD97-45ED-9BFD-3F8E45F8F226}"/>
-              </a:ext>
-            </a:extLst>
-          </p:cNvPr>
+          <p:cNvPr id="6" name="Content Placeholder 5"/>
           <p:cNvSpPr>
             <a:spLocks noGrp="1"/>
           </p:cNvSpPr>
@@ -1745,12 +3769,14 @@
         </p:nvSpPr>
         <p:spPr>
           <a:xfrm>
-            <a:off x="6172200" y="2505075"/>
-            <a:ext cx="5183188" cy="3684588"/>
+            <a:off x="5088384" y="2737245"/>
+            <a:ext cx="4185617" cy="3304117"/>
           </a:xfrm>
         </p:spPr>
         <p:txBody>
-          <a:bodyPr/>
+          <a:bodyPr>
+            <a:normAutofit/>
+          </a:bodyPr>
           <a:lstStyle/>
           <a:p>
             <a:pPr lvl="0"/>
@@ -1786,18 +3812,13 @@
               <a:rPr lang="en-US"/>
               <a:t>Fifth level</a:t>
             </a:r>
-          </a:p>
-        </p:txBody>
-      </p:sp>
-      <p:sp>
-        <p:nvSpPr>
-          <p:cNvPr id="7" name="Date Placeholder 6">
-            <a:extLst>
-              <a:ext uri="{FF2B5EF4-FFF2-40B4-BE49-F238E27FC236}">
-                <a16:creationId xmlns:a16="http://schemas.microsoft.com/office/drawing/2014/main" id="{B7D62991-10E2-4966-94AF-15608280B267}"/>
-              </a:ext>
-            </a:extLst>
-          </p:cNvPr>
+            <a:endParaRPr lang="en-US" dirty="0"/>
+          </a:p>
+        </p:txBody>
+      </p:sp>
+      <p:sp>
+        <p:nvSpPr>
+          <p:cNvPr id="7" name="Date Placeholder 6"/>
           <p:cNvSpPr>
             <a:spLocks noGrp="1"/>
           </p:cNvSpPr>
@@ -1820,13 +3841,7 @@
       </p:sp>
       <p:sp>
         <p:nvSpPr>
-          <p:cNvPr id="8" name="Footer Placeholder 7">
-            <a:extLst>
-              <a:ext uri="{FF2B5EF4-FFF2-40B4-BE49-F238E27FC236}">
-                <a16:creationId xmlns:a16="http://schemas.microsoft.com/office/drawing/2014/main" id="{B8417FF5-0A55-4978-BA76-364C0F642E6E}"/>
-              </a:ext>
-            </a:extLst>
-          </p:cNvPr>
+          <p:cNvPr id="8" name="Footer Placeholder 7"/>
           <p:cNvSpPr>
             <a:spLocks noGrp="1"/>
           </p:cNvSpPr>
@@ -1845,13 +3860,7 @@
       </p:sp>
       <p:sp>
         <p:nvSpPr>
-          <p:cNvPr id="9" name="Slide Number Placeholder 8">
-            <a:extLst>
-              <a:ext uri="{FF2B5EF4-FFF2-40B4-BE49-F238E27FC236}">
-                <a16:creationId xmlns:a16="http://schemas.microsoft.com/office/drawing/2014/main" id="{B1BA1249-E48B-4512-A435-07BE17F30758}"/>
-              </a:ext>
-            </a:extLst>
-          </p:cNvPr>
+          <p:cNvPr id="9" name="Slide Number Placeholder 8"/>
           <p:cNvSpPr>
             <a:spLocks noGrp="1"/>
           </p:cNvSpPr>
@@ -1875,7 +3884,7 @@
     </p:spTree>
     <p:extLst>
       <p:ext uri="{BB962C8B-B14F-4D97-AF65-F5344CB8AC3E}">
-        <p14:creationId xmlns:p14="http://schemas.microsoft.com/office/powerpoint/2010/main" val="1413152265"/>
+        <p14:creationId xmlns:p14="http://schemas.microsoft.com/office/powerpoint/2010/main" val="332620682"/>
       </p:ext>
     </p:extLst>
   </p:cSld>
@@ -1904,13 +3913,7 @@
       </p:grpSpPr>
       <p:sp>
         <p:nvSpPr>
-          <p:cNvPr id="2" name="Title 1">
-            <a:extLst>
-              <a:ext uri="{FF2B5EF4-FFF2-40B4-BE49-F238E27FC236}">
-                <a16:creationId xmlns:a16="http://schemas.microsoft.com/office/drawing/2014/main" id="{6FD778A7-932D-49F5-98B0-4FBEFCE4B3EB}"/>
-              </a:ext>
-            </a:extLst>
-          </p:cNvPr>
+          <p:cNvPr id="2" name="Title 1"/>
           <p:cNvSpPr>
             <a:spLocks noGrp="1"/>
           </p:cNvSpPr>
@@ -1918,7 +3921,12 @@
             <p:ph type="title"/>
           </p:nvPr>
         </p:nvSpPr>
-        <p:spPr/>
+        <p:spPr>
+          <a:xfrm>
+            <a:off x="677334" y="609600"/>
+            <a:ext cx="8596668" cy="1320800"/>
+          </a:xfrm>
+        </p:spPr>
         <p:txBody>
           <a:bodyPr/>
           <a:lstStyle/>
@@ -1927,18 +3935,13 @@
               <a:rPr lang="en-US"/>
               <a:t>Click to edit Master title style</a:t>
             </a:r>
-          </a:p>
-        </p:txBody>
-      </p:sp>
-      <p:sp>
-        <p:nvSpPr>
-          <p:cNvPr id="3" name="Date Placeholder 2">
-            <a:extLst>
-              <a:ext uri="{FF2B5EF4-FFF2-40B4-BE49-F238E27FC236}">
-                <a16:creationId xmlns:a16="http://schemas.microsoft.com/office/drawing/2014/main" id="{E8882691-A163-47F7-A885-C5FEDF49A0E0}"/>
-              </a:ext>
-            </a:extLst>
-          </p:cNvPr>
+            <a:endParaRPr lang="en-US" dirty="0"/>
+          </a:p>
+        </p:txBody>
+      </p:sp>
+      <p:sp>
+        <p:nvSpPr>
+          <p:cNvPr id="3" name="Date Placeholder 2"/>
           <p:cNvSpPr>
             <a:spLocks noGrp="1"/>
           </p:cNvSpPr>
@@ -1961,13 +3964,7 @@
       </p:sp>
       <p:sp>
         <p:nvSpPr>
-          <p:cNvPr id="4" name="Footer Placeholder 3">
-            <a:extLst>
-              <a:ext uri="{FF2B5EF4-FFF2-40B4-BE49-F238E27FC236}">
-                <a16:creationId xmlns:a16="http://schemas.microsoft.com/office/drawing/2014/main" id="{C974DEB2-2E78-4272-A50B-CEB27905CCFE}"/>
-              </a:ext>
-            </a:extLst>
-          </p:cNvPr>
+          <p:cNvPr id="4" name="Footer Placeholder 3"/>
           <p:cNvSpPr>
             <a:spLocks noGrp="1"/>
           </p:cNvSpPr>
@@ -1986,13 +3983,7 @@
       </p:sp>
       <p:sp>
         <p:nvSpPr>
-          <p:cNvPr id="5" name="Slide Number Placeholder 4">
-            <a:extLst>
-              <a:ext uri="{FF2B5EF4-FFF2-40B4-BE49-F238E27FC236}">
-                <a16:creationId xmlns:a16="http://schemas.microsoft.com/office/drawing/2014/main" id="{03D7CA84-7BA0-4C95-AE6E-D21C11150687}"/>
-              </a:ext>
-            </a:extLst>
-          </p:cNvPr>
+          <p:cNvPr id="5" name="Slide Number Placeholder 4"/>
           <p:cNvSpPr>
             <a:spLocks noGrp="1"/>
           </p:cNvSpPr>
@@ -2016,7 +4007,7 @@
     </p:spTree>
     <p:extLst>
       <p:ext uri="{BB962C8B-B14F-4D97-AF65-F5344CB8AC3E}">
-        <p14:creationId xmlns:p14="http://schemas.microsoft.com/office/powerpoint/2010/main" val="1759961221"/>
+        <p14:creationId xmlns:p14="http://schemas.microsoft.com/office/powerpoint/2010/main" val="2684845606"/>
       </p:ext>
     </p:extLst>
   </p:cSld>
@@ -2045,13 +4036,7 @@
       </p:grpSpPr>
       <p:sp>
         <p:nvSpPr>
-          <p:cNvPr id="2" name="Date Placeholder 1">
-            <a:extLst>
-              <a:ext uri="{FF2B5EF4-FFF2-40B4-BE49-F238E27FC236}">
-                <a16:creationId xmlns:a16="http://schemas.microsoft.com/office/drawing/2014/main" id="{A27F8500-6CCE-4DAA-A64F-554CCDC8F3AD}"/>
-              </a:ext>
-            </a:extLst>
-          </p:cNvPr>
+          <p:cNvPr id="2" name="Date Placeholder 1"/>
           <p:cNvSpPr>
             <a:spLocks noGrp="1"/>
           </p:cNvSpPr>
@@ -2074,13 +4059,7 @@
       </p:sp>
       <p:sp>
         <p:nvSpPr>
-          <p:cNvPr id="3" name="Footer Placeholder 2">
-            <a:extLst>
-              <a:ext uri="{FF2B5EF4-FFF2-40B4-BE49-F238E27FC236}">
-                <a16:creationId xmlns:a16="http://schemas.microsoft.com/office/drawing/2014/main" id="{7544673C-6CD8-4237-B56D-2CF22AAC9AA9}"/>
-              </a:ext>
-            </a:extLst>
-          </p:cNvPr>
+          <p:cNvPr id="3" name="Footer Placeholder 2"/>
           <p:cNvSpPr>
             <a:spLocks noGrp="1"/>
           </p:cNvSpPr>
@@ -2099,13 +4078,7 @@
       </p:sp>
       <p:sp>
         <p:nvSpPr>
-          <p:cNvPr id="4" name="Slide Number Placeholder 3">
-            <a:extLst>
-              <a:ext uri="{FF2B5EF4-FFF2-40B4-BE49-F238E27FC236}">
-                <a16:creationId xmlns:a16="http://schemas.microsoft.com/office/drawing/2014/main" id="{65AC047B-6CE3-46F6-9679-634C741682F7}"/>
-              </a:ext>
-            </a:extLst>
-          </p:cNvPr>
+          <p:cNvPr id="4" name="Slide Number Placeholder 3"/>
           <p:cNvSpPr>
             <a:spLocks noGrp="1"/>
           </p:cNvSpPr>
@@ -2129,7 +4102,7 @@
     </p:spTree>
     <p:extLst>
       <p:ext uri="{BB962C8B-B14F-4D97-AF65-F5344CB8AC3E}">
-        <p14:creationId xmlns:p14="http://schemas.microsoft.com/office/powerpoint/2010/main" val="4176707069"/>
+        <p14:creationId xmlns:p14="http://schemas.microsoft.com/office/powerpoint/2010/main" val="4191400546"/>
       </p:ext>
     </p:extLst>
   </p:cSld>
@@ -2158,13 +4131,7 @@
       </p:grpSpPr>
       <p:sp>
         <p:nvSpPr>
-          <p:cNvPr id="2" name="Title 1">
-            <a:extLst>
-              <a:ext uri="{FF2B5EF4-FFF2-40B4-BE49-F238E27FC236}">
-                <a16:creationId xmlns:a16="http://schemas.microsoft.com/office/drawing/2014/main" id="{75991800-406D-41D2-98D0-EC621FCEB807}"/>
-              </a:ext>
-            </a:extLst>
-          </p:cNvPr>
+          <p:cNvPr id="2" name="Title 1"/>
           <p:cNvSpPr>
             <a:spLocks noGrp="1"/>
           </p:cNvSpPr>
@@ -2174,15 +4141,17 @@
         </p:nvSpPr>
         <p:spPr>
           <a:xfrm>
-            <a:off x="839788" y="457200"/>
-            <a:ext cx="3932237" cy="1600200"/>
+            <a:off x="677334" y="1498604"/>
+            <a:ext cx="3854528" cy="1278466"/>
           </a:xfrm>
         </p:spPr>
         <p:txBody>
-          <a:bodyPr anchor="b"/>
+          <a:bodyPr anchor="b">
+            <a:normAutofit/>
+          </a:bodyPr>
           <a:lstStyle>
             <a:lvl1pPr>
-              <a:defRPr sz="3200"/>
+              <a:defRPr sz="2000"/>
             </a:lvl1pPr>
           </a:lstStyle>
           <a:p>
@@ -2190,18 +4159,13 @@
               <a:rPr lang="en-US"/>
               <a:t>Click to edit Master title style</a:t>
             </a:r>
-          </a:p>
-        </p:txBody>
-      </p:sp>
-      <p:sp>
-        <p:nvSpPr>
-          <p:cNvPr id="3" name="Content Placeholder 2">
-            <a:extLst>
-              <a:ext uri="{FF2B5EF4-FFF2-40B4-BE49-F238E27FC236}">
-                <a16:creationId xmlns:a16="http://schemas.microsoft.com/office/drawing/2014/main" id="{42D651BA-862E-47BE-A4CF-1E31E1AC84FD}"/>
-              </a:ext>
-            </a:extLst>
-          </p:cNvPr>
+            <a:endParaRPr lang="en-US" dirty="0"/>
+          </a:p>
+        </p:txBody>
+      </p:sp>
+      <p:sp>
+        <p:nvSpPr>
+          <p:cNvPr id="3" name="Content Placeholder 2"/>
           <p:cNvSpPr>
             <a:spLocks noGrp="1"/>
           </p:cNvSpPr>
@@ -2211,41 +4175,15 @@
         </p:nvSpPr>
         <p:spPr>
           <a:xfrm>
-            <a:off x="5183188" y="987425"/>
-            <a:ext cx="6172200" cy="4873625"/>
+            <a:off x="4760461" y="514924"/>
+            <a:ext cx="4513541" cy="5526437"/>
           </a:xfrm>
         </p:spPr>
         <p:txBody>
-          <a:bodyPr/>
-          <a:lstStyle>
-            <a:lvl1pPr>
-              <a:defRPr sz="3200"/>
-            </a:lvl1pPr>
-            <a:lvl2pPr>
-              <a:defRPr sz="2800"/>
-            </a:lvl2pPr>
-            <a:lvl3pPr>
-              <a:defRPr sz="2400"/>
-            </a:lvl3pPr>
-            <a:lvl4pPr>
-              <a:defRPr sz="2000"/>
-            </a:lvl4pPr>
-            <a:lvl5pPr>
-              <a:defRPr sz="2000"/>
-            </a:lvl5pPr>
-            <a:lvl6pPr>
-              <a:defRPr sz="2000"/>
-            </a:lvl6pPr>
-            <a:lvl7pPr>
-              <a:defRPr sz="2000"/>
-            </a:lvl7pPr>
-            <a:lvl8pPr>
-              <a:defRPr sz="2000"/>
-            </a:lvl8pPr>
-            <a:lvl9pPr>
-              <a:defRPr sz="2000"/>
-            </a:lvl9pPr>
-          </a:lstStyle>
+          <a:bodyPr>
+            <a:normAutofit/>
+          </a:bodyPr>
+          <a:lstStyle/>
           <a:p>
             <a:pPr lvl="0"/>
             <a:r>
@@ -2280,18 +4218,13 @@
               <a:rPr lang="en-US"/>
               <a:t>Fifth level</a:t>
             </a:r>
-          </a:p>
-        </p:txBody>
-      </p:sp>
-      <p:sp>
-        <p:nvSpPr>
-          <p:cNvPr id="4" name="Text Placeholder 3">
-            <a:extLst>
-              <a:ext uri="{FF2B5EF4-FFF2-40B4-BE49-F238E27FC236}">
-                <a16:creationId xmlns:a16="http://schemas.microsoft.com/office/drawing/2014/main" id="{D627CD10-DF10-4C9E-AEED-C2C870A31F6F}"/>
-              </a:ext>
-            </a:extLst>
-          </p:cNvPr>
+            <a:endParaRPr lang="en-US" dirty="0"/>
+          </a:p>
+        </p:txBody>
+      </p:sp>
+      <p:sp>
+        <p:nvSpPr>
+          <p:cNvPr id="4" name="Text Placeholder 3"/>
           <p:cNvSpPr>
             <a:spLocks noGrp="1"/>
           </p:cNvSpPr>
@@ -2301,46 +4234,48 @@
         </p:nvSpPr>
         <p:spPr>
           <a:xfrm>
-            <a:off x="839788" y="2057400"/>
-            <a:ext cx="3932237" cy="3811588"/>
+            <a:off x="677334" y="2777069"/>
+            <a:ext cx="3854528" cy="2584449"/>
           </a:xfrm>
         </p:spPr>
         <p:txBody>
-          <a:bodyPr/>
+          <a:bodyPr>
+            <a:normAutofit/>
+          </a:bodyPr>
           <a:lstStyle>
             <a:lvl1pPr marL="0" indent="0">
               <a:buNone/>
-              <a:defRPr sz="1600"/>
+              <a:defRPr sz="1400"/>
             </a:lvl1pPr>
-            <a:lvl2pPr marL="457200" indent="0">
+            <a:lvl2pPr marL="457063" indent="0">
               <a:buNone/>
               <a:defRPr sz="1400"/>
             </a:lvl2pPr>
-            <a:lvl3pPr marL="914400" indent="0">
+            <a:lvl3pPr marL="914126" indent="0">
               <a:buNone/>
               <a:defRPr sz="1200"/>
             </a:lvl3pPr>
-            <a:lvl4pPr marL="1371600" indent="0">
+            <a:lvl4pPr marL="1371189" indent="0">
               <a:buNone/>
               <a:defRPr sz="1000"/>
             </a:lvl4pPr>
-            <a:lvl5pPr marL="1828800" indent="0">
+            <a:lvl5pPr marL="1828251" indent="0">
               <a:buNone/>
               <a:defRPr sz="1000"/>
             </a:lvl5pPr>
-            <a:lvl6pPr marL="2286000" indent="0">
+            <a:lvl6pPr marL="2285314" indent="0">
               <a:buNone/>
               <a:defRPr sz="1000"/>
             </a:lvl6pPr>
-            <a:lvl7pPr marL="2743200" indent="0">
+            <a:lvl7pPr marL="2742377" indent="0">
               <a:buNone/>
               <a:defRPr sz="1000"/>
             </a:lvl7pPr>
-            <a:lvl8pPr marL="3200400" indent="0">
+            <a:lvl8pPr marL="3199440" indent="0">
               <a:buNone/>
               <a:defRPr sz="1000"/>
             </a:lvl8pPr>
-            <a:lvl9pPr marL="3657600" indent="0">
+            <a:lvl9pPr marL="3656503" indent="0">
               <a:buNone/>
               <a:defRPr sz="1000"/>
             </a:lvl9pPr>
@@ -2356,13 +4291,7 @@
       </p:sp>
       <p:sp>
         <p:nvSpPr>
-          <p:cNvPr id="5" name="Date Placeholder 4">
-            <a:extLst>
-              <a:ext uri="{FF2B5EF4-FFF2-40B4-BE49-F238E27FC236}">
-                <a16:creationId xmlns:a16="http://schemas.microsoft.com/office/drawing/2014/main" id="{06D51930-5D79-4E91-80AD-46B3AFD45B06}"/>
-              </a:ext>
-            </a:extLst>
-          </p:cNvPr>
+          <p:cNvPr id="5" name="Date Placeholder 4"/>
           <p:cNvSpPr>
             <a:spLocks noGrp="1"/>
           </p:cNvSpPr>
@@ -2385,13 +4314,7 @@
       </p:sp>
       <p:sp>
         <p:nvSpPr>
-          <p:cNvPr id="6" name="Footer Placeholder 5">
-            <a:extLst>
-              <a:ext uri="{FF2B5EF4-FFF2-40B4-BE49-F238E27FC236}">
-                <a16:creationId xmlns:a16="http://schemas.microsoft.com/office/drawing/2014/main" id="{7ED492AD-E48E-450A-B41F-6F8EE724513E}"/>
-              </a:ext>
-            </a:extLst>
-          </p:cNvPr>
+          <p:cNvPr id="6" name="Footer Placeholder 5"/>
           <p:cNvSpPr>
             <a:spLocks noGrp="1"/>
           </p:cNvSpPr>
@@ -2410,13 +4333,7 @@
       </p:sp>
       <p:sp>
         <p:nvSpPr>
-          <p:cNvPr id="7" name="Slide Number Placeholder 6">
-            <a:extLst>
-              <a:ext uri="{FF2B5EF4-FFF2-40B4-BE49-F238E27FC236}">
-                <a16:creationId xmlns:a16="http://schemas.microsoft.com/office/drawing/2014/main" id="{2E7FF9D9-79B9-4B43-ADEC-1C510C3BB31B}"/>
-              </a:ext>
-            </a:extLst>
-          </p:cNvPr>
+          <p:cNvPr id="7" name="Slide Number Placeholder 6"/>
           <p:cNvSpPr>
             <a:spLocks noGrp="1"/>
           </p:cNvSpPr>
@@ -2440,7 +4357,7 @@
     </p:spTree>
     <p:extLst>
       <p:ext uri="{BB962C8B-B14F-4D97-AF65-F5344CB8AC3E}">
-        <p14:creationId xmlns:p14="http://schemas.microsoft.com/office/powerpoint/2010/main" val="768601172"/>
+        <p14:creationId xmlns:p14="http://schemas.microsoft.com/office/powerpoint/2010/main" val="4222849719"/>
       </p:ext>
     </p:extLst>
   </p:cSld>
@@ -2469,13 +4386,7 @@
       </p:grpSpPr>
       <p:sp>
         <p:nvSpPr>
-          <p:cNvPr id="2" name="Title 1">
-            <a:extLst>
-              <a:ext uri="{FF2B5EF4-FFF2-40B4-BE49-F238E27FC236}">
-                <a16:creationId xmlns:a16="http://schemas.microsoft.com/office/drawing/2014/main" id="{25E04E0B-8510-4F11-87D3-F3AF0A356812}"/>
-              </a:ext>
-            </a:extLst>
-          </p:cNvPr>
+          <p:cNvPr id="2" name="Title 1"/>
           <p:cNvSpPr>
             <a:spLocks noGrp="1"/>
           </p:cNvSpPr>
@@ -2485,15 +4396,17 @@
         </p:nvSpPr>
         <p:spPr>
           <a:xfrm>
-            <a:off x="839788" y="457200"/>
-            <a:ext cx="3932237" cy="1600200"/>
+            <a:off x="677334" y="4800600"/>
+            <a:ext cx="8596667" cy="566738"/>
           </a:xfrm>
         </p:spPr>
         <p:txBody>
-          <a:bodyPr anchor="b"/>
+          <a:bodyPr anchor="b">
+            <a:normAutofit/>
+          </a:bodyPr>
           <a:lstStyle>
-            <a:lvl1pPr>
-              <a:defRPr sz="3200"/>
+            <a:lvl1pPr algn="l">
+              <a:defRPr sz="2400" b="0"/>
             </a:lvl1pPr>
           </a:lstStyle>
           <a:p>
@@ -2501,20 +4414,15 @@
               <a:rPr lang="en-US"/>
               <a:t>Click to edit Master title style</a:t>
             </a:r>
-          </a:p>
-        </p:txBody>
-      </p:sp>
-      <p:sp>
-        <p:nvSpPr>
-          <p:cNvPr id="3" name="Picture Placeholder 2">
-            <a:extLst>
-              <a:ext uri="{FF2B5EF4-FFF2-40B4-BE49-F238E27FC236}">
-                <a16:creationId xmlns:a16="http://schemas.microsoft.com/office/drawing/2014/main" id="{7DB2A398-81EA-4123-9D0D-56D83FD87CC3}"/>
-              </a:ext>
-            </a:extLst>
-          </p:cNvPr>
-          <p:cNvSpPr>
-            <a:spLocks noGrp="1"/>
+            <a:endParaRPr lang="en-US" dirty="0"/>
+          </a:p>
+        </p:txBody>
+      </p:sp>
+      <p:sp>
+        <p:nvSpPr>
+          <p:cNvPr id="3" name="Picture Placeholder 2"/>
+          <p:cNvSpPr>
+            <a:spLocks noGrp="1" noChangeAspect="1"/>
           </p:cNvSpPr>
           <p:nvPr>
             <p:ph type="pic" idx="1"/>
@@ -2522,118 +4430,120 @@
         </p:nvSpPr>
         <p:spPr>
           <a:xfrm>
-            <a:off x="5183188" y="987425"/>
-            <a:ext cx="6172200" cy="4873625"/>
+            <a:off x="677334" y="609600"/>
+            <a:ext cx="8596668" cy="3845718"/>
           </a:xfrm>
         </p:spPr>
         <p:txBody>
-          <a:bodyPr/>
+          <a:bodyPr anchor="t">
+            <a:normAutofit/>
+          </a:bodyPr>
           <a:lstStyle>
-            <a:lvl1pPr marL="0" indent="0">
-              <a:buNone/>
-              <a:defRPr sz="3200"/>
-            </a:lvl1pPr>
-            <a:lvl2pPr marL="457200" indent="0">
-              <a:buNone/>
-              <a:defRPr sz="2800"/>
-            </a:lvl2pPr>
-            <a:lvl3pPr marL="914400" indent="0">
-              <a:buNone/>
-              <a:defRPr sz="2400"/>
-            </a:lvl3pPr>
-            <a:lvl4pPr marL="1371600" indent="0">
-              <a:buNone/>
-              <a:defRPr sz="2000"/>
-            </a:lvl4pPr>
-            <a:lvl5pPr marL="1828800" indent="0">
-              <a:buNone/>
-              <a:defRPr sz="2000"/>
-            </a:lvl5pPr>
-            <a:lvl6pPr marL="2286000" indent="0">
-              <a:buNone/>
-              <a:defRPr sz="2000"/>
-            </a:lvl6pPr>
-            <a:lvl7pPr marL="2743200" indent="0">
-              <a:buNone/>
-              <a:defRPr sz="2000"/>
-            </a:lvl7pPr>
-            <a:lvl8pPr marL="3200400" indent="0">
-              <a:buNone/>
-              <a:defRPr sz="2000"/>
-            </a:lvl8pPr>
-            <a:lvl9pPr marL="3657600" indent="0">
-              <a:buNone/>
-              <a:defRPr sz="2000"/>
-            </a:lvl9pPr>
-          </a:lstStyle>
-          <a:p>
-            <a:endParaRPr lang="en-US"/>
-          </a:p>
-        </p:txBody>
-      </p:sp>
-      <p:sp>
-        <p:nvSpPr>
-          <p:cNvPr id="4" name="Text Placeholder 3">
-            <a:extLst>
-              <a:ext uri="{FF2B5EF4-FFF2-40B4-BE49-F238E27FC236}">
-                <a16:creationId xmlns:a16="http://schemas.microsoft.com/office/drawing/2014/main" id="{14AC5ADA-DCCC-4492-A2E5-04AA5F4D626E}"/>
-              </a:ext>
-            </a:extLst>
-          </p:cNvPr>
-          <p:cNvSpPr>
-            <a:spLocks noGrp="1"/>
-          </p:cNvSpPr>
-          <p:nvPr>
-            <p:ph type="body" sz="half" idx="2"/>
-          </p:nvPr>
-        </p:nvSpPr>
-        <p:spPr>
-          <a:xfrm>
-            <a:off x="839788" y="2057400"/>
-            <a:ext cx="3932237" cy="3811588"/>
-          </a:xfrm>
-        </p:spPr>
-        <p:txBody>
-          <a:bodyPr/>
-          <a:lstStyle>
-            <a:lvl1pPr marL="0" indent="0">
+            <a:lvl1pPr marL="0" indent="0" algn="ctr">
               <a:buNone/>
               <a:defRPr sz="1600"/>
             </a:lvl1pPr>
             <a:lvl2pPr marL="457200" indent="0">
               <a:buNone/>
-              <a:defRPr sz="1400"/>
+              <a:defRPr sz="1600"/>
             </a:lvl2pPr>
             <a:lvl3pPr marL="914400" indent="0">
               <a:buNone/>
-              <a:defRPr sz="1200"/>
+              <a:defRPr sz="1600"/>
             </a:lvl3pPr>
             <a:lvl4pPr marL="1371600" indent="0">
               <a:buNone/>
-              <a:defRPr sz="1000"/>
+              <a:defRPr sz="1600"/>
             </a:lvl4pPr>
             <a:lvl5pPr marL="1828800" indent="0">
               <a:buNone/>
-              <a:defRPr sz="1000"/>
+              <a:defRPr sz="1600"/>
             </a:lvl5pPr>
             <a:lvl6pPr marL="2286000" indent="0">
               <a:buNone/>
-              <a:defRPr sz="1000"/>
+              <a:defRPr sz="1600"/>
             </a:lvl6pPr>
             <a:lvl7pPr marL="2743200" indent="0">
               <a:buNone/>
-              <a:defRPr sz="1000"/>
+              <a:defRPr sz="1600"/>
             </a:lvl7pPr>
             <a:lvl8pPr marL="3200400" indent="0">
               <a:buNone/>
-              <a:defRPr sz="1000"/>
+              <a:defRPr sz="1600"/>
             </a:lvl8pPr>
             <a:lvl9pPr marL="3657600" indent="0">
               <a:buNone/>
-              <a:defRPr sz="1000"/>
+              <a:defRPr sz="1600"/>
             </a:lvl9pPr>
           </a:lstStyle>
           <a:p>
+            <a:r>
+              <a:rPr lang="en-US"/>
+              <a:t>Click icon to add picture</a:t>
+            </a:r>
+            <a:endParaRPr lang="en-US" dirty="0"/>
+          </a:p>
+        </p:txBody>
+      </p:sp>
+      <p:sp>
+        <p:nvSpPr>
+          <p:cNvPr id="4" name="Text Placeholder 3"/>
+          <p:cNvSpPr>
+            <a:spLocks noGrp="1"/>
+          </p:cNvSpPr>
+          <p:nvPr>
+            <p:ph type="body" sz="half" idx="2"/>
+          </p:nvPr>
+        </p:nvSpPr>
+        <p:spPr>
+          <a:xfrm>
+            <a:off x="677334" y="5367338"/>
+            <a:ext cx="8596667" cy="674024"/>
+          </a:xfrm>
+        </p:spPr>
+        <p:txBody>
+          <a:bodyPr>
+            <a:normAutofit/>
+          </a:bodyPr>
+          <a:lstStyle>
+            <a:lvl1pPr marL="0" indent="0">
+              <a:buNone/>
+              <a:defRPr sz="1200"/>
+            </a:lvl1pPr>
+            <a:lvl2pPr marL="457200" indent="0">
+              <a:buNone/>
+              <a:defRPr sz="1200"/>
+            </a:lvl2pPr>
+            <a:lvl3pPr marL="914400" indent="0">
+              <a:buNone/>
+              <a:defRPr sz="1000"/>
+            </a:lvl3pPr>
+            <a:lvl4pPr marL="1371600" indent="0">
+              <a:buNone/>
+              <a:defRPr sz="900"/>
+            </a:lvl4pPr>
+            <a:lvl5pPr marL="1828800" indent="0">
+              <a:buNone/>
+              <a:defRPr sz="900"/>
+            </a:lvl5pPr>
+            <a:lvl6pPr marL="2286000" indent="0">
+              <a:buNone/>
+              <a:defRPr sz="900"/>
+            </a:lvl6pPr>
+            <a:lvl7pPr marL="2743200" indent="0">
+              <a:buNone/>
+              <a:defRPr sz="900"/>
+            </a:lvl7pPr>
+            <a:lvl8pPr marL="3200400" indent="0">
+              <a:buNone/>
+              <a:defRPr sz="900"/>
+            </a:lvl8pPr>
+            <a:lvl9pPr marL="3657600" indent="0">
+              <a:buNone/>
+              <a:defRPr sz="900"/>
+            </a:lvl9pPr>
+          </a:lstStyle>
+          <a:p>
             <a:pPr lvl="0"/>
             <a:r>
               <a:rPr lang="en-US"/>
@@ -2644,13 +4554,7 @@
       </p:sp>
       <p:sp>
         <p:nvSpPr>
-          <p:cNvPr id="5" name="Date Placeholder 4">
-            <a:extLst>
-              <a:ext uri="{FF2B5EF4-FFF2-40B4-BE49-F238E27FC236}">
-                <a16:creationId xmlns:a16="http://schemas.microsoft.com/office/drawing/2014/main" id="{3EF0C0AD-C0F0-4A1E-8EB1-A576C522C504}"/>
-              </a:ext>
-            </a:extLst>
-          </p:cNvPr>
+          <p:cNvPr id="5" name="Date Placeholder 4"/>
           <p:cNvSpPr>
             <a:spLocks noGrp="1"/>
           </p:cNvSpPr>
@@ -2673,13 +4577,7 @@
       </p:sp>
       <p:sp>
         <p:nvSpPr>
-          <p:cNvPr id="6" name="Footer Placeholder 5">
-            <a:extLst>
-              <a:ext uri="{FF2B5EF4-FFF2-40B4-BE49-F238E27FC236}">
-                <a16:creationId xmlns:a16="http://schemas.microsoft.com/office/drawing/2014/main" id="{1A91C86B-7F2C-4447-9BE9-982339411AA7}"/>
-              </a:ext>
-            </a:extLst>
-          </p:cNvPr>
+          <p:cNvPr id="6" name="Footer Placeholder 5"/>
           <p:cNvSpPr>
             <a:spLocks noGrp="1"/>
           </p:cNvSpPr>
@@ -2698,13 +4596,7 @@
       </p:sp>
       <p:sp>
         <p:nvSpPr>
-          <p:cNvPr id="7" name="Slide Number Placeholder 6">
-            <a:extLst>
-              <a:ext uri="{FF2B5EF4-FFF2-40B4-BE49-F238E27FC236}">
-                <a16:creationId xmlns:a16="http://schemas.microsoft.com/office/drawing/2014/main" id="{F94C0F6D-2AE6-42DD-9AAE-DC5BE3B23B60}"/>
-              </a:ext>
-            </a:extLst>
-          </p:cNvPr>
+          <p:cNvPr id="7" name="Slide Number Placeholder 6"/>
           <p:cNvSpPr>
             <a:spLocks noGrp="1"/>
           </p:cNvSpPr>
@@ -2728,7 +4620,7 @@
     </p:spTree>
     <p:extLst>
       <p:ext uri="{BB962C8B-B14F-4D97-AF65-F5344CB8AC3E}">
-        <p14:creationId xmlns:p14="http://schemas.microsoft.com/office/powerpoint/2010/main" val="1033847067"/>
+        <p14:creationId xmlns:p14="http://schemas.microsoft.com/office/powerpoint/2010/main" val="453459372"/>
       </p:ext>
     </p:extLst>
   </p:cSld>
@@ -2760,15 +4652,539 @@
           <a:chExt cx="0" cy="0"/>
         </a:xfrm>
       </p:grpSpPr>
-      <p:sp>
-        <p:nvSpPr>
-          <p:cNvPr id="2" name="Title Placeholder 1">
-            <a:extLst>
-              <a:ext uri="{FF2B5EF4-FFF2-40B4-BE49-F238E27FC236}">
-                <a16:creationId xmlns:a16="http://schemas.microsoft.com/office/drawing/2014/main" id="{481869A4-08E5-4B91-8050-AFF300565ED9}"/>
-              </a:ext>
-            </a:extLst>
-          </p:cNvPr>
+      <p:grpSp>
+        <p:nvGrpSpPr>
+          <p:cNvPr id="7" name="Group 6"/>
+          <p:cNvGrpSpPr/>
+          <p:nvPr/>
+        </p:nvGrpSpPr>
+        <p:grpSpPr>
+          <a:xfrm>
+            <a:off x="0" y="-8467"/>
+            <a:ext cx="12192000" cy="6866467"/>
+            <a:chOff x="0" y="-8467"/>
+            <a:chExt cx="12192000" cy="6866467"/>
+          </a:xfrm>
+        </p:grpSpPr>
+        <p:cxnSp>
+          <p:nvCxnSpPr>
+            <p:cNvPr id="20" name="Straight Connector 19"/>
+            <p:cNvCxnSpPr/>
+            <p:nvPr/>
+          </p:nvCxnSpPr>
+          <p:spPr>
+            <a:xfrm>
+              <a:off x="9371012" y="0"/>
+              <a:ext cx="1219200" cy="6858000"/>
+            </a:xfrm>
+            <a:prstGeom prst="line">
+              <a:avLst/>
+            </a:prstGeom>
+            <a:ln w="9525">
+              <a:solidFill>
+                <a:schemeClr val="bg1">
+                  <a:lumMod val="75000"/>
+                </a:schemeClr>
+              </a:solidFill>
+            </a:ln>
+          </p:spPr>
+          <p:style>
+            <a:lnRef idx="2">
+              <a:schemeClr val="accent1"/>
+            </a:lnRef>
+            <a:fillRef idx="0">
+              <a:schemeClr val="accent1"/>
+            </a:fillRef>
+            <a:effectRef idx="1">
+              <a:schemeClr val="accent1"/>
+            </a:effectRef>
+            <a:fontRef idx="minor">
+              <a:schemeClr val="tx1"/>
+            </a:fontRef>
+          </p:style>
+        </p:cxnSp>
+        <p:cxnSp>
+          <p:nvCxnSpPr>
+            <p:cNvPr id="21" name="Straight Connector 20"/>
+            <p:cNvCxnSpPr/>
+            <p:nvPr/>
+          </p:nvCxnSpPr>
+          <p:spPr>
+            <a:xfrm flipH="1">
+              <a:off x="7425267" y="3681413"/>
+              <a:ext cx="4763558" cy="3176587"/>
+            </a:xfrm>
+            <a:prstGeom prst="line">
+              <a:avLst/>
+            </a:prstGeom>
+            <a:ln w="9525">
+              <a:solidFill>
+                <a:schemeClr val="bg1">
+                  <a:lumMod val="85000"/>
+                </a:schemeClr>
+              </a:solidFill>
+            </a:ln>
+          </p:spPr>
+          <p:style>
+            <a:lnRef idx="2">
+              <a:schemeClr val="accent1"/>
+            </a:lnRef>
+            <a:fillRef idx="0">
+              <a:schemeClr val="accent1"/>
+            </a:fillRef>
+            <a:effectRef idx="1">
+              <a:schemeClr val="accent1"/>
+            </a:effectRef>
+            <a:fontRef idx="minor">
+              <a:schemeClr val="tx1"/>
+            </a:fontRef>
+          </p:style>
+        </p:cxnSp>
+        <p:sp>
+          <p:nvSpPr>
+            <p:cNvPr id="22" name="Rectangle 23"/>
+            <p:cNvSpPr/>
+            <p:nvPr/>
+          </p:nvSpPr>
+          <p:spPr>
+            <a:xfrm>
+              <a:off x="9181476" y="-8467"/>
+              <a:ext cx="3007349" cy="6866467"/>
+            </a:xfrm>
+            <a:custGeom>
+              <a:avLst/>
+              <a:gdLst/>
+              <a:ahLst/>
+              <a:cxnLst/>
+              <a:rect l="l" t="t" r="r" b="b"/>
+              <a:pathLst>
+                <a:path w="3007349" h="6866467">
+                  <a:moveTo>
+                    <a:pt x="2045532" y="0"/>
+                  </a:moveTo>
+                  <a:lnTo>
+                    <a:pt x="3007349" y="0"/>
+                  </a:lnTo>
+                  <a:lnTo>
+                    <a:pt x="3007349" y="6866467"/>
+                  </a:lnTo>
+                  <a:lnTo>
+                    <a:pt x="0" y="6866467"/>
+                  </a:lnTo>
+                  <a:lnTo>
+                    <a:pt x="2045532" y="0"/>
+                  </a:lnTo>
+                  <a:close/>
+                </a:path>
+              </a:pathLst>
+            </a:custGeom>
+            <a:solidFill>
+              <a:schemeClr val="accent1">
+                <a:alpha val="30000"/>
+              </a:schemeClr>
+            </a:solidFill>
+            <a:ln>
+              <a:noFill/>
+            </a:ln>
+            <a:effectLst/>
+          </p:spPr>
+          <p:style>
+            <a:lnRef idx="1">
+              <a:schemeClr val="accent1"/>
+            </a:lnRef>
+            <a:fillRef idx="3">
+              <a:schemeClr val="accent1"/>
+            </a:fillRef>
+            <a:effectRef idx="2">
+              <a:schemeClr val="accent1"/>
+            </a:effectRef>
+            <a:fontRef idx="minor">
+              <a:schemeClr val="lt1"/>
+            </a:fontRef>
+          </p:style>
+        </p:sp>
+        <p:sp>
+          <p:nvSpPr>
+            <p:cNvPr id="23" name="Rectangle 25"/>
+            <p:cNvSpPr/>
+            <p:nvPr/>
+          </p:nvSpPr>
+          <p:spPr>
+            <a:xfrm>
+              <a:off x="9603442" y="-8467"/>
+              <a:ext cx="2588558" cy="6866467"/>
+            </a:xfrm>
+            <a:custGeom>
+              <a:avLst/>
+              <a:gdLst/>
+              <a:ahLst/>
+              <a:cxnLst/>
+              <a:rect l="l" t="t" r="r" b="b"/>
+              <a:pathLst>
+                <a:path w="2573311" h="6866467">
+                  <a:moveTo>
+                    <a:pt x="0" y="0"/>
+                  </a:moveTo>
+                  <a:lnTo>
+                    <a:pt x="2573311" y="0"/>
+                  </a:lnTo>
+                  <a:lnTo>
+                    <a:pt x="2573311" y="6866467"/>
+                  </a:lnTo>
+                  <a:lnTo>
+                    <a:pt x="1202336" y="6866467"/>
+                  </a:lnTo>
+                  <a:lnTo>
+                    <a:pt x="0" y="0"/>
+                  </a:lnTo>
+                  <a:close/>
+                </a:path>
+              </a:pathLst>
+            </a:custGeom>
+            <a:solidFill>
+              <a:schemeClr val="accent1">
+                <a:alpha val="20000"/>
+              </a:schemeClr>
+            </a:solidFill>
+            <a:ln>
+              <a:noFill/>
+            </a:ln>
+            <a:effectLst/>
+          </p:spPr>
+          <p:style>
+            <a:lnRef idx="1">
+              <a:schemeClr val="accent1"/>
+            </a:lnRef>
+            <a:fillRef idx="3">
+              <a:schemeClr val="accent1"/>
+            </a:fillRef>
+            <a:effectRef idx="2">
+              <a:schemeClr val="accent1"/>
+            </a:effectRef>
+            <a:fontRef idx="minor">
+              <a:schemeClr val="lt1"/>
+            </a:fontRef>
+          </p:style>
+        </p:sp>
+        <p:sp>
+          <p:nvSpPr>
+            <p:cNvPr id="24" name="Isosceles Triangle 23"/>
+            <p:cNvSpPr/>
+            <p:nvPr/>
+          </p:nvSpPr>
+          <p:spPr>
+            <a:xfrm>
+              <a:off x="8932333" y="3048000"/>
+              <a:ext cx="3259667" cy="3810000"/>
+            </a:xfrm>
+            <a:prstGeom prst="triangle">
+              <a:avLst>
+                <a:gd name="adj" fmla="val 100000"/>
+              </a:avLst>
+            </a:prstGeom>
+            <a:solidFill>
+              <a:schemeClr val="accent2">
+                <a:alpha val="72000"/>
+              </a:schemeClr>
+            </a:solidFill>
+            <a:ln>
+              <a:noFill/>
+            </a:ln>
+            <a:effectLst/>
+          </p:spPr>
+          <p:style>
+            <a:lnRef idx="1">
+              <a:schemeClr val="accent1"/>
+            </a:lnRef>
+            <a:fillRef idx="3">
+              <a:schemeClr val="accent1"/>
+            </a:fillRef>
+            <a:effectRef idx="2">
+              <a:schemeClr val="accent1"/>
+            </a:effectRef>
+            <a:fontRef idx="minor">
+              <a:schemeClr val="lt1"/>
+            </a:fontRef>
+          </p:style>
+        </p:sp>
+        <p:sp>
+          <p:nvSpPr>
+            <p:cNvPr id="25" name="Rectangle 27"/>
+            <p:cNvSpPr/>
+            <p:nvPr/>
+          </p:nvSpPr>
+          <p:spPr>
+            <a:xfrm>
+              <a:off x="9334500" y="-8467"/>
+              <a:ext cx="2854326" cy="6866467"/>
+            </a:xfrm>
+            <a:custGeom>
+              <a:avLst/>
+              <a:gdLst/>
+              <a:ahLst/>
+              <a:cxnLst/>
+              <a:rect l="l" t="t" r="r" b="b"/>
+              <a:pathLst>
+                <a:path w="2858013" h="6866467">
+                  <a:moveTo>
+                    <a:pt x="0" y="0"/>
+                  </a:moveTo>
+                  <a:lnTo>
+                    <a:pt x="2858013" y="0"/>
+                  </a:lnTo>
+                  <a:lnTo>
+                    <a:pt x="2858013" y="6866467"/>
+                  </a:lnTo>
+                  <a:lnTo>
+                    <a:pt x="2473942" y="6866467"/>
+                  </a:lnTo>
+                  <a:lnTo>
+                    <a:pt x="0" y="0"/>
+                  </a:lnTo>
+                  <a:close/>
+                </a:path>
+              </a:pathLst>
+            </a:custGeom>
+            <a:solidFill>
+              <a:schemeClr val="accent2">
+                <a:lumMod val="75000"/>
+                <a:alpha val="70000"/>
+              </a:schemeClr>
+            </a:solidFill>
+            <a:ln>
+              <a:noFill/>
+            </a:ln>
+            <a:effectLst/>
+          </p:spPr>
+          <p:style>
+            <a:lnRef idx="1">
+              <a:schemeClr val="accent1"/>
+            </a:lnRef>
+            <a:fillRef idx="3">
+              <a:schemeClr val="accent1"/>
+            </a:fillRef>
+            <a:effectRef idx="2">
+              <a:schemeClr val="accent1"/>
+            </a:effectRef>
+            <a:fontRef idx="minor">
+              <a:schemeClr val="lt1"/>
+            </a:fontRef>
+          </p:style>
+        </p:sp>
+        <p:sp>
+          <p:nvSpPr>
+            <p:cNvPr id="26" name="Rectangle 28"/>
+            <p:cNvSpPr/>
+            <p:nvPr/>
+          </p:nvSpPr>
+          <p:spPr>
+            <a:xfrm>
+              <a:off x="10898730" y="-8467"/>
+              <a:ext cx="1290094" cy="6866467"/>
+            </a:xfrm>
+            <a:custGeom>
+              <a:avLst/>
+              <a:gdLst/>
+              <a:ahLst/>
+              <a:cxnLst/>
+              <a:rect l="l" t="t" r="r" b="b"/>
+              <a:pathLst>
+                <a:path w="1290094" h="6858000">
+                  <a:moveTo>
+                    <a:pt x="1019735" y="0"/>
+                  </a:moveTo>
+                  <a:lnTo>
+                    <a:pt x="1290094" y="0"/>
+                  </a:lnTo>
+                  <a:lnTo>
+                    <a:pt x="1290094" y="6858000"/>
+                  </a:lnTo>
+                  <a:lnTo>
+                    <a:pt x="0" y="6858000"/>
+                  </a:lnTo>
+                  <a:lnTo>
+                    <a:pt x="1019735" y="0"/>
+                  </a:lnTo>
+                  <a:close/>
+                </a:path>
+              </a:pathLst>
+            </a:custGeom>
+            <a:solidFill>
+              <a:schemeClr val="accent1">
+                <a:lumMod val="60000"/>
+                <a:lumOff val="40000"/>
+                <a:alpha val="70000"/>
+              </a:schemeClr>
+            </a:solidFill>
+            <a:ln>
+              <a:noFill/>
+            </a:ln>
+            <a:effectLst/>
+          </p:spPr>
+          <p:style>
+            <a:lnRef idx="1">
+              <a:schemeClr val="accent1"/>
+            </a:lnRef>
+            <a:fillRef idx="3">
+              <a:schemeClr val="accent1"/>
+            </a:fillRef>
+            <a:effectRef idx="2">
+              <a:schemeClr val="accent1"/>
+            </a:effectRef>
+            <a:fontRef idx="minor">
+              <a:schemeClr val="lt1"/>
+            </a:fontRef>
+          </p:style>
+        </p:sp>
+        <p:sp>
+          <p:nvSpPr>
+            <p:cNvPr id="27" name="Rectangle 29"/>
+            <p:cNvSpPr/>
+            <p:nvPr/>
+          </p:nvSpPr>
+          <p:spPr>
+            <a:xfrm>
+              <a:off x="10938999" y="-8467"/>
+              <a:ext cx="1249825" cy="6866467"/>
+            </a:xfrm>
+            <a:custGeom>
+              <a:avLst/>
+              <a:gdLst/>
+              <a:ahLst/>
+              <a:cxnLst/>
+              <a:rect l="l" t="t" r="r" b="b"/>
+              <a:pathLst>
+                <a:path w="1249825" h="6858000">
+                  <a:moveTo>
+                    <a:pt x="0" y="0"/>
+                  </a:moveTo>
+                  <a:lnTo>
+                    <a:pt x="1249825" y="0"/>
+                  </a:lnTo>
+                  <a:lnTo>
+                    <a:pt x="1249825" y="6858000"/>
+                  </a:lnTo>
+                  <a:lnTo>
+                    <a:pt x="1109382" y="6858000"/>
+                  </a:lnTo>
+                  <a:lnTo>
+                    <a:pt x="0" y="0"/>
+                  </a:lnTo>
+                  <a:close/>
+                </a:path>
+              </a:pathLst>
+            </a:custGeom>
+            <a:solidFill>
+              <a:schemeClr val="accent1">
+                <a:alpha val="65000"/>
+              </a:schemeClr>
+            </a:solidFill>
+            <a:ln>
+              <a:noFill/>
+            </a:ln>
+            <a:effectLst/>
+          </p:spPr>
+          <p:style>
+            <a:lnRef idx="1">
+              <a:schemeClr val="accent1"/>
+            </a:lnRef>
+            <a:fillRef idx="3">
+              <a:schemeClr val="accent1"/>
+            </a:fillRef>
+            <a:effectRef idx="2">
+              <a:schemeClr val="accent1"/>
+            </a:effectRef>
+            <a:fontRef idx="minor">
+              <a:schemeClr val="lt1"/>
+            </a:fontRef>
+          </p:style>
+        </p:sp>
+        <p:sp>
+          <p:nvSpPr>
+            <p:cNvPr id="28" name="Isosceles Triangle 27"/>
+            <p:cNvSpPr/>
+            <p:nvPr/>
+          </p:nvSpPr>
+          <p:spPr>
+            <a:xfrm>
+              <a:off x="10371666" y="3589867"/>
+              <a:ext cx="1817159" cy="3268133"/>
+            </a:xfrm>
+            <a:prstGeom prst="triangle">
+              <a:avLst>
+                <a:gd name="adj" fmla="val 100000"/>
+              </a:avLst>
+            </a:prstGeom>
+            <a:solidFill>
+              <a:schemeClr val="accent1">
+                <a:alpha val="80000"/>
+              </a:schemeClr>
+            </a:solidFill>
+            <a:ln>
+              <a:noFill/>
+            </a:ln>
+            <a:effectLst/>
+          </p:spPr>
+          <p:style>
+            <a:lnRef idx="1">
+              <a:schemeClr val="accent1"/>
+            </a:lnRef>
+            <a:fillRef idx="3">
+              <a:schemeClr val="accent1"/>
+            </a:fillRef>
+            <a:effectRef idx="2">
+              <a:schemeClr val="accent1"/>
+            </a:effectRef>
+            <a:fontRef idx="minor">
+              <a:schemeClr val="lt1"/>
+            </a:fontRef>
+          </p:style>
+        </p:sp>
+        <p:sp>
+          <p:nvSpPr>
+            <p:cNvPr id="29" name="Isosceles Triangle 28"/>
+            <p:cNvSpPr/>
+            <p:nvPr/>
+          </p:nvSpPr>
+          <p:spPr>
+            <a:xfrm>
+              <a:off x="0" y="4013200"/>
+              <a:ext cx="448733" cy="2844800"/>
+            </a:xfrm>
+            <a:prstGeom prst="triangle">
+              <a:avLst>
+                <a:gd name="adj" fmla="val 0"/>
+              </a:avLst>
+            </a:prstGeom>
+            <a:solidFill>
+              <a:schemeClr val="accent1">
+                <a:alpha val="85000"/>
+              </a:schemeClr>
+            </a:solidFill>
+            <a:ln>
+              <a:noFill/>
+            </a:ln>
+            <a:effectLst/>
+          </p:spPr>
+          <p:style>
+            <a:lnRef idx="1">
+              <a:schemeClr val="accent1"/>
+            </a:lnRef>
+            <a:fillRef idx="3">
+              <a:schemeClr val="accent1"/>
+            </a:fillRef>
+            <a:effectRef idx="2">
+              <a:schemeClr val="accent1"/>
+            </a:effectRef>
+            <a:fontRef idx="minor">
+              <a:schemeClr val="lt1"/>
+            </a:fontRef>
+          </p:style>
+        </p:sp>
+      </p:grpSp>
+      <p:sp>
+        <p:nvSpPr>
+          <p:cNvPr id="2" name="Title Placeholder 1"/>
           <p:cNvSpPr>
             <a:spLocks noGrp="1"/>
           </p:cNvSpPr>
@@ -2778,15 +5194,15 @@
         </p:nvSpPr>
         <p:spPr>
           <a:xfrm>
-            <a:off x="838200" y="365125"/>
-            <a:ext cx="10515600" cy="1325563"/>
+            <a:off x="677334" y="609600"/>
+            <a:ext cx="8596668" cy="1320800"/>
           </a:xfrm>
           <a:prstGeom prst="rect">
             <a:avLst/>
           </a:prstGeom>
         </p:spPr>
         <p:txBody>
-          <a:bodyPr vert="horz" lIns="91440" tIns="45720" rIns="91440" bIns="45720" rtlCol="0" anchor="ctr">
+          <a:bodyPr vert="horz" lIns="91440" tIns="45720" rIns="91440" bIns="45720" rtlCol="0" anchor="t">
             <a:normAutofit/>
           </a:bodyPr>
           <a:lstStyle/>
@@ -2795,18 +5211,13 @@
               <a:rPr lang="en-US"/>
               <a:t>Click to edit Master title style</a:t>
             </a:r>
-          </a:p>
-        </p:txBody>
-      </p:sp>
-      <p:sp>
-        <p:nvSpPr>
-          <p:cNvPr id="3" name="Text Placeholder 2">
-            <a:extLst>
-              <a:ext uri="{FF2B5EF4-FFF2-40B4-BE49-F238E27FC236}">
-                <a16:creationId xmlns:a16="http://schemas.microsoft.com/office/drawing/2014/main" id="{1322FF7D-2340-4E27-96D9-39B443F77FDB}"/>
-              </a:ext>
-            </a:extLst>
-          </p:cNvPr>
+            <a:endParaRPr lang="en-US" dirty="0"/>
+          </a:p>
+        </p:txBody>
+      </p:sp>
+      <p:sp>
+        <p:nvSpPr>
+          <p:cNvPr id="3" name="Text Placeholder 2"/>
           <p:cNvSpPr>
             <a:spLocks noGrp="1"/>
           </p:cNvSpPr>
@@ -2816,8 +5227,8 @@
         </p:nvSpPr>
         <p:spPr>
           <a:xfrm>
-            <a:off x="838200" y="1825625"/>
-            <a:ext cx="10515600" cy="4351338"/>
+            <a:off x="677334" y="2160589"/>
+            <a:ext cx="8596668" cy="3880773"/>
           </a:xfrm>
           <a:prstGeom prst="rect">
             <a:avLst/>
@@ -2862,18 +5273,13 @@
               <a:rPr lang="en-US"/>
               <a:t>Fifth level</a:t>
             </a:r>
-          </a:p>
-        </p:txBody>
-      </p:sp>
-      <p:sp>
-        <p:nvSpPr>
-          <p:cNvPr id="4" name="Date Placeholder 3">
-            <a:extLst>
-              <a:ext uri="{FF2B5EF4-FFF2-40B4-BE49-F238E27FC236}">
-                <a16:creationId xmlns:a16="http://schemas.microsoft.com/office/drawing/2014/main" id="{20557FAF-2335-46DB-838D-2F808FD28FDC}"/>
-              </a:ext>
-            </a:extLst>
-          </p:cNvPr>
+            <a:endParaRPr lang="en-US" dirty="0"/>
+          </a:p>
+        </p:txBody>
+      </p:sp>
+      <p:sp>
+        <p:nvSpPr>
+          <p:cNvPr id="4" name="Date Placeholder 3"/>
           <p:cNvSpPr>
             <a:spLocks noGrp="1"/>
           </p:cNvSpPr>
@@ -2883,8 +5289,8 @@
         </p:nvSpPr>
         <p:spPr>
           <a:xfrm>
-            <a:off x="838200" y="6356350"/>
-            <a:ext cx="2743200" cy="365125"/>
+            <a:off x="7205133" y="6041362"/>
+            <a:ext cx="911939" cy="365125"/>
           </a:xfrm>
           <a:prstGeom prst="rect">
             <a:avLst/>
@@ -2893,8 +5299,8 @@
         <p:txBody>
           <a:bodyPr vert="horz" lIns="91440" tIns="45720" rIns="91440" bIns="45720" rtlCol="0" anchor="ctr"/>
           <a:lstStyle>
-            <a:lvl1pPr algn="l">
-              <a:defRPr sz="1200">
+            <a:lvl1pPr algn="r">
+              <a:defRPr sz="900">
                 <a:solidFill>
                   <a:schemeClr val="tx1">
                     <a:tint val="75000"/>
@@ -2914,13 +5320,7 @@
       </p:sp>
       <p:sp>
         <p:nvSpPr>
-          <p:cNvPr id="5" name="Footer Placeholder 4">
-            <a:extLst>
-              <a:ext uri="{FF2B5EF4-FFF2-40B4-BE49-F238E27FC236}">
-                <a16:creationId xmlns:a16="http://schemas.microsoft.com/office/drawing/2014/main" id="{D4D1D0E2-6906-456D-A321-AD204C3022F5}"/>
-              </a:ext>
-            </a:extLst>
-          </p:cNvPr>
+          <p:cNvPr id="5" name="Footer Placeholder 4"/>
           <p:cNvSpPr>
             <a:spLocks noGrp="1"/>
           </p:cNvSpPr>
@@ -2930,8 +5330,8 @@
         </p:nvSpPr>
         <p:spPr>
           <a:xfrm>
-            <a:off x="4038600" y="6356350"/>
-            <a:ext cx="4114800" cy="365125"/>
+            <a:off x="677334" y="6041362"/>
+            <a:ext cx="6297612" cy="365125"/>
           </a:xfrm>
           <a:prstGeom prst="rect">
             <a:avLst/>
@@ -2940,8 +5340,8 @@
         <p:txBody>
           <a:bodyPr vert="horz" lIns="91440" tIns="45720" rIns="91440" bIns="45720" rtlCol="0" anchor="ctr"/>
           <a:lstStyle>
-            <a:lvl1pPr algn="ctr">
-              <a:defRPr sz="1200">
+            <a:lvl1pPr algn="l">
+              <a:defRPr sz="900">
                 <a:solidFill>
                   <a:schemeClr val="tx1">
                     <a:tint val="75000"/>
@@ -2957,13 +5357,7 @@
       </p:sp>
       <p:sp>
         <p:nvSpPr>
-          <p:cNvPr id="6" name="Slide Number Placeholder 5">
-            <a:extLst>
-              <a:ext uri="{FF2B5EF4-FFF2-40B4-BE49-F238E27FC236}">
-                <a16:creationId xmlns:a16="http://schemas.microsoft.com/office/drawing/2014/main" id="{8468E3A7-504A-4008-939C-8FF0319914CB}"/>
-              </a:ext>
-            </a:extLst>
-          </p:cNvPr>
+          <p:cNvPr id="6" name="Slide Number Placeholder 5"/>
           <p:cNvSpPr>
             <a:spLocks noGrp="1"/>
           </p:cNvSpPr>
@@ -2973,8 +5367,8 @@
         </p:nvSpPr>
         <p:spPr>
           <a:xfrm>
-            <a:off x="8610600" y="6356350"/>
-            <a:ext cx="2743200" cy="365125"/>
+            <a:off x="8590663" y="6041362"/>
+            <a:ext cx="683339" cy="365125"/>
           </a:xfrm>
           <a:prstGeom prst="rect">
             <a:avLst/>
@@ -2984,11 +5378,9 @@
           <a:bodyPr vert="horz" lIns="91440" tIns="45720" rIns="91440" bIns="45720" rtlCol="0" anchor="ctr"/>
           <a:lstStyle>
             <a:lvl1pPr algn="r">
-              <a:defRPr sz="1200">
+              <a:defRPr sz="900">
                 <a:solidFill>
-                  <a:schemeClr val="tx1">
-                    <a:tint val="75000"/>
-                  </a:schemeClr>
+                  <a:schemeClr val="accent1"/>
                 </a:solidFill>
               </a:defRPr>
             </a:lvl1pPr>
@@ -3005,201 +5397,322 @@
     </p:spTree>
     <p:extLst>
       <p:ext uri="{BB962C8B-B14F-4D97-AF65-F5344CB8AC3E}">
-        <p14:creationId xmlns:p14="http://schemas.microsoft.com/office/powerpoint/2010/main" val="4124931797"/>
+        <p14:creationId xmlns:p14="http://schemas.microsoft.com/office/powerpoint/2010/main" val="477775696"/>
       </p:ext>
     </p:extLst>
   </p:cSld>
   <p:clrMap bg1="lt1" tx1="dk1" bg2="lt2" tx2="dk2" accent1="accent1" accent2="accent2" accent3="accent3" accent4="accent4" accent5="accent5" accent6="accent6" hlink="hlink" folHlink="folHlink"/>
   <p:sldLayoutIdLst>
-    <p:sldLayoutId id="2147483649" r:id="rId1"/>
-    <p:sldLayoutId id="2147483650" r:id="rId2"/>
-    <p:sldLayoutId id="2147483651" r:id="rId3"/>
-    <p:sldLayoutId id="2147483652" r:id="rId4"/>
-    <p:sldLayoutId id="2147483653" r:id="rId5"/>
-    <p:sldLayoutId id="2147483654" r:id="rId6"/>
-    <p:sldLayoutId id="2147483655" r:id="rId7"/>
-    <p:sldLayoutId id="2147483656" r:id="rId8"/>
-    <p:sldLayoutId id="2147483657" r:id="rId9"/>
-    <p:sldLayoutId id="2147483658" r:id="rId10"/>
-    <p:sldLayoutId id="2147483659" r:id="rId11"/>
+    <p:sldLayoutId id="2147483661" r:id="rId1"/>
+    <p:sldLayoutId id="2147483662" r:id="rId2"/>
+    <p:sldLayoutId id="2147483663" r:id="rId3"/>
+    <p:sldLayoutId id="2147483664" r:id="rId4"/>
+    <p:sldLayoutId id="2147483665" r:id="rId5"/>
+    <p:sldLayoutId id="2147483666" r:id="rId6"/>
+    <p:sldLayoutId id="2147483667" r:id="rId7"/>
+    <p:sldLayoutId id="2147483668" r:id="rId8"/>
+    <p:sldLayoutId id="2147483669" r:id="rId9"/>
+    <p:sldLayoutId id="2147483670" r:id="rId10"/>
+    <p:sldLayoutId id="2147483671" r:id="rId11"/>
+    <p:sldLayoutId id="2147483672" r:id="rId12"/>
+    <p:sldLayoutId id="2147483673" r:id="rId13"/>
+    <p:sldLayoutId id="2147483674" r:id="rId14"/>
+    <p:sldLayoutId id="2147483675" r:id="rId15"/>
+    <p:sldLayoutId id="2147483676" r:id="rId16"/>
   </p:sldLayoutIdLst>
   <p:txStyles>
     <p:titleStyle>
-      <a:lvl1pPr algn="l" defTabSz="914400" rtl="0" eaLnBrk="1" latinLnBrk="0" hangingPunct="1">
-        <a:lnSpc>
-          <a:spcPct val="90000"/>
-        </a:lnSpc>
+      <a:lvl1pPr algn="l" defTabSz="457200" rtl="0" eaLnBrk="1" latinLnBrk="0" hangingPunct="1">
         <a:spcBef>
           <a:spcPct val="0"/>
         </a:spcBef>
         <a:buNone/>
-        <a:defRPr sz="4400" kern="1200">
+        <a:defRPr sz="3600" kern="1200">
           <a:solidFill>
-            <a:schemeClr val="tx1"/>
+            <a:schemeClr val="accent1"/>
           </a:solidFill>
           <a:latin typeface="+mj-lt"/>
           <a:ea typeface="+mj-ea"/>
           <a:cs typeface="+mj-cs"/>
         </a:defRPr>
       </a:lvl1pPr>
+      <a:lvl2pPr eaLnBrk="1" hangingPunct="1">
+        <a:defRPr>
+          <a:solidFill>
+            <a:schemeClr val="tx2"/>
+          </a:solidFill>
+        </a:defRPr>
+      </a:lvl2pPr>
+      <a:lvl3pPr eaLnBrk="1" hangingPunct="1">
+        <a:defRPr>
+          <a:solidFill>
+            <a:schemeClr val="tx2"/>
+          </a:solidFill>
+        </a:defRPr>
+      </a:lvl3pPr>
+      <a:lvl4pPr eaLnBrk="1" hangingPunct="1">
+        <a:defRPr>
+          <a:solidFill>
+            <a:schemeClr val="tx2"/>
+          </a:solidFill>
+        </a:defRPr>
+      </a:lvl4pPr>
+      <a:lvl5pPr eaLnBrk="1" hangingPunct="1">
+        <a:defRPr>
+          <a:solidFill>
+            <a:schemeClr val="tx2"/>
+          </a:solidFill>
+        </a:defRPr>
+      </a:lvl5pPr>
+      <a:lvl6pPr eaLnBrk="1" hangingPunct="1">
+        <a:defRPr>
+          <a:solidFill>
+            <a:schemeClr val="tx2"/>
+          </a:solidFill>
+        </a:defRPr>
+      </a:lvl6pPr>
+      <a:lvl7pPr eaLnBrk="1" hangingPunct="1">
+        <a:defRPr>
+          <a:solidFill>
+            <a:schemeClr val="tx2"/>
+          </a:solidFill>
+        </a:defRPr>
+      </a:lvl7pPr>
+      <a:lvl8pPr eaLnBrk="1" hangingPunct="1">
+        <a:defRPr>
+          <a:solidFill>
+            <a:schemeClr val="tx2"/>
+          </a:solidFill>
+        </a:defRPr>
+      </a:lvl8pPr>
+      <a:lvl9pPr eaLnBrk="1" hangingPunct="1">
+        <a:defRPr>
+          <a:solidFill>
+            <a:schemeClr val="tx2"/>
+          </a:solidFill>
+        </a:defRPr>
+      </a:lvl9pPr>
     </p:titleStyle>
     <p:bodyStyle>
-      <a:lvl1pPr marL="228600" indent="-228600" algn="l" defTabSz="914400" rtl="0" eaLnBrk="1" latinLnBrk="0" hangingPunct="1">
-        <a:lnSpc>
-          <a:spcPct val="90000"/>
-        </a:lnSpc>
+      <a:lvl1pPr marL="342900" indent="-342900" algn="l" defTabSz="457200" rtl="0" eaLnBrk="1" latinLnBrk="0" hangingPunct="1">
         <a:spcBef>
           <a:spcPts val="1000"/>
         </a:spcBef>
-        <a:buFont typeface="Arial" panose="020B0604020202020204" pitchFamily="34" charset="0"/>
-        <a:buChar char="•"/>
-        <a:defRPr sz="2800" kern="1200">
+        <a:spcAft>
+          <a:spcPts val="0"/>
+        </a:spcAft>
+        <a:buClr>
+          <a:schemeClr val="accent1"/>
+        </a:buClr>
+        <a:buSzPct val="80000"/>
+        <a:buFont typeface="Wingdings 3" charset="2"/>
+        <a:buChar char=""/>
+        <a:defRPr sz="1800" kern="1200">
           <a:solidFill>
-            <a:schemeClr val="tx1"/>
+            <a:schemeClr val="tx1">
+              <a:lumMod val="75000"/>
+              <a:lumOff val="25000"/>
+            </a:schemeClr>
           </a:solidFill>
           <a:latin typeface="+mn-lt"/>
           <a:ea typeface="+mn-ea"/>
           <a:cs typeface="+mn-cs"/>
         </a:defRPr>
       </a:lvl1pPr>
-      <a:lvl2pPr marL="685800" indent="-228600" algn="l" defTabSz="914400" rtl="0" eaLnBrk="1" latinLnBrk="0" hangingPunct="1">
-        <a:lnSpc>
-          <a:spcPct val="90000"/>
-        </a:lnSpc>
+      <a:lvl2pPr marL="742950" indent="-285750" algn="l" defTabSz="457200" rtl="0" eaLnBrk="1" latinLnBrk="0" hangingPunct="1">
         <a:spcBef>
-          <a:spcPts val="500"/>
+          <a:spcPts val="1000"/>
         </a:spcBef>
-        <a:buFont typeface="Arial" panose="020B0604020202020204" pitchFamily="34" charset="0"/>
-        <a:buChar char="•"/>
-        <a:defRPr sz="2400" kern="1200">
+        <a:spcAft>
+          <a:spcPts val="0"/>
+        </a:spcAft>
+        <a:buClr>
+          <a:schemeClr val="accent1"/>
+        </a:buClr>
+        <a:buSzPct val="80000"/>
+        <a:buFont typeface="Wingdings 3" charset="2"/>
+        <a:buChar char=""/>
+        <a:defRPr sz="1600" kern="1200">
           <a:solidFill>
-            <a:schemeClr val="tx1"/>
+            <a:schemeClr val="tx1">
+              <a:lumMod val="75000"/>
+              <a:lumOff val="25000"/>
+            </a:schemeClr>
           </a:solidFill>
           <a:latin typeface="+mn-lt"/>
           <a:ea typeface="+mn-ea"/>
           <a:cs typeface="+mn-cs"/>
         </a:defRPr>
       </a:lvl2pPr>
-      <a:lvl3pPr marL="1143000" indent="-228600" algn="l" defTabSz="914400" rtl="0" eaLnBrk="1" latinLnBrk="0" hangingPunct="1">
-        <a:lnSpc>
-          <a:spcPct val="90000"/>
-        </a:lnSpc>
+      <a:lvl3pPr marL="1143000" indent="-228600" algn="l" defTabSz="457200" rtl="0" eaLnBrk="1" latinLnBrk="0" hangingPunct="1">
         <a:spcBef>
-          <a:spcPts val="500"/>
+          <a:spcPts val="1000"/>
         </a:spcBef>
-        <a:buFont typeface="Arial" panose="020B0604020202020204" pitchFamily="34" charset="0"/>
-        <a:buChar char="•"/>
-        <a:defRPr sz="2000" kern="1200">
+        <a:spcAft>
+          <a:spcPts val="0"/>
+        </a:spcAft>
+        <a:buClr>
+          <a:schemeClr val="accent1"/>
+        </a:buClr>
+        <a:buSzPct val="80000"/>
+        <a:buFont typeface="Wingdings 3" charset="2"/>
+        <a:buChar char=""/>
+        <a:defRPr sz="1400" kern="1200">
           <a:solidFill>
-            <a:schemeClr val="tx1"/>
+            <a:schemeClr val="tx1">
+              <a:lumMod val="75000"/>
+              <a:lumOff val="25000"/>
+            </a:schemeClr>
           </a:solidFill>
           <a:latin typeface="+mn-lt"/>
           <a:ea typeface="+mn-ea"/>
           <a:cs typeface="+mn-cs"/>
         </a:defRPr>
       </a:lvl3pPr>
-      <a:lvl4pPr marL="1600200" indent="-228600" algn="l" defTabSz="914400" rtl="0" eaLnBrk="1" latinLnBrk="0" hangingPunct="1">
-        <a:lnSpc>
-          <a:spcPct val="90000"/>
-        </a:lnSpc>
+      <a:lvl4pPr marL="1600200" indent="-228600" algn="l" defTabSz="457200" rtl="0" eaLnBrk="1" latinLnBrk="0" hangingPunct="1">
         <a:spcBef>
-          <a:spcPts val="500"/>
+          <a:spcPts val="1000"/>
         </a:spcBef>
-        <a:buFont typeface="Arial" panose="020B0604020202020204" pitchFamily="34" charset="0"/>
-        <a:buChar char="•"/>
-        <a:defRPr sz="1800" kern="1200">
+        <a:spcAft>
+          <a:spcPts val="0"/>
+        </a:spcAft>
+        <a:buClr>
+          <a:schemeClr val="accent1"/>
+        </a:buClr>
+        <a:buSzPct val="80000"/>
+        <a:buFont typeface="Wingdings 3" charset="2"/>
+        <a:buChar char=""/>
+        <a:defRPr sz="1200" kern="1200">
           <a:solidFill>
-            <a:schemeClr val="tx1"/>
+            <a:schemeClr val="tx1">
+              <a:lumMod val="75000"/>
+              <a:lumOff val="25000"/>
+            </a:schemeClr>
           </a:solidFill>
           <a:latin typeface="+mn-lt"/>
           <a:ea typeface="+mn-ea"/>
           <a:cs typeface="+mn-cs"/>
         </a:defRPr>
       </a:lvl4pPr>
-      <a:lvl5pPr marL="2057400" indent="-228600" algn="l" defTabSz="914400" rtl="0" eaLnBrk="1" latinLnBrk="0" hangingPunct="1">
-        <a:lnSpc>
-          <a:spcPct val="90000"/>
-        </a:lnSpc>
+      <a:lvl5pPr marL="2057400" indent="-228600" algn="l" defTabSz="457200" rtl="0" eaLnBrk="1" latinLnBrk="0" hangingPunct="1">
         <a:spcBef>
-          <a:spcPts val="500"/>
+          <a:spcPts val="1000"/>
         </a:spcBef>
-        <a:buFont typeface="Arial" panose="020B0604020202020204" pitchFamily="34" charset="0"/>
-        <a:buChar char="•"/>
-        <a:defRPr sz="1800" kern="1200">
+        <a:spcAft>
+          <a:spcPts val="0"/>
+        </a:spcAft>
+        <a:buClr>
+          <a:schemeClr val="accent1"/>
+        </a:buClr>
+        <a:buSzPct val="80000"/>
+        <a:buFont typeface="Wingdings 3" charset="2"/>
+        <a:buChar char=""/>
+        <a:defRPr sz="1200" kern="1200">
           <a:solidFill>
-            <a:schemeClr val="tx1"/>
+            <a:schemeClr val="tx1">
+              <a:lumMod val="75000"/>
+              <a:lumOff val="25000"/>
+            </a:schemeClr>
           </a:solidFill>
           <a:latin typeface="+mn-lt"/>
           <a:ea typeface="+mn-ea"/>
           <a:cs typeface="+mn-cs"/>
         </a:defRPr>
       </a:lvl5pPr>
-      <a:lvl6pPr marL="2514600" indent="-228600" algn="l" defTabSz="914400" rtl="0" eaLnBrk="1" latinLnBrk="0" hangingPunct="1">
-        <a:lnSpc>
-          <a:spcPct val="90000"/>
-        </a:lnSpc>
+      <a:lvl6pPr marL="2514600" indent="-228600" algn="l" defTabSz="457200" rtl="0" eaLnBrk="1" latinLnBrk="0" hangingPunct="1">
         <a:spcBef>
-          <a:spcPts val="500"/>
+          <a:spcPts val="1000"/>
         </a:spcBef>
-        <a:buFont typeface="Arial" panose="020B0604020202020204" pitchFamily="34" charset="0"/>
-        <a:buChar char="•"/>
-        <a:defRPr sz="1800" kern="1200">
+        <a:spcAft>
+          <a:spcPts val="0"/>
+        </a:spcAft>
+        <a:buClr>
+          <a:schemeClr val="accent1"/>
+        </a:buClr>
+        <a:buSzPct val="80000"/>
+        <a:buFont typeface="Wingdings 3" charset="2"/>
+        <a:buChar char=""/>
+        <a:defRPr sz="1200" kern="1200">
           <a:solidFill>
-            <a:schemeClr val="tx1"/>
+            <a:schemeClr val="tx1">
+              <a:lumMod val="75000"/>
+              <a:lumOff val="25000"/>
+            </a:schemeClr>
           </a:solidFill>
           <a:latin typeface="+mn-lt"/>
           <a:ea typeface="+mn-ea"/>
           <a:cs typeface="+mn-cs"/>
         </a:defRPr>
       </a:lvl6pPr>
-      <a:lvl7pPr marL="2971800" indent="-228600" algn="l" defTabSz="914400" rtl="0" eaLnBrk="1" latinLnBrk="0" hangingPunct="1">
-        <a:lnSpc>
-          <a:spcPct val="90000"/>
-        </a:lnSpc>
+      <a:lvl7pPr marL="2971800" indent="-228600" algn="l" defTabSz="457200" rtl="0" eaLnBrk="1" latinLnBrk="0" hangingPunct="1">
         <a:spcBef>
-          <a:spcPts val="500"/>
+          <a:spcPts val="1000"/>
         </a:spcBef>
-        <a:buFont typeface="Arial" panose="020B0604020202020204" pitchFamily="34" charset="0"/>
-        <a:buChar char="•"/>
-        <a:defRPr sz="1800" kern="1200">
+        <a:spcAft>
+          <a:spcPts val="0"/>
+        </a:spcAft>
+        <a:buClr>
+          <a:schemeClr val="accent1"/>
+        </a:buClr>
+        <a:buSzPct val="80000"/>
+        <a:buFont typeface="Wingdings 3" charset="2"/>
+        <a:buChar char=""/>
+        <a:defRPr sz="1200" kern="1200">
           <a:solidFill>
-            <a:schemeClr val="tx1"/>
+            <a:schemeClr val="tx1">
+              <a:lumMod val="75000"/>
+              <a:lumOff val="25000"/>
+            </a:schemeClr>
           </a:solidFill>
           <a:latin typeface="+mn-lt"/>
           <a:ea typeface="+mn-ea"/>
           <a:cs typeface="+mn-cs"/>
         </a:defRPr>
       </a:lvl7pPr>
-      <a:lvl8pPr marL="3429000" indent="-228600" algn="l" defTabSz="914400" rtl="0" eaLnBrk="1" latinLnBrk="0" hangingPunct="1">
-        <a:lnSpc>
-          <a:spcPct val="90000"/>
-        </a:lnSpc>
+      <a:lvl8pPr marL="3429000" indent="-228600" algn="l" defTabSz="457200" rtl="0" eaLnBrk="1" latinLnBrk="0" hangingPunct="1">
         <a:spcBef>
-          <a:spcPts val="500"/>
+          <a:spcPts val="1000"/>
         </a:spcBef>
-        <a:buFont typeface="Arial" panose="020B0604020202020204" pitchFamily="34" charset="0"/>
-        <a:buChar char="•"/>
-        <a:defRPr sz="1800" kern="1200">
+        <a:spcAft>
+          <a:spcPts val="0"/>
+        </a:spcAft>
+        <a:buClr>
+          <a:schemeClr val="accent1"/>
+        </a:buClr>
+        <a:buSzPct val="80000"/>
+        <a:buFont typeface="Wingdings 3" charset="2"/>
+        <a:buChar char=""/>
+        <a:defRPr sz="1200" kern="1200">
           <a:solidFill>
-            <a:schemeClr val="tx1"/>
+            <a:schemeClr val="tx1">
+              <a:lumMod val="75000"/>
+              <a:lumOff val="25000"/>
+            </a:schemeClr>
           </a:solidFill>
           <a:latin typeface="+mn-lt"/>
           <a:ea typeface="+mn-ea"/>
           <a:cs typeface="+mn-cs"/>
         </a:defRPr>
       </a:lvl8pPr>
-      <a:lvl9pPr marL="3886200" indent="-228600" algn="l" defTabSz="914400" rtl="0" eaLnBrk="1" latinLnBrk="0" hangingPunct="1">
-        <a:lnSpc>
-          <a:spcPct val="90000"/>
-        </a:lnSpc>
+      <a:lvl9pPr marL="3886200" indent="-228600" algn="l" defTabSz="457200" rtl="0" eaLnBrk="1" latinLnBrk="0" hangingPunct="1">
         <a:spcBef>
-          <a:spcPts val="500"/>
+          <a:spcPts val="1000"/>
         </a:spcBef>
-        <a:buFont typeface="Arial" panose="020B0604020202020204" pitchFamily="34" charset="0"/>
-        <a:buChar char="•"/>
-        <a:defRPr sz="1800" kern="1200">
+        <a:spcAft>
+          <a:spcPts val="0"/>
+        </a:spcAft>
+        <a:buClr>
+          <a:schemeClr val="accent1"/>
+        </a:buClr>
+        <a:buSzPct val="80000"/>
+        <a:buFont typeface="Wingdings 3" charset="2"/>
+        <a:buChar char=""/>
+        <a:defRPr sz="1200" kern="1200">
           <a:solidFill>
-            <a:schemeClr val="tx1"/>
+            <a:schemeClr val="tx1">
+              <a:lumMod val="75000"/>
+              <a:lumOff val="25000"/>
+            </a:schemeClr>
           </a:solidFill>
           <a:latin typeface="+mn-lt"/>
           <a:ea typeface="+mn-ea"/>
@@ -3211,7 +5724,7 @@
       <a:defPPr>
         <a:defRPr lang="en-US"/>
       </a:defPPr>
-      <a:lvl1pPr marL="0" algn="l" defTabSz="914400" rtl="0" eaLnBrk="1" latinLnBrk="0" hangingPunct="1">
+      <a:lvl1pPr marL="0" algn="l" defTabSz="457200" rtl="0" eaLnBrk="1" latinLnBrk="0" hangingPunct="1">
         <a:defRPr sz="1800" kern="1200">
           <a:solidFill>
             <a:schemeClr val="tx1"/>
@@ -3221,7 +5734,7 @@
           <a:cs typeface="+mn-cs"/>
         </a:defRPr>
       </a:lvl1pPr>
-      <a:lvl2pPr marL="457200" algn="l" defTabSz="914400" rtl="0" eaLnBrk="1" latinLnBrk="0" hangingPunct="1">
+      <a:lvl2pPr marL="457200" algn="l" defTabSz="457200" rtl="0" eaLnBrk="1" latinLnBrk="0" hangingPunct="1">
         <a:defRPr sz="1800" kern="1200">
           <a:solidFill>
             <a:schemeClr val="tx1"/>
@@ -3231,7 +5744,7 @@
           <a:cs typeface="+mn-cs"/>
         </a:defRPr>
       </a:lvl2pPr>
-      <a:lvl3pPr marL="914400" algn="l" defTabSz="914400" rtl="0" eaLnBrk="1" latinLnBrk="0" hangingPunct="1">
+      <a:lvl3pPr marL="914400" algn="l" defTabSz="457200" rtl="0" eaLnBrk="1" latinLnBrk="0" hangingPunct="1">
         <a:defRPr sz="1800" kern="1200">
           <a:solidFill>
             <a:schemeClr val="tx1"/>
@@ -3241,7 +5754,7 @@
           <a:cs typeface="+mn-cs"/>
         </a:defRPr>
       </a:lvl3pPr>
-      <a:lvl4pPr marL="1371600" algn="l" defTabSz="914400" rtl="0" eaLnBrk="1" latinLnBrk="0" hangingPunct="1">
+      <a:lvl4pPr marL="1371600" algn="l" defTabSz="457200" rtl="0" eaLnBrk="1" latinLnBrk="0" hangingPunct="1">
         <a:defRPr sz="1800" kern="1200">
           <a:solidFill>
             <a:schemeClr val="tx1"/>
@@ -3251,7 +5764,7 @@
           <a:cs typeface="+mn-cs"/>
         </a:defRPr>
       </a:lvl4pPr>
-      <a:lvl5pPr marL="1828800" algn="l" defTabSz="914400" rtl="0" eaLnBrk="1" latinLnBrk="0" hangingPunct="1">
+      <a:lvl5pPr marL="1828800" algn="l" defTabSz="457200" rtl="0" eaLnBrk="1" latinLnBrk="0" hangingPunct="1">
         <a:defRPr sz="1800" kern="1200">
           <a:solidFill>
             <a:schemeClr val="tx1"/>
@@ -3261,7 +5774,7 @@
           <a:cs typeface="+mn-cs"/>
         </a:defRPr>
       </a:lvl5pPr>
-      <a:lvl6pPr marL="2286000" algn="l" defTabSz="914400" rtl="0" eaLnBrk="1" latinLnBrk="0" hangingPunct="1">
+      <a:lvl6pPr marL="2286000" algn="l" defTabSz="457200" rtl="0" eaLnBrk="1" latinLnBrk="0" hangingPunct="1">
         <a:defRPr sz="1800" kern="1200">
           <a:solidFill>
             <a:schemeClr val="tx1"/>
@@ -3271,7 +5784,7 @@
           <a:cs typeface="+mn-cs"/>
         </a:defRPr>
       </a:lvl6pPr>
-      <a:lvl7pPr marL="2743200" algn="l" defTabSz="914400" rtl="0" eaLnBrk="1" latinLnBrk="0" hangingPunct="1">
+      <a:lvl7pPr marL="2743200" algn="l" defTabSz="457200" rtl="0" eaLnBrk="1" latinLnBrk="0" hangingPunct="1">
         <a:defRPr sz="1800" kern="1200">
           <a:solidFill>
             <a:schemeClr val="tx1"/>
@@ -3281,7 +5794,7 @@
           <a:cs typeface="+mn-cs"/>
         </a:defRPr>
       </a:lvl7pPr>
-      <a:lvl8pPr marL="3200400" algn="l" defTabSz="914400" rtl="0" eaLnBrk="1" latinLnBrk="0" hangingPunct="1">
+      <a:lvl8pPr marL="3200400" algn="l" defTabSz="457200" rtl="0" eaLnBrk="1" latinLnBrk="0" hangingPunct="1">
         <a:defRPr sz="1800" kern="1200">
           <a:solidFill>
             <a:schemeClr val="tx1"/>
@@ -3291,7 +5804,7 @@
           <a:cs typeface="+mn-cs"/>
         </a:defRPr>
       </a:lvl8pPr>
-      <a:lvl9pPr marL="3657600" algn="l" defTabSz="914400" rtl="0" eaLnBrk="1" latinLnBrk="0" hangingPunct="1">
+      <a:lvl9pPr marL="3657600" algn="l" defTabSz="457200" rtl="0" eaLnBrk="1" latinLnBrk="0" hangingPunct="1">
         <a:defRPr sz="1800" kern="1200">
           <a:solidFill>
             <a:schemeClr val="tx1"/>
@@ -3380,8 +5893,13 @@
           <a:p>
             <a:r>
               <a:rPr lang="en-US" dirty="0"/>
-              <a:t>Fred Buchanan, Sam Cohen, and Miles</a:t>
-            </a:r>
+              <a:t>Fred Buchanan, Sam Cohen, and Myles </a:t>
+            </a:r>
+            <a:r>
+              <a:rPr lang="en-US" dirty="0" err="1"/>
+              <a:t>Chiarello</a:t>
+            </a:r>
+            <a:endParaRPr lang="en-US" dirty="0"/>
           </a:p>
         </p:txBody>
       </p:sp>
@@ -3588,7 +6106,9 @@
         </p:nvSpPr>
         <p:spPr/>
         <p:txBody>
-          <a:bodyPr/>
+          <a:bodyPr>
+            <a:normAutofit fontScale="92500" lnSpcReduction="10000"/>
+          </a:bodyPr>
           <a:lstStyle/>
           <a:p>
             <a:r>
@@ -3601,30 +6121,103 @@
             <a:pPr lvl="1"/>
             <a:r>
               <a:rPr lang="en-US" dirty="0"/>
-              <a:t>Simple Climate Model.</a:t>
+              <a:t>Simple climate model.</a:t>
             </a:r>
           </a:p>
           <a:p>
             <a:pPr lvl="1"/>
             <a:r>
               <a:rPr lang="en-US" dirty="0"/>
-              <a:t>Developed by the National Center For </a:t>
-            </a:r>
-            <a:r>
-              <a:rPr lang="en-US"/>
-              <a:t>Atmospheric Research and Manchester Metropolitan University.</a:t>
-            </a:r>
+              <a:t>Developed by the National Center For Atmospheric Research and Manchester Metropolitan University.</a:t>
+            </a:r>
+          </a:p>
+          <a:p>
+            <a:pPr lvl="1"/>
+            <a:r>
+              <a:rPr lang="en-US" dirty="0"/>
+              <a:t>Uses a “simple global average energy-balance equation”</a:t>
+            </a:r>
+          </a:p>
+          <a:p>
+            <a:pPr lvl="2"/>
             <a:endParaRPr lang="en-US" dirty="0"/>
           </a:p>
           <a:p>
+            <a:pPr lvl="2"/>
+            <a:endParaRPr lang="en-US" dirty="0"/>
+          </a:p>
+          <a:p>
             <a:pPr lvl="1"/>
             <a:r>
               <a:rPr lang="en-US" dirty="0"/>
-              <a:t>User a </a:t>
-            </a:r>
-          </a:p>
-        </p:txBody>
-      </p:sp>
+              <a:t>Coupled with carbon cycle on ocean upwelling models.</a:t>
+            </a:r>
+          </a:p>
+          <a:p>
+            <a:r>
+              <a:rPr lang="en-US" dirty="0"/>
+              <a:t>Carbon Data</a:t>
+            </a:r>
+          </a:p>
+          <a:p>
+            <a:pPr lvl="1"/>
+            <a:r>
+              <a:rPr lang="en-US" dirty="0"/>
+              <a:t>Annual emissions are from the “Monthly Energy Review” from the EIA.</a:t>
+            </a:r>
+          </a:p>
+          <a:p>
+            <a:pPr lvl="1"/>
+            <a:r>
+              <a:rPr lang="en-US" dirty="0"/>
+              <a:t>Only large carbon values are selected by users.</a:t>
+            </a:r>
+          </a:p>
+          <a:p>
+            <a:pPr lvl="2"/>
+            <a:r>
+              <a:rPr lang="en-US" dirty="0"/>
+              <a:t>Everything else is in Miscellaneous Emissions.</a:t>
+            </a:r>
+          </a:p>
+        </p:txBody>
+      </p:sp>
+      <p:pic>
+        <p:nvPicPr>
+          <p:cNvPr id="5" name="Picture 4">
+            <a:extLst>
+              <a:ext uri="{FF2B5EF4-FFF2-40B4-BE49-F238E27FC236}">
+                <a16:creationId xmlns:a16="http://schemas.microsoft.com/office/drawing/2014/main" id="{4992195F-EA38-49DE-BFA1-1D1A3252EC18}"/>
+              </a:ext>
+            </a:extLst>
+          </p:cNvPr>
+          <p:cNvPicPr>
+            <a:picLocks noChangeAspect="1"/>
+          </p:cNvPicPr>
+          <p:nvPr/>
+        </p:nvPicPr>
+        <p:blipFill>
+          <a:blip r:embed="rId2">
+            <a:extLst>
+              <a:ext uri="{28A0092B-C50C-407E-A947-70E740481C1C}">
+                <a14:useLocalDpi xmlns:a14="http://schemas.microsoft.com/office/drawing/2010/main" val="0"/>
+              </a:ext>
+            </a:extLst>
+          </a:blip>
+          <a:stretch>
+            <a:fillRect/>
+          </a:stretch>
+        </p:blipFill>
+        <p:spPr>
+          <a:xfrm>
+            <a:off x="2266363" y="3629465"/>
+            <a:ext cx="2502165" cy="552804"/>
+          </a:xfrm>
+          <a:prstGeom prst="rect">
+            <a:avLst/>
+          </a:prstGeom>
+        </p:spPr>
+      </p:pic>
     </p:spTree>
     <p:extLst>
       <p:ext uri="{BB962C8B-B14F-4D97-AF65-F5344CB8AC3E}">
@@ -3638,10 +6231,1134 @@
 </p:sld>
 </file>
 
+<file path=ppt/slides/slide4.xml><?xml version="1.0" encoding="utf-8"?>
+<p:sld xmlns:a="http://schemas.openxmlformats.org/drawingml/2006/main" xmlns:r="http://schemas.openxmlformats.org/officeDocument/2006/relationships" xmlns:p="http://schemas.openxmlformats.org/presentationml/2006/main">
+  <p:cSld>
+    <p:bg>
+      <p:bgPr>
+        <a:solidFill>
+          <a:schemeClr val="bg1"/>
+        </a:solidFill>
+        <a:effectLst/>
+      </p:bgPr>
+    </p:bg>
+    <p:spTree>
+      <p:nvGrpSpPr>
+        <p:cNvPr id="1" name=""/>
+        <p:cNvGrpSpPr/>
+        <p:nvPr/>
+      </p:nvGrpSpPr>
+      <p:grpSpPr>
+        <a:xfrm>
+          <a:off x="0" y="0"/>
+          <a:ext cx="0" cy="0"/>
+          <a:chOff x="0" y="0"/>
+          <a:chExt cx="0" cy="0"/>
+        </a:xfrm>
+      </p:grpSpPr>
+      <p:sp>
+        <p:nvSpPr>
+          <p:cNvPr id="2" name="Title 1">
+            <a:extLst>
+              <a:ext uri="{FF2B5EF4-FFF2-40B4-BE49-F238E27FC236}">
+                <a16:creationId xmlns:a16="http://schemas.microsoft.com/office/drawing/2014/main" id="{F7A55A45-4F30-4D93-98BE-9998C6110DF5}"/>
+              </a:ext>
+            </a:extLst>
+          </p:cNvPr>
+          <p:cNvSpPr>
+            <a:spLocks noGrp="1"/>
+          </p:cNvSpPr>
+          <p:nvPr>
+            <p:ph type="title"/>
+          </p:nvPr>
+        </p:nvSpPr>
+        <p:spPr/>
+        <p:txBody>
+          <a:bodyPr vert="horz" lIns="91440" tIns="45720" rIns="91440" bIns="45720" rtlCol="0" anchor="ctr">
+            <a:normAutofit/>
+          </a:bodyPr>
+          <a:lstStyle/>
+          <a:p>
+            <a:r>
+              <a:rPr lang="en-US"/>
+              <a:t>The Model Continued</a:t>
+            </a:r>
+            <a:endParaRPr lang="en-US" dirty="0"/>
+          </a:p>
+        </p:txBody>
+      </p:sp>
+      <p:sp>
+        <p:nvSpPr>
+          <p:cNvPr id="3" name="Content Placeholder 2">
+            <a:extLst>
+              <a:ext uri="{FF2B5EF4-FFF2-40B4-BE49-F238E27FC236}">
+                <a16:creationId xmlns:a16="http://schemas.microsoft.com/office/drawing/2014/main" id="{19BAC583-5D08-4B19-A5BA-DB94B647D6E9}"/>
+              </a:ext>
+            </a:extLst>
+          </p:cNvPr>
+          <p:cNvSpPr>
+            <a:spLocks noGrp="1"/>
+          </p:cNvSpPr>
+          <p:nvPr>
+            <p:ph sz="half" idx="1"/>
+          </p:nvPr>
+        </p:nvSpPr>
+        <p:spPr>
+          <a:xfrm>
+            <a:off x="838200" y="1825625"/>
+            <a:ext cx="3797807" cy="4351338"/>
+          </a:xfrm>
+        </p:spPr>
+        <p:txBody>
+          <a:bodyPr vert="horz" lIns="91440" tIns="45720" rIns="91440" bIns="45720" rtlCol="0">
+            <a:normAutofit fontScale="92500" lnSpcReduction="20000"/>
+          </a:bodyPr>
+          <a:lstStyle/>
+          <a:p>
+            <a:r>
+              <a:rPr lang="en-US" sz="1900" dirty="0"/>
+              <a:t>Sea Level</a:t>
+            </a:r>
+          </a:p>
+          <a:p>
+            <a:pPr lvl="1"/>
+            <a:r>
+              <a:rPr lang="en-US" sz="1900" dirty="0"/>
+              <a:t>Based on a simulated dataset.</a:t>
+            </a:r>
+          </a:p>
+          <a:p>
+            <a:pPr lvl="2"/>
+            <a:r>
+              <a:rPr lang="en-US" sz="1900" dirty="0"/>
+              <a:t>Created for “Cenozoic global ice-volume and temperature simulations with 1-D ice-sheet models forced by benthic d18O records”</a:t>
+            </a:r>
+          </a:p>
+          <a:p>
+            <a:pPr lvl="2"/>
+            <a:r>
+              <a:rPr lang="en-US" sz="1900" dirty="0"/>
+              <a:t>Fetched from Wolfram Datasets.</a:t>
+            </a:r>
+          </a:p>
+          <a:p>
+            <a:pPr lvl="1"/>
+            <a:r>
+              <a:rPr lang="en-US" sz="1900" dirty="0"/>
+              <a:t>Linear over desired range.</a:t>
+            </a:r>
+          </a:p>
+          <a:p>
+            <a:pPr lvl="1"/>
+            <a:r>
+              <a:rPr lang="en-US" sz="1900" dirty="0"/>
+              <a:t>Wolfram Mathematica was used to fetch and fit the model.</a:t>
+            </a:r>
+          </a:p>
+        </p:txBody>
+      </p:sp>
+      <p:pic>
+        <p:nvPicPr>
+          <p:cNvPr id="26" name="Content Placeholder 25" descr="A close up of a map&#10;&#10;Description automatically generated">
+            <a:extLst>
+              <a:ext uri="{FF2B5EF4-FFF2-40B4-BE49-F238E27FC236}">
+                <a16:creationId xmlns:a16="http://schemas.microsoft.com/office/drawing/2014/main" id="{88557691-DC51-4839-BC86-D8A11E413072}"/>
+              </a:ext>
+            </a:extLst>
+          </p:cNvPr>
+          <p:cNvPicPr>
+            <a:picLocks noGrp="1" noChangeAspect="1"/>
+          </p:cNvPicPr>
+          <p:nvPr>
+            <p:ph sz="half" idx="2"/>
+          </p:nvPr>
+        </p:nvPicPr>
+        <p:blipFill>
+          <a:blip r:embed="rId2">
+            <a:extLst>
+              <a:ext uri="{28A0092B-C50C-407E-A947-70E740481C1C}">
+                <a14:useLocalDpi xmlns:a14="http://schemas.microsoft.com/office/drawing/2010/main" val="0"/>
+              </a:ext>
+            </a:extLst>
+          </a:blip>
+          <a:stretch>
+            <a:fillRect/>
+          </a:stretch>
+        </p:blipFill>
+        <p:spPr>
+          <a:xfrm>
+            <a:off x="4930342" y="2413272"/>
+            <a:ext cx="6423458" cy="3176043"/>
+          </a:xfrm>
+        </p:spPr>
+      </p:pic>
+    </p:spTree>
+    <p:extLst>
+      <p:ext uri="{BB962C8B-B14F-4D97-AF65-F5344CB8AC3E}">
+        <p14:creationId xmlns:p14="http://schemas.microsoft.com/office/powerpoint/2010/main" val="850290275"/>
+      </p:ext>
+    </p:extLst>
+  </p:cSld>
+  <p:clrMapOvr>
+    <a:masterClrMapping/>
+  </p:clrMapOvr>
+</p:sld>
+</file>
+
+<file path=ppt/slides/slide5.xml><?xml version="1.0" encoding="utf-8"?>
+<p:sld xmlns:a="http://schemas.openxmlformats.org/drawingml/2006/main" xmlns:r="http://schemas.openxmlformats.org/officeDocument/2006/relationships" xmlns:p="http://schemas.openxmlformats.org/presentationml/2006/main">
+  <p:cSld>
+    <p:spTree>
+      <p:nvGrpSpPr>
+        <p:cNvPr id="1" name=""/>
+        <p:cNvGrpSpPr/>
+        <p:nvPr/>
+      </p:nvGrpSpPr>
+      <p:grpSpPr>
+        <a:xfrm>
+          <a:off x="0" y="0"/>
+          <a:ext cx="0" cy="0"/>
+          <a:chOff x="0" y="0"/>
+          <a:chExt cx="0" cy="0"/>
+        </a:xfrm>
+      </p:grpSpPr>
+      <p:sp>
+        <p:nvSpPr>
+          <p:cNvPr id="2" name="Title 1">
+            <a:extLst>
+              <a:ext uri="{FF2B5EF4-FFF2-40B4-BE49-F238E27FC236}">
+                <a16:creationId xmlns:a16="http://schemas.microsoft.com/office/drawing/2014/main" id="{B4160BB8-D3FF-48A7-B165-0C8088784B62}"/>
+              </a:ext>
+            </a:extLst>
+          </p:cNvPr>
+          <p:cNvSpPr>
+            <a:spLocks noGrp="1"/>
+          </p:cNvSpPr>
+          <p:nvPr>
+            <p:ph type="title"/>
+          </p:nvPr>
+        </p:nvSpPr>
+        <p:spPr/>
+        <p:txBody>
+          <a:bodyPr/>
+          <a:lstStyle/>
+          <a:p>
+            <a:r>
+              <a:rPr lang="en-US" dirty="0"/>
+              <a:t>Architecture</a:t>
+            </a:r>
+          </a:p>
+        </p:txBody>
+      </p:sp>
+      <p:sp>
+        <p:nvSpPr>
+          <p:cNvPr id="3" name="Rectangle 2">
+            <a:extLst>
+              <a:ext uri="{FF2B5EF4-FFF2-40B4-BE49-F238E27FC236}">
+                <a16:creationId xmlns:a16="http://schemas.microsoft.com/office/drawing/2014/main" id="{0BE8C503-D26D-4C40-96FF-CD5F474232A6}"/>
+              </a:ext>
+            </a:extLst>
+          </p:cNvPr>
+          <p:cNvSpPr/>
+          <p:nvPr/>
+        </p:nvSpPr>
+        <p:spPr>
+          <a:xfrm>
+            <a:off x="728870" y="1351722"/>
+            <a:ext cx="3286539" cy="5393635"/>
+          </a:xfrm>
+          <a:prstGeom prst="rect">
+            <a:avLst/>
+          </a:prstGeom>
+        </p:spPr>
+        <p:style>
+          <a:lnRef idx="2">
+            <a:schemeClr val="accent6"/>
+          </a:lnRef>
+          <a:fillRef idx="1">
+            <a:schemeClr val="lt1"/>
+          </a:fillRef>
+          <a:effectRef idx="0">
+            <a:schemeClr val="accent6"/>
+          </a:effectRef>
+          <a:fontRef idx="minor">
+            <a:schemeClr val="dk1"/>
+          </a:fontRef>
+        </p:style>
+        <p:txBody>
+          <a:bodyPr rtlCol="0" anchor="t"/>
+          <a:lstStyle/>
+          <a:p>
+            <a:r>
+              <a:rPr lang="en-US" dirty="0"/>
+              <a:t>Client</a:t>
+            </a:r>
+          </a:p>
+        </p:txBody>
+      </p:sp>
+      <p:sp>
+        <p:nvSpPr>
+          <p:cNvPr id="4" name="Rectangle 3">
+            <a:extLst>
+              <a:ext uri="{FF2B5EF4-FFF2-40B4-BE49-F238E27FC236}">
+                <a16:creationId xmlns:a16="http://schemas.microsoft.com/office/drawing/2014/main" id="{6D114376-4904-46ED-8844-AEC42FFD1E87}"/>
+              </a:ext>
+            </a:extLst>
+          </p:cNvPr>
+          <p:cNvSpPr/>
+          <p:nvPr/>
+        </p:nvSpPr>
+        <p:spPr>
+          <a:xfrm>
+            <a:off x="4745399" y="1350781"/>
+            <a:ext cx="3286539" cy="5393635"/>
+          </a:xfrm>
+          <a:prstGeom prst="rect">
+            <a:avLst/>
+          </a:prstGeom>
+        </p:spPr>
+        <p:style>
+          <a:lnRef idx="2">
+            <a:schemeClr val="accent6"/>
+          </a:lnRef>
+          <a:fillRef idx="1">
+            <a:schemeClr val="lt1"/>
+          </a:fillRef>
+          <a:effectRef idx="0">
+            <a:schemeClr val="accent6"/>
+          </a:effectRef>
+          <a:fontRef idx="minor">
+            <a:schemeClr val="dk1"/>
+          </a:fontRef>
+        </p:style>
+        <p:txBody>
+          <a:bodyPr rtlCol="0" anchor="t"/>
+          <a:lstStyle/>
+          <a:p>
+            <a:r>
+              <a:rPr lang="en-US" dirty="0"/>
+              <a:t>Server</a:t>
+            </a:r>
+          </a:p>
+        </p:txBody>
+      </p:sp>
+      <p:pic>
+        <p:nvPicPr>
+          <p:cNvPr id="8" name="Picture 7" descr="A close up of a logo&#10;&#10;Description automatically generated">
+            <a:extLst>
+              <a:ext uri="{FF2B5EF4-FFF2-40B4-BE49-F238E27FC236}">
+                <a16:creationId xmlns:a16="http://schemas.microsoft.com/office/drawing/2014/main" id="{BE87571F-D390-4E5A-AA97-D539443FF0F9}"/>
+              </a:ext>
+            </a:extLst>
+          </p:cNvPr>
+          <p:cNvPicPr>
+            <a:picLocks noChangeAspect="1"/>
+          </p:cNvPicPr>
+          <p:nvPr/>
+        </p:nvPicPr>
+        <p:blipFill>
+          <a:blip r:embed="rId2">
+            <a:extLst>
+              <a:ext uri="{28A0092B-C50C-407E-A947-70E740481C1C}">
+                <a14:useLocalDpi xmlns:a14="http://schemas.microsoft.com/office/drawing/2010/main" val="0"/>
+              </a:ext>
+            </a:extLst>
+          </a:blip>
+          <a:stretch>
+            <a:fillRect/>
+          </a:stretch>
+        </p:blipFill>
+        <p:spPr>
+          <a:xfrm>
+            <a:off x="1276796" y="3279954"/>
+            <a:ext cx="2248120" cy="972312"/>
+          </a:xfrm>
+          <a:prstGeom prst="rect">
+            <a:avLst/>
+          </a:prstGeom>
+        </p:spPr>
+      </p:pic>
+      <p:pic>
+        <p:nvPicPr>
+          <p:cNvPr id="10" name="Picture 9" descr="A close up of a logo&#10;&#10;Description automatically generated">
+            <a:extLst>
+              <a:ext uri="{FF2B5EF4-FFF2-40B4-BE49-F238E27FC236}">
+                <a16:creationId xmlns:a16="http://schemas.microsoft.com/office/drawing/2014/main" id="{19968053-D2AE-4813-B605-FE83B2D88881}"/>
+              </a:ext>
+            </a:extLst>
+          </p:cNvPr>
+          <p:cNvPicPr>
+            <a:picLocks noChangeAspect="1"/>
+          </p:cNvPicPr>
+          <p:nvPr/>
+        </p:nvPicPr>
+        <p:blipFill>
+          <a:blip r:embed="rId3">
+            <a:extLst>
+              <a:ext uri="{28A0092B-C50C-407E-A947-70E740481C1C}">
+                <a14:useLocalDpi xmlns:a14="http://schemas.microsoft.com/office/drawing/2010/main" val="0"/>
+              </a:ext>
+            </a:extLst>
+          </a:blip>
+          <a:stretch>
+            <a:fillRect/>
+          </a:stretch>
+        </p:blipFill>
+        <p:spPr>
+          <a:xfrm>
+            <a:off x="1221509" y="4582712"/>
+            <a:ext cx="2392434" cy="777237"/>
+          </a:xfrm>
+          <a:prstGeom prst="rect">
+            <a:avLst/>
+          </a:prstGeom>
+        </p:spPr>
+      </p:pic>
+      <p:pic>
+        <p:nvPicPr>
+          <p:cNvPr id="12" name="Picture 11">
+            <a:extLst>
+              <a:ext uri="{FF2B5EF4-FFF2-40B4-BE49-F238E27FC236}">
+                <a16:creationId xmlns:a16="http://schemas.microsoft.com/office/drawing/2014/main" id="{9532096E-F842-4F20-B6C0-3E32FCE7EDF8}"/>
+              </a:ext>
+            </a:extLst>
+          </p:cNvPr>
+          <p:cNvPicPr>
+            <a:picLocks noChangeAspect="1"/>
+          </p:cNvPicPr>
+          <p:nvPr/>
+        </p:nvPicPr>
+        <p:blipFill>
+          <a:blip r:embed="rId4">
+            <a:extLst>
+              <a:ext uri="{28A0092B-C50C-407E-A947-70E740481C1C}">
+                <a14:useLocalDpi xmlns:a14="http://schemas.microsoft.com/office/drawing/2010/main" val="0"/>
+              </a:ext>
+            </a:extLst>
+          </a:blip>
+          <a:stretch>
+            <a:fillRect/>
+          </a:stretch>
+        </p:blipFill>
+        <p:spPr>
+          <a:xfrm>
+            <a:off x="1244393" y="1804459"/>
+            <a:ext cx="2392434" cy="1004232"/>
+          </a:xfrm>
+          <a:prstGeom prst="rect">
+            <a:avLst/>
+          </a:prstGeom>
+        </p:spPr>
+      </p:pic>
+      <p:pic>
+        <p:nvPicPr>
+          <p:cNvPr id="14" name="Picture 13">
+            <a:extLst>
+              <a:ext uri="{FF2B5EF4-FFF2-40B4-BE49-F238E27FC236}">
+                <a16:creationId xmlns:a16="http://schemas.microsoft.com/office/drawing/2014/main" id="{B8A98661-6567-4B38-8641-44427A857F78}"/>
+              </a:ext>
+            </a:extLst>
+          </p:cNvPr>
+          <p:cNvPicPr>
+            <a:picLocks noChangeAspect="1"/>
+          </p:cNvPicPr>
+          <p:nvPr/>
+        </p:nvPicPr>
+        <p:blipFill>
+          <a:blip r:embed="rId5">
+            <a:extLst>
+              <a:ext uri="{28A0092B-C50C-407E-A947-70E740481C1C}">
+                <a14:useLocalDpi xmlns:a14="http://schemas.microsoft.com/office/drawing/2010/main" val="0"/>
+              </a:ext>
+            </a:extLst>
+          </a:blip>
+          <a:stretch>
+            <a:fillRect/>
+          </a:stretch>
+        </p:blipFill>
+        <p:spPr>
+          <a:xfrm>
+            <a:off x="5345681" y="1819562"/>
+            <a:ext cx="2085974" cy="1166812"/>
+          </a:xfrm>
+          <a:prstGeom prst="rect">
+            <a:avLst/>
+          </a:prstGeom>
+        </p:spPr>
+      </p:pic>
+      <p:pic>
+        <p:nvPicPr>
+          <p:cNvPr id="16" name="Picture 15" descr="A close up of a bowl&#10;&#10;Description automatically generated">
+            <a:extLst>
+              <a:ext uri="{FF2B5EF4-FFF2-40B4-BE49-F238E27FC236}">
+                <a16:creationId xmlns:a16="http://schemas.microsoft.com/office/drawing/2014/main" id="{2B4FB250-E54F-4298-9709-686781E6F48E}"/>
+              </a:ext>
+            </a:extLst>
+          </p:cNvPr>
+          <p:cNvPicPr>
+            <a:picLocks noChangeAspect="1"/>
+          </p:cNvPicPr>
+          <p:nvPr/>
+        </p:nvPicPr>
+        <p:blipFill>
+          <a:blip r:embed="rId6">
+            <a:extLst>
+              <a:ext uri="{28A0092B-C50C-407E-A947-70E740481C1C}">
+                <a14:useLocalDpi xmlns:a14="http://schemas.microsoft.com/office/drawing/2010/main" val="0"/>
+              </a:ext>
+            </a:extLst>
+          </a:blip>
+          <a:stretch>
+            <a:fillRect/>
+          </a:stretch>
+        </p:blipFill>
+        <p:spPr>
+          <a:xfrm>
+            <a:off x="4796149" y="3000658"/>
+            <a:ext cx="1530905" cy="1530905"/>
+          </a:xfrm>
+          <a:prstGeom prst="rect">
+            <a:avLst/>
+          </a:prstGeom>
+        </p:spPr>
+      </p:pic>
+      <p:sp>
+        <p:nvSpPr>
+          <p:cNvPr id="17" name="TextBox 16">
+            <a:extLst>
+              <a:ext uri="{FF2B5EF4-FFF2-40B4-BE49-F238E27FC236}">
+                <a16:creationId xmlns:a16="http://schemas.microsoft.com/office/drawing/2014/main" id="{73A8021D-D71C-4A09-97B6-24D8B2D08DA0}"/>
+              </a:ext>
+            </a:extLst>
+          </p:cNvPr>
+          <p:cNvSpPr txBox="1"/>
+          <p:nvPr/>
+        </p:nvSpPr>
+        <p:spPr>
+          <a:xfrm flipH="1">
+            <a:off x="6294597" y="3388195"/>
+            <a:ext cx="2009362" cy="584775"/>
+          </a:xfrm>
+          <a:prstGeom prst="rect">
+            <a:avLst/>
+          </a:prstGeom>
+          <a:noFill/>
+        </p:spPr>
+        <p:txBody>
+          <a:bodyPr wrap="square" rtlCol="0">
+            <a:spAutoFit/>
+          </a:bodyPr>
+          <a:lstStyle/>
+          <a:p>
+            <a:r>
+              <a:rPr lang="en-US" sz="3200" dirty="0" err="1">
+                <a:latin typeface="Arial Black" panose="020B0A04020102020204" pitchFamily="34" charset="0"/>
+              </a:rPr>
+              <a:t>Magicc</a:t>
+            </a:r>
+            <a:endParaRPr lang="en-US" sz="3200" dirty="0">
+              <a:latin typeface="Arial Black" panose="020B0A04020102020204" pitchFamily="34" charset="0"/>
+            </a:endParaRPr>
+          </a:p>
+        </p:txBody>
+      </p:sp>
+      <p:pic>
+        <p:nvPicPr>
+          <p:cNvPr id="19" name="Picture 18">
+            <a:extLst>
+              <a:ext uri="{FF2B5EF4-FFF2-40B4-BE49-F238E27FC236}">
+                <a16:creationId xmlns:a16="http://schemas.microsoft.com/office/drawing/2014/main" id="{145815C4-AD24-43C8-8838-984A6A064655}"/>
+              </a:ext>
+            </a:extLst>
+          </p:cNvPr>
+          <p:cNvPicPr>
+            <a:picLocks noChangeAspect="1"/>
+          </p:cNvPicPr>
+          <p:nvPr/>
+        </p:nvPicPr>
+        <p:blipFill>
+          <a:blip r:embed="rId7">
+            <a:extLst>
+              <a:ext uri="{28A0092B-C50C-407E-A947-70E740481C1C}">
+                <a14:useLocalDpi xmlns:a14="http://schemas.microsoft.com/office/drawing/2010/main" val="0"/>
+              </a:ext>
+            </a:extLst>
+          </a:blip>
+          <a:stretch>
+            <a:fillRect/>
+          </a:stretch>
+        </p:blipFill>
+        <p:spPr>
+          <a:xfrm>
+            <a:off x="4973831" y="4460573"/>
+            <a:ext cx="2829673" cy="1021516"/>
+          </a:xfrm>
+          <a:prstGeom prst="rect">
+            <a:avLst/>
+          </a:prstGeom>
+        </p:spPr>
+      </p:pic>
+      <p:pic>
+        <p:nvPicPr>
+          <p:cNvPr id="21" name="Picture 20">
+            <a:extLst>
+              <a:ext uri="{FF2B5EF4-FFF2-40B4-BE49-F238E27FC236}">
+                <a16:creationId xmlns:a16="http://schemas.microsoft.com/office/drawing/2014/main" id="{42276E20-A071-42F9-90B3-788B3809E5A6}"/>
+              </a:ext>
+            </a:extLst>
+          </p:cNvPr>
+          <p:cNvPicPr>
+            <a:picLocks noChangeAspect="1"/>
+          </p:cNvPicPr>
+          <p:nvPr/>
+        </p:nvPicPr>
+        <p:blipFill>
+          <a:blip r:embed="rId8">
+            <a:extLst>
+              <a:ext uri="{28A0092B-C50C-407E-A947-70E740481C1C}">
+                <a14:useLocalDpi xmlns:a14="http://schemas.microsoft.com/office/drawing/2010/main" val="0"/>
+              </a:ext>
+            </a:extLst>
+          </a:blip>
+          <a:stretch>
+            <a:fillRect/>
+          </a:stretch>
+        </p:blipFill>
+        <p:spPr>
+          <a:xfrm>
+            <a:off x="5548332" y="5541064"/>
+            <a:ext cx="1883323" cy="1044900"/>
+          </a:xfrm>
+          <a:prstGeom prst="rect">
+            <a:avLst/>
+          </a:prstGeom>
+        </p:spPr>
+      </p:pic>
+      <p:sp>
+        <p:nvSpPr>
+          <p:cNvPr id="24" name="Rectangle 23">
+            <a:extLst>
+              <a:ext uri="{FF2B5EF4-FFF2-40B4-BE49-F238E27FC236}">
+                <a16:creationId xmlns:a16="http://schemas.microsoft.com/office/drawing/2014/main" id="{1FAFBCD6-0BD7-49BF-9D38-F9269EB82EF9}"/>
+              </a:ext>
+            </a:extLst>
+          </p:cNvPr>
+          <p:cNvSpPr/>
+          <p:nvPr/>
+        </p:nvSpPr>
+        <p:spPr>
+          <a:xfrm>
+            <a:off x="8667543" y="1350781"/>
+            <a:ext cx="3286539" cy="5393635"/>
+          </a:xfrm>
+          <a:prstGeom prst="rect">
+            <a:avLst/>
+          </a:prstGeom>
+        </p:spPr>
+        <p:style>
+          <a:lnRef idx="2">
+            <a:schemeClr val="accent6"/>
+          </a:lnRef>
+          <a:fillRef idx="1">
+            <a:schemeClr val="lt1"/>
+          </a:fillRef>
+          <a:effectRef idx="0">
+            <a:schemeClr val="accent6"/>
+          </a:effectRef>
+          <a:fontRef idx="minor">
+            <a:schemeClr val="dk1"/>
+          </a:fontRef>
+        </p:style>
+        <p:txBody>
+          <a:bodyPr rtlCol="0" anchor="t"/>
+          <a:lstStyle/>
+          <a:p>
+            <a:r>
+              <a:rPr lang="en-US" dirty="0"/>
+              <a:t>Data</a:t>
+            </a:r>
+          </a:p>
+          <a:p>
+            <a:endParaRPr lang="en-US" dirty="0"/>
+          </a:p>
+        </p:txBody>
+      </p:sp>
+      <p:pic>
+        <p:nvPicPr>
+          <p:cNvPr id="23" name="Picture 22" descr="A close up of a flower&#10;&#10;Description automatically generated">
+            <a:extLst>
+              <a:ext uri="{FF2B5EF4-FFF2-40B4-BE49-F238E27FC236}">
+                <a16:creationId xmlns:a16="http://schemas.microsoft.com/office/drawing/2014/main" id="{0EF33ACF-B25A-43A2-9621-9899548BA32D}"/>
+              </a:ext>
+            </a:extLst>
+          </p:cNvPr>
+          <p:cNvPicPr>
+            <a:picLocks noChangeAspect="1"/>
+          </p:cNvPicPr>
+          <p:nvPr/>
+        </p:nvPicPr>
+        <p:blipFill>
+          <a:blip r:embed="rId9">
+            <a:extLst>
+              <a:ext uri="{28A0092B-C50C-407E-A947-70E740481C1C}">
+                <a14:useLocalDpi xmlns:a14="http://schemas.microsoft.com/office/drawing/2010/main" val="0"/>
+              </a:ext>
+            </a:extLst>
+          </a:blip>
+          <a:stretch>
+            <a:fillRect/>
+          </a:stretch>
+        </p:blipFill>
+        <p:spPr>
+          <a:xfrm>
+            <a:off x="8939564" y="1819562"/>
+            <a:ext cx="2714625" cy="1990725"/>
+          </a:xfrm>
+          <a:prstGeom prst="rect">
+            <a:avLst/>
+          </a:prstGeom>
+        </p:spPr>
+      </p:pic>
+      <p:pic>
+        <p:nvPicPr>
+          <p:cNvPr id="26" name="Picture 25">
+            <a:extLst>
+              <a:ext uri="{FF2B5EF4-FFF2-40B4-BE49-F238E27FC236}">
+                <a16:creationId xmlns:a16="http://schemas.microsoft.com/office/drawing/2014/main" id="{51E460A3-2E42-4121-B353-953843C84610}"/>
+              </a:ext>
+            </a:extLst>
+          </p:cNvPr>
+          <p:cNvPicPr>
+            <a:picLocks noChangeAspect="1"/>
+          </p:cNvPicPr>
+          <p:nvPr/>
+        </p:nvPicPr>
+        <p:blipFill>
+          <a:blip r:embed="rId10">
+            <a:extLst>
+              <a:ext uri="{28A0092B-C50C-407E-A947-70E740481C1C}">
+                <a14:useLocalDpi xmlns:a14="http://schemas.microsoft.com/office/drawing/2010/main" val="0"/>
+              </a:ext>
+            </a:extLst>
+          </a:blip>
+          <a:stretch>
+            <a:fillRect/>
+          </a:stretch>
+        </p:blipFill>
+        <p:spPr>
+          <a:xfrm>
+            <a:off x="9113729" y="4148597"/>
+            <a:ext cx="2537346" cy="2323257"/>
+          </a:xfrm>
+          <a:prstGeom prst="rect">
+            <a:avLst/>
+          </a:prstGeom>
+        </p:spPr>
+      </p:pic>
+      <p:pic>
+        <p:nvPicPr>
+          <p:cNvPr id="28" name="Picture 27" descr="A picture containing clipart&#10;&#10;Description automatically generated">
+            <a:extLst>
+              <a:ext uri="{FF2B5EF4-FFF2-40B4-BE49-F238E27FC236}">
+                <a16:creationId xmlns:a16="http://schemas.microsoft.com/office/drawing/2014/main" id="{F998608E-850E-4FD9-B07A-0E9E81DE1C42}"/>
+              </a:ext>
+            </a:extLst>
+          </p:cNvPr>
+          <p:cNvPicPr>
+            <a:picLocks noChangeAspect="1"/>
+          </p:cNvPicPr>
+          <p:nvPr/>
+        </p:nvPicPr>
+        <p:blipFill>
+          <a:blip r:embed="rId11">
+            <a:extLst>
+              <a:ext uri="{28A0092B-C50C-407E-A947-70E740481C1C}">
+                <a14:useLocalDpi xmlns:a14="http://schemas.microsoft.com/office/drawing/2010/main" val="0"/>
+              </a:ext>
+            </a:extLst>
+          </a:blip>
+          <a:stretch>
+            <a:fillRect/>
+          </a:stretch>
+        </p:blipFill>
+        <p:spPr>
+          <a:xfrm>
+            <a:off x="1488677" y="5305181"/>
+            <a:ext cx="1903866" cy="1280783"/>
+          </a:xfrm>
+          <a:prstGeom prst="rect">
+            <a:avLst/>
+          </a:prstGeom>
+        </p:spPr>
+      </p:pic>
+    </p:spTree>
+    <p:extLst>
+      <p:ext uri="{BB962C8B-B14F-4D97-AF65-F5344CB8AC3E}">
+        <p14:creationId xmlns:p14="http://schemas.microsoft.com/office/powerpoint/2010/main" val="125913415"/>
+      </p:ext>
+    </p:extLst>
+  </p:cSld>
+  <p:clrMapOvr>
+    <a:masterClrMapping/>
+  </p:clrMapOvr>
+</p:sld>
+</file>
+
+<file path=ppt/slides/slide6.xml><?xml version="1.0" encoding="utf-8"?>
+<p:sld xmlns:a="http://schemas.openxmlformats.org/drawingml/2006/main" xmlns:r="http://schemas.openxmlformats.org/officeDocument/2006/relationships" xmlns:p="http://schemas.openxmlformats.org/presentationml/2006/main">
+  <p:cSld>
+    <p:spTree>
+      <p:nvGrpSpPr>
+        <p:cNvPr id="1" name=""/>
+        <p:cNvGrpSpPr/>
+        <p:nvPr/>
+      </p:nvGrpSpPr>
+      <p:grpSpPr>
+        <a:xfrm>
+          <a:off x="0" y="0"/>
+          <a:ext cx="0" cy="0"/>
+          <a:chOff x="0" y="0"/>
+          <a:chExt cx="0" cy="0"/>
+        </a:xfrm>
+      </p:grpSpPr>
+      <p:sp>
+        <p:nvSpPr>
+          <p:cNvPr id="2" name="Title 1">
+            <a:extLst>
+              <a:ext uri="{FF2B5EF4-FFF2-40B4-BE49-F238E27FC236}">
+                <a16:creationId xmlns:a16="http://schemas.microsoft.com/office/drawing/2014/main" id="{973DC2BF-0A61-4D60-A1DD-C102F33CBD2E}"/>
+              </a:ext>
+            </a:extLst>
+          </p:cNvPr>
+          <p:cNvSpPr>
+            <a:spLocks noGrp="1"/>
+          </p:cNvSpPr>
+          <p:nvPr>
+            <p:ph type="title"/>
+          </p:nvPr>
+        </p:nvSpPr>
+        <p:spPr/>
+        <p:txBody>
+          <a:bodyPr/>
+          <a:lstStyle/>
+          <a:p>
+            <a:r>
+              <a:rPr lang="en-US" dirty="0"/>
+              <a:t>DEMO!</a:t>
+            </a:r>
+          </a:p>
+        </p:txBody>
+      </p:sp>
+    </p:spTree>
+    <p:extLst>
+      <p:ext uri="{BB962C8B-B14F-4D97-AF65-F5344CB8AC3E}">
+        <p14:creationId xmlns:p14="http://schemas.microsoft.com/office/powerpoint/2010/main" val="2264809720"/>
+      </p:ext>
+    </p:extLst>
+  </p:cSld>
+  <p:clrMapOvr>
+    <a:masterClrMapping/>
+  </p:clrMapOvr>
+</p:sld>
+</file>
+
+<file path=ppt/slides/slide7.xml><?xml version="1.0" encoding="utf-8"?>
+<p:sld xmlns:a="http://schemas.openxmlformats.org/drawingml/2006/main" xmlns:r="http://schemas.openxmlformats.org/officeDocument/2006/relationships" xmlns:p="http://schemas.openxmlformats.org/presentationml/2006/main">
+  <p:cSld>
+    <p:spTree>
+      <p:nvGrpSpPr>
+        <p:cNvPr id="1" name=""/>
+        <p:cNvGrpSpPr/>
+        <p:nvPr/>
+      </p:nvGrpSpPr>
+      <p:grpSpPr>
+        <a:xfrm>
+          <a:off x="0" y="0"/>
+          <a:ext cx="0" cy="0"/>
+          <a:chOff x="0" y="0"/>
+          <a:chExt cx="0" cy="0"/>
+        </a:xfrm>
+      </p:grpSpPr>
+      <p:sp>
+        <p:nvSpPr>
+          <p:cNvPr id="3" name="Title 2">
+            <a:extLst>
+              <a:ext uri="{FF2B5EF4-FFF2-40B4-BE49-F238E27FC236}">
+                <a16:creationId xmlns:a16="http://schemas.microsoft.com/office/drawing/2014/main" id="{C1A5EB61-8AEC-4116-B8D3-8529387E4231}"/>
+              </a:ext>
+            </a:extLst>
+          </p:cNvPr>
+          <p:cNvSpPr>
+            <a:spLocks noGrp="1"/>
+          </p:cNvSpPr>
+          <p:nvPr>
+            <p:ph type="title"/>
+          </p:nvPr>
+        </p:nvSpPr>
+        <p:spPr/>
+        <p:txBody>
+          <a:bodyPr/>
+          <a:lstStyle/>
+          <a:p>
+            <a:r>
+              <a:rPr lang="en-US" dirty="0"/>
+              <a:t>The Future (if it’s not under water)</a:t>
+            </a:r>
+          </a:p>
+        </p:txBody>
+      </p:sp>
+      <p:sp>
+        <p:nvSpPr>
+          <p:cNvPr id="4" name="Content Placeholder 3">
+            <a:extLst>
+              <a:ext uri="{FF2B5EF4-FFF2-40B4-BE49-F238E27FC236}">
+                <a16:creationId xmlns:a16="http://schemas.microsoft.com/office/drawing/2014/main" id="{C2E789AB-A0EA-40D4-BE05-484B60567713}"/>
+              </a:ext>
+            </a:extLst>
+          </p:cNvPr>
+          <p:cNvSpPr>
+            <a:spLocks noGrp="1"/>
+          </p:cNvSpPr>
+          <p:nvPr>
+            <p:ph idx="1"/>
+          </p:nvPr>
+        </p:nvSpPr>
+        <p:spPr/>
+        <p:txBody>
+          <a:bodyPr/>
+          <a:lstStyle/>
+          <a:p>
+            <a:r>
+              <a:rPr lang="en-US" dirty="0"/>
+              <a:t>Better understanding of models.</a:t>
+            </a:r>
+          </a:p>
+          <a:p>
+            <a:r>
+              <a:rPr lang="en-US" dirty="0"/>
+              <a:t>More Robust UI.</a:t>
+            </a:r>
+          </a:p>
+          <a:p>
+            <a:r>
+              <a:rPr lang="en-US" dirty="0"/>
+              <a:t>More Greenhouse Gases.</a:t>
+            </a:r>
+          </a:p>
+          <a:p>
+            <a:r>
+              <a:rPr lang="en-US" dirty="0"/>
+              <a:t>Decay and Growth of Carbon Emission.</a:t>
+            </a:r>
+          </a:p>
+          <a:p>
+            <a:endParaRPr lang="en-US" dirty="0"/>
+          </a:p>
+        </p:txBody>
+      </p:sp>
+    </p:spTree>
+    <p:extLst>
+      <p:ext uri="{BB962C8B-B14F-4D97-AF65-F5344CB8AC3E}">
+        <p14:creationId xmlns:p14="http://schemas.microsoft.com/office/powerpoint/2010/main" val="3925568814"/>
+      </p:ext>
+    </p:extLst>
+  </p:cSld>
+  <p:clrMapOvr>
+    <a:masterClrMapping/>
+  </p:clrMapOvr>
+</p:sld>
+</file>
+
+<file path=ppt/slides/slide8.xml><?xml version="1.0" encoding="utf-8"?>
+<p:sld xmlns:a="http://schemas.openxmlformats.org/drawingml/2006/main" xmlns:r="http://schemas.openxmlformats.org/officeDocument/2006/relationships" xmlns:p="http://schemas.openxmlformats.org/presentationml/2006/main">
+  <p:cSld>
+    <p:spTree>
+      <p:nvGrpSpPr>
+        <p:cNvPr id="1" name=""/>
+        <p:cNvGrpSpPr/>
+        <p:nvPr/>
+      </p:nvGrpSpPr>
+      <p:grpSpPr>
+        <a:xfrm>
+          <a:off x="0" y="0"/>
+          <a:ext cx="0" cy="0"/>
+          <a:chOff x="0" y="0"/>
+          <a:chExt cx="0" cy="0"/>
+        </a:xfrm>
+      </p:grpSpPr>
+      <p:sp>
+        <p:nvSpPr>
+          <p:cNvPr id="2" name="Title 1">
+            <a:extLst>
+              <a:ext uri="{FF2B5EF4-FFF2-40B4-BE49-F238E27FC236}">
+                <a16:creationId xmlns:a16="http://schemas.microsoft.com/office/drawing/2014/main" id="{1EC1B233-04EC-4F96-A5A2-72824C1E461F}"/>
+              </a:ext>
+            </a:extLst>
+          </p:cNvPr>
+          <p:cNvSpPr>
+            <a:spLocks noGrp="1"/>
+          </p:cNvSpPr>
+          <p:nvPr>
+            <p:ph type="title"/>
+          </p:nvPr>
+        </p:nvSpPr>
+        <p:spPr/>
+        <p:txBody>
+          <a:bodyPr/>
+          <a:lstStyle/>
+          <a:p>
+            <a:r>
+              <a:rPr lang="en-US" dirty="0"/>
+              <a:t>Citations</a:t>
+            </a:r>
+          </a:p>
+        </p:txBody>
+      </p:sp>
+      <p:sp>
+        <p:nvSpPr>
+          <p:cNvPr id="3" name="Content Placeholder 2">
+            <a:extLst>
+              <a:ext uri="{FF2B5EF4-FFF2-40B4-BE49-F238E27FC236}">
+                <a16:creationId xmlns:a16="http://schemas.microsoft.com/office/drawing/2014/main" id="{AD2C43FF-3058-44A6-92F8-5BC0BE9DA861}"/>
+              </a:ext>
+            </a:extLst>
+          </p:cNvPr>
+          <p:cNvSpPr>
+            <a:spLocks noGrp="1"/>
+          </p:cNvSpPr>
+          <p:nvPr>
+            <p:ph idx="1"/>
+          </p:nvPr>
+        </p:nvSpPr>
+        <p:spPr/>
+        <p:txBody>
+          <a:bodyPr>
+            <a:normAutofit fontScale="92500" lnSpcReduction="10000"/>
+          </a:bodyPr>
+          <a:lstStyle/>
+          <a:p>
+            <a:r>
+              <a:rPr lang="en-US" dirty="0"/>
+              <a:t>M. Meinshausen1, S. C. B. Raper2, and T. M. L. Wigley3. "</a:t>
+            </a:r>
+            <a:r>
+              <a:rPr lang="en-US" dirty="0" err="1"/>
+              <a:t>mulating</a:t>
+            </a:r>
+            <a:r>
+              <a:rPr lang="en-US" dirty="0"/>
+              <a:t> coupled atmosphere-ocean and carbon cycle models with a simpler model, MAGICC6 – Part 1: Model description and calibration". (2011, February 16)</a:t>
+            </a:r>
+          </a:p>
+          <a:p>
+            <a:r>
+              <a:rPr lang="en-US" dirty="0"/>
+              <a:t>Robert </a:t>
+            </a:r>
+            <a:r>
+              <a:rPr lang="en-US" dirty="0" err="1"/>
+              <a:t>Gieseke</a:t>
+            </a:r>
+            <a:r>
+              <a:rPr lang="en-US" dirty="0"/>
+              <a:t>, Zeb Nicholls, Jared Lewis, Sven </a:t>
+            </a:r>
+            <a:r>
+              <a:rPr lang="en-US" dirty="0" err="1"/>
+              <a:t>Willner</a:t>
+            </a:r>
+            <a:r>
+              <a:rPr lang="en-US" dirty="0"/>
+              <a:t>, &amp; Matthias </a:t>
+            </a:r>
+            <a:r>
+              <a:rPr lang="en-US" dirty="0" err="1"/>
+              <a:t>Mengel</a:t>
+            </a:r>
+            <a:r>
+              <a:rPr lang="en-US" dirty="0"/>
+              <a:t>. "</a:t>
+            </a:r>
+            <a:r>
+              <a:rPr lang="en-US" dirty="0" err="1"/>
+              <a:t>openclimatedata</a:t>
+            </a:r>
+            <a:r>
+              <a:rPr lang="en-US" dirty="0"/>
+              <a:t>/</a:t>
+            </a:r>
+            <a:r>
+              <a:rPr lang="en-US" dirty="0" err="1"/>
+              <a:t>pymagicc</a:t>
+            </a:r>
+            <a:r>
+              <a:rPr lang="en-US" dirty="0"/>
+              <a:t>: v1.3.2 (Version v1.3.2)." (2018, October 15). </a:t>
+            </a:r>
+            <a:r>
+              <a:rPr lang="en-US" dirty="0">
+                <a:hlinkClick r:id="rId2"/>
+              </a:rPr>
+              <a:t>http://doi.org/10.5281/zenodo.1462562</a:t>
+            </a:r>
+            <a:endParaRPr lang="en-US" dirty="0"/>
+          </a:p>
+          <a:p>
+            <a:r>
+              <a:rPr lang="en-US" dirty="0"/>
+              <a:t>U.S. Energy Information Administration. "Monthly Energy Review." (2019, February 25).</a:t>
+            </a:r>
+          </a:p>
+          <a:p>
+            <a:r>
+              <a:rPr lang="en-US" dirty="0"/>
+              <a:t>de Boer, B., van de Wal, R.S.W., </a:t>
+            </a:r>
+            <a:r>
+              <a:rPr lang="en-US" dirty="0" err="1"/>
+              <a:t>Bintanja</a:t>
+            </a:r>
+            <a:r>
+              <a:rPr lang="en-US" dirty="0"/>
+              <a:t>, R., Lourens, L.J., </a:t>
+            </a:r>
+            <a:r>
+              <a:rPr lang="en-US" dirty="0" err="1"/>
+              <a:t>Tuenter</a:t>
+            </a:r>
+            <a:r>
+              <a:rPr lang="en-US" dirty="0"/>
+              <a:t>, E. "Cenozoic global ice-volume and temperature simulations with 1-D ice-sheet models forced by benthic d18O records", Annals of Glaciology, 51 (55), 23-33, 2010</a:t>
+            </a:r>
+          </a:p>
+          <a:p>
+            <a:r>
+              <a:rPr lang="en-US" dirty="0"/>
+              <a:t>Wolfram Research, "Sea Level and Temperatures Over the Last 40 Million Years" from the Wolfram Data Repository (2019) https://doi.org/10.24097/wolfram.90759.data</a:t>
+            </a:r>
+          </a:p>
+          <a:p>
+            <a:endParaRPr lang="en-US" dirty="0"/>
+          </a:p>
+        </p:txBody>
+      </p:sp>
+    </p:spTree>
+    <p:extLst>
+      <p:ext uri="{BB962C8B-B14F-4D97-AF65-F5344CB8AC3E}">
+        <p14:creationId xmlns:p14="http://schemas.microsoft.com/office/powerpoint/2010/main" val="2005987859"/>
+      </p:ext>
+    </p:extLst>
+  </p:cSld>
+  <p:clrMapOvr>
+    <a:masterClrMapping/>
+  </p:clrMapOvr>
+</p:sld>
+</file>
+
 <file path=ppt/theme/theme1.xml><?xml version="1.0" encoding="utf-8"?>
-<a:theme xmlns:a="http://schemas.openxmlformats.org/drawingml/2006/main" name="Office Theme">
+<a:theme xmlns:a="http://schemas.openxmlformats.org/drawingml/2006/main" name="Facet">
   <a:themeElements>
-    <a:clrScheme name="Office">
+    <a:clrScheme name="Facet">
       <a:dk1>
         <a:sysClr val="windowText" lastClr="000000"/>
       </a:dk1>
@@ -3649,52 +7366,52 @@
         <a:sysClr val="window" lastClr="FFFFFF"/>
       </a:lt1>
       <a:dk2>
-        <a:srgbClr val="44546A"/>
+        <a:srgbClr val="2C3C43"/>
       </a:dk2>
       <a:lt2>
-        <a:srgbClr val="E7E6E6"/>
+        <a:srgbClr val="EBEBEB"/>
       </a:lt2>
       <a:accent1>
-        <a:srgbClr val="4472C4"/>
+        <a:srgbClr val="90C226"/>
       </a:accent1>
       <a:accent2>
-        <a:srgbClr val="ED7D31"/>
+        <a:srgbClr val="54A021"/>
       </a:accent2>
       <a:accent3>
-        <a:srgbClr val="A5A5A5"/>
+        <a:srgbClr val="E6B91E"/>
       </a:accent3>
       <a:accent4>
-        <a:srgbClr val="FFC000"/>
+        <a:srgbClr val="E76618"/>
       </a:accent4>
       <a:accent5>
-        <a:srgbClr val="5B9BD5"/>
+        <a:srgbClr val="C42F1A"/>
       </a:accent5>
       <a:accent6>
-        <a:srgbClr val="70AD47"/>
+        <a:srgbClr val="918655"/>
       </a:accent6>
       <a:hlink>
-        <a:srgbClr val="0563C1"/>
+        <a:srgbClr val="99CA3C"/>
       </a:hlink>
       <a:folHlink>
-        <a:srgbClr val="954F72"/>
+        <a:srgbClr val="B9D181"/>
       </a:folHlink>
     </a:clrScheme>
-    <a:fontScheme name="Office">
+    <a:fontScheme name="Facet">
       <a:majorFont>
-        <a:latin typeface="Calibri Light" panose="020F0302020204030204"/>
+        <a:latin typeface="Trebuchet MS" panose="020B0603020202020204"/>
         <a:ea typeface=""/>
         <a:cs typeface=""/>
-        <a:font script="Jpan" typeface="游ゴシック Light"/>
+        <a:font script="Jpan" typeface="メイリオ"/>
         <a:font script="Hang" typeface="맑은 고딕"/>
-        <a:font script="Hans" typeface="等线 Light"/>
-        <a:font script="Hant" typeface="新細明體"/>
-        <a:font script="Arab" typeface="Times New Roman"/>
-        <a:font script="Hebr" typeface="Times New Roman"/>
-        <a:font script="Thai" typeface="Angsana New"/>
+        <a:font script="Hans" typeface="方正姚体"/>
+        <a:font script="Hant" typeface="微軟正黑體"/>
+        <a:font script="Arab" typeface="Tahoma"/>
+        <a:font script="Hebr" typeface="Arial"/>
+        <a:font script="Thai" typeface="Cordia New"/>
         <a:font script="Ethi" typeface="Nyala"/>
         <a:font script="Beng" typeface="Vrinda"/>
         <a:font script="Gujr" typeface="Shruti"/>
-        <a:font script="Khmr" typeface="MoolBoran"/>
+        <a:font script="Khmr" typeface="DaunPenh"/>
         <a:font script="Knda" typeface="Tunga"/>
         <a:font script="Guru" typeface="Raavi"/>
         <a:font script="Cans" typeface="Euphemia"/>
@@ -3711,38 +7428,21 @@
         <a:font script="Laoo" typeface="DokChampa"/>
         <a:font script="Sinh" typeface="Iskoola Pota"/>
         <a:font script="Mong" typeface="Mongolian Baiti"/>
-        <a:font script="Viet" typeface="Times New Roman"/>
+        <a:font script="Viet" typeface="Tahoma"/>
         <a:font script="Uigh" typeface="Microsoft Uighur"/>
         <a:font script="Geor" typeface="Sylfaen"/>
-        <a:font script="Armn" typeface="Arial"/>
-        <a:font script="Bugi" typeface="Leelawadee UI"/>
-        <a:font script="Bopo" typeface="Microsoft JhengHei"/>
-        <a:font script="Java" typeface="Javanese Text"/>
-        <a:font script="Lisu" typeface="Segoe UI"/>
-        <a:font script="Mymr" typeface="Myanmar Text"/>
-        <a:font script="Nkoo" typeface="Ebrima"/>
-        <a:font script="Olck" typeface="Nirmala UI"/>
-        <a:font script="Osma" typeface="Ebrima"/>
-        <a:font script="Phag" typeface="Phagspa"/>
-        <a:font script="Syrn" typeface="Estrangelo Edessa"/>
-        <a:font script="Syrj" typeface="Estrangelo Edessa"/>
-        <a:font script="Syre" typeface="Estrangelo Edessa"/>
-        <a:font script="Sora" typeface="Nirmala UI"/>
-        <a:font script="Tale" typeface="Microsoft Tai Le"/>
-        <a:font script="Talu" typeface="Microsoft New Tai Lue"/>
-        <a:font script="Tfng" typeface="Ebrima"/>
       </a:majorFont>
       <a:minorFont>
-        <a:latin typeface="Calibri" panose="020F0502020204030204"/>
+        <a:latin typeface="Trebuchet MS" panose="020B0603020202020204"/>
         <a:ea typeface=""/>
         <a:cs typeface=""/>
-        <a:font script="Jpan" typeface="游ゴシック"/>
-        <a:font script="Hang" typeface="맑은 고딕"/>
-        <a:font script="Hans" typeface="等线"/>
-        <a:font script="Hant" typeface="新細明體"/>
-        <a:font script="Arab" typeface="Arial"/>
-        <a:font script="Hebr" typeface="Arial"/>
-        <a:font script="Thai" typeface="Cordia New"/>
+        <a:font script="Jpan" typeface="メイリオ"/>
+        <a:font script="Hang" typeface="HY그래픽M"/>
+        <a:font script="Hans" typeface="华文新魏"/>
+        <a:font script="Hant" typeface="微軟正黑體"/>
+        <a:font script="Arab" typeface="Tahoma"/>
+        <a:font script="Hebr" typeface="Gisha"/>
+        <a:font script="Thai" typeface="IrisUPC"/>
         <a:font script="Ethi" typeface="Nyala"/>
         <a:font script="Beng" typeface="Vrinda"/>
         <a:font script="Gujr" typeface="Shruti"/>
@@ -3766,26 +7466,9 @@
         <a:font script="Viet" typeface="Arial"/>
         <a:font script="Uigh" typeface="Microsoft Uighur"/>
         <a:font script="Geor" typeface="Sylfaen"/>
-        <a:font script="Armn" typeface="Arial"/>
-        <a:font script="Bugi" typeface="Leelawadee UI"/>
-        <a:font script="Bopo" typeface="Microsoft JhengHei"/>
-        <a:font script="Java" typeface="Javanese Text"/>
-        <a:font script="Lisu" typeface="Segoe UI"/>
-        <a:font script="Mymr" typeface="Myanmar Text"/>
-        <a:font script="Nkoo" typeface="Ebrima"/>
-        <a:font script="Olck" typeface="Nirmala UI"/>
-        <a:font script="Osma" typeface="Ebrima"/>
-        <a:font script="Phag" typeface="Phagspa"/>
-        <a:font script="Syrn" typeface="Estrangelo Edessa"/>
-        <a:font script="Syrj" typeface="Estrangelo Edessa"/>
-        <a:font script="Syre" typeface="Estrangelo Edessa"/>
-        <a:font script="Sora" typeface="Nirmala UI"/>
-        <a:font script="Tale" typeface="Microsoft Tai Le"/>
-        <a:font script="Talu" typeface="Microsoft New Tai Lue"/>
-        <a:font script="Tfng" typeface="Ebrima"/>
       </a:minorFont>
     </a:fontScheme>
-    <a:fmtScheme name="Office">
+    <a:fmtScheme name="Facet">
       <a:fillStyleLst>
         <a:solidFill>
           <a:schemeClr val="phClr"/>
@@ -3794,23 +7477,13 @@
           <a:gsLst>
             <a:gs pos="0">
               <a:schemeClr val="phClr">
+                <a:tint val="65000"/>
                 <a:lumMod val="110000"/>
-                <a:satMod val="105000"/>
-                <a:tint val="67000"/>
               </a:schemeClr>
             </a:gs>
-            <a:gs pos="50000">
+            <a:gs pos="88000">
               <a:schemeClr val="phClr">
-                <a:lumMod val="105000"/>
-                <a:satMod val="103000"/>
-                <a:tint val="73000"/>
-              </a:schemeClr>
-            </a:gs>
-            <a:gs pos="100000">
-              <a:schemeClr val="phClr">
-                <a:lumMod val="105000"/>
-                <a:satMod val="109000"/>
-                <a:tint val="81000"/>
+                <a:tint val="90000"/>
               </a:schemeClr>
             </a:gs>
           </a:gsLst>
@@ -3820,23 +7493,14 @@
           <a:gsLst>
             <a:gs pos="0">
               <a:schemeClr val="phClr">
-                <a:satMod val="103000"/>
-                <a:lumMod val="102000"/>
-                <a:tint val="94000"/>
+                <a:tint val="96000"/>
+                <a:lumMod val="100000"/>
               </a:schemeClr>
             </a:gs>
-            <a:gs pos="50000">
+            <a:gs pos="78000">
               <a:schemeClr val="phClr">
-                <a:satMod val="110000"/>
-                <a:lumMod val="100000"/>
-                <a:shade val="100000"/>
-              </a:schemeClr>
-            </a:gs>
-            <a:gs pos="100000">
-              <a:schemeClr val="phClr">
-                <a:lumMod val="99000"/>
-                <a:satMod val="120000"/>
-                <a:shade val="78000"/>
+                <a:shade val="94000"/>
+                <a:lumMod val="94000"/>
               </a:schemeClr>
             </a:gs>
           </a:gsLst>
@@ -3844,26 +7508,23 @@
         </a:gradFill>
       </a:fillStyleLst>
       <a:lnStyleLst>
-        <a:ln w="6350" cap="flat" cmpd="sng" algn="ctr">
+        <a:ln w="12700" cap="rnd" cmpd="sng" algn="ctr">
           <a:solidFill>
             <a:schemeClr val="phClr"/>
           </a:solidFill>
           <a:prstDash val="solid"/>
-          <a:miter lim="800000"/>
         </a:ln>
-        <a:ln w="12700" cap="flat" cmpd="sng" algn="ctr">
+        <a:ln w="19050" cap="rnd" cmpd="sng" algn="ctr">
           <a:solidFill>
             <a:schemeClr val="phClr"/>
           </a:solidFill>
           <a:prstDash val="solid"/>
-          <a:miter lim="800000"/>
         </a:ln>
-        <a:ln w="19050" cap="flat" cmpd="sng" algn="ctr">
+        <a:ln w="25400" cap="rnd" cmpd="sng" algn="ctr">
           <a:solidFill>
             <a:schemeClr val="phClr"/>
           </a:solidFill>
           <a:prstDash val="solid"/>
-          <a:miter lim="800000"/>
         </a:ln>
       </a:lnStyleLst>
       <a:effectStyleLst>
@@ -3871,54 +7532,72 @@
           <a:effectLst/>
         </a:effectStyle>
         <a:effectStyle>
-          <a:effectLst/>
+          <a:effectLst>
+            <a:outerShdw blurRad="38100" dist="25400" dir="5400000" rotWithShape="0">
+              <a:srgbClr val="000000">
+                <a:alpha val="35000"/>
+              </a:srgbClr>
+            </a:outerShdw>
+          </a:effectLst>
         </a:effectStyle>
         <a:effectStyle>
           <a:effectLst>
-            <a:outerShdw blurRad="57150" dist="19050" dir="5400000" algn="ctr" rotWithShape="0">
+            <a:outerShdw blurRad="50800" dist="38100" dir="5400000" rotWithShape="0">
               <a:srgbClr val="000000">
-                <a:alpha val="63000"/>
+                <a:alpha val="35000"/>
               </a:srgbClr>
             </a:outerShdw>
           </a:effectLst>
+          <a:scene3d>
+            <a:camera prst="orthographicFront">
+              <a:rot lat="0" lon="0" rev="0"/>
+            </a:camera>
+            <a:lightRig rig="threePt" dir="tl"/>
+          </a:scene3d>
+          <a:sp3d prstMaterial="plastic">
+            <a:bevelT w="0" h="0"/>
+          </a:sp3d>
         </a:effectStyle>
       </a:effectStyleLst>
       <a:bgFillStyleLst>
         <a:solidFill>
           <a:schemeClr val="phClr"/>
         </a:solidFill>
-        <a:solidFill>
-          <a:schemeClr val="phClr">
-            <a:tint val="95000"/>
-            <a:satMod val="170000"/>
-          </a:schemeClr>
-        </a:solidFill>
         <a:gradFill rotWithShape="1">
           <a:gsLst>
             <a:gs pos="0">
               <a:schemeClr val="phClr">
-                <a:tint val="93000"/>
-                <a:satMod val="150000"/>
-                <a:shade val="98000"/>
-                <a:lumMod val="102000"/>
+                <a:tint val="90000"/>
+                <a:lumMod val="104000"/>
               </a:schemeClr>
             </a:gs>
-            <a:gs pos="50000">
+            <a:gs pos="94000">
               <a:schemeClr val="phClr">
-                <a:tint val="98000"/>
-                <a:satMod val="130000"/>
-                <a:shade val="90000"/>
-                <a:lumMod val="103000"/>
+                <a:shade val="96000"/>
+                <a:lumMod val="82000"/>
+              </a:schemeClr>
+            </a:gs>
+          </a:gsLst>
+          <a:lin ang="5400000" scaled="0"/>
+        </a:gradFill>
+        <a:gradFill rotWithShape="1">
+          <a:gsLst>
+            <a:gs pos="0">
+              <a:schemeClr val="phClr">
+                <a:tint val="90000"/>
+                <a:lumMod val="110000"/>
               </a:schemeClr>
             </a:gs>
             <a:gs pos="100000">
               <a:schemeClr val="phClr">
-                <a:shade val="63000"/>
-                <a:satMod val="120000"/>
+                <a:shade val="94000"/>
+                <a:lumMod val="96000"/>
               </a:schemeClr>
             </a:gs>
           </a:gsLst>
-          <a:lin ang="5400000" scaled="0"/>
+          <a:path path="circle">
+            <a:fillToRect l="50000" t="50000" r="100000" b="100000"/>
+          </a:path>
         </a:gradFill>
       </a:bgFillStyleLst>
     </a:fmtScheme>
@@ -3927,7 +7606,7 @@
   <a:extraClrSchemeLst/>
   <a:extLst>
     <a:ext uri="{05A4C25C-085E-4340-85A3-A5531E510DB2}">
-      <thm15:themeFamily xmlns:thm15="http://schemas.microsoft.com/office/thememl/2012/main" name="Office Theme" id="{62F939B6-93AF-4DB8-9C6B-D6C7DFDC589F}" vid="{4A3C46E8-61CC-4603-A589-7422A47A8E4A}"/>
+      <thm15:themeFamily xmlns:thm15="http://schemas.microsoft.com/office/thememl/2012/main" name="Facet" id="{C0C680CD-088A-49FC-A102-D699147F32B2}" vid="{CFBC31BA-B70F-4F30-BCAA-4F3011E16C4D}"/>
     </a:ext>
   </a:extLst>
 </a:theme>
